--- a/docs/Travel Portal.pptx
+++ b/docs/Travel Portal.pptx
@@ -4,6 +4,9 @@
   <p:sldMasterIdLst>
     <p:sldMasterId id="2147483660" r:id="rId1"/>
   </p:sldMasterIdLst>
+  <p:notesMasterIdLst>
+    <p:notesMasterId r:id="rId32"/>
+  </p:notesMasterIdLst>
   <p:sldIdLst>
     <p:sldId id="256" r:id="rId2"/>
     <p:sldId id="257" r:id="rId3"/>
@@ -17,22 +20,24 @@
     <p:sldId id="264" r:id="rId11"/>
     <p:sldId id="265" r:id="rId12"/>
     <p:sldId id="267" r:id="rId13"/>
-    <p:sldId id="269" r:id="rId14"/>
-    <p:sldId id="271" r:id="rId15"/>
-    <p:sldId id="272" r:id="rId16"/>
-    <p:sldId id="273" r:id="rId17"/>
-    <p:sldId id="274" r:id="rId18"/>
-    <p:sldId id="275" r:id="rId19"/>
-    <p:sldId id="276" r:id="rId20"/>
-    <p:sldId id="277" r:id="rId21"/>
-    <p:sldId id="278" r:id="rId22"/>
-    <p:sldId id="279" r:id="rId23"/>
-    <p:sldId id="280" r:id="rId24"/>
-    <p:sldId id="281" r:id="rId25"/>
-    <p:sldId id="282" r:id="rId26"/>
-    <p:sldId id="283" r:id="rId27"/>
-    <p:sldId id="284" r:id="rId28"/>
-    <p:sldId id="285" r:id="rId29"/>
+    <p:sldId id="291" r:id="rId14"/>
+    <p:sldId id="288" r:id="rId15"/>
+    <p:sldId id="292" r:id="rId16"/>
+    <p:sldId id="290" r:id="rId17"/>
+    <p:sldId id="305" r:id="rId18"/>
+    <p:sldId id="269" r:id="rId19"/>
+    <p:sldId id="289" r:id="rId20"/>
+    <p:sldId id="294" r:id="rId21"/>
+    <p:sldId id="295" r:id="rId22"/>
+    <p:sldId id="296" r:id="rId23"/>
+    <p:sldId id="297" r:id="rId24"/>
+    <p:sldId id="298" r:id="rId25"/>
+    <p:sldId id="299" r:id="rId26"/>
+    <p:sldId id="300" r:id="rId27"/>
+    <p:sldId id="301" r:id="rId28"/>
+    <p:sldId id="302" r:id="rId29"/>
+    <p:sldId id="303" r:id="rId30"/>
+    <p:sldId id="304" r:id="rId31"/>
   </p:sldIdLst>
   <p:sldSz cx="9144000" cy="6858000" type="screen4x3"/>
   <p:notesSz cx="6858000" cy="9144000"/>
@@ -139,6 +144,1126 @@
 </p:presentation>
 </file>
 
+<file path=ppt/notesMasters/notesMaster1.xml><?xml version="1.0" encoding="utf-8"?>
+<p:notesMaster xmlns:a="http://schemas.openxmlformats.org/drawingml/2006/main" xmlns:r="http://schemas.openxmlformats.org/officeDocument/2006/relationships" xmlns:p="http://schemas.openxmlformats.org/presentationml/2006/main">
+  <p:cSld>
+    <p:bg>
+      <p:bgRef idx="1001">
+        <a:schemeClr val="bg1"/>
+      </p:bgRef>
+    </p:bg>
+    <p:spTree>
+      <p:nvGrpSpPr>
+        <p:cNvPr id="1" name=""/>
+        <p:cNvGrpSpPr/>
+        <p:nvPr/>
+      </p:nvGrpSpPr>
+      <p:grpSpPr>
+        <a:xfrm>
+          <a:off x="0" y="0"/>
+          <a:ext cx="0" cy="0"/>
+          <a:chOff x="0" y="0"/>
+          <a:chExt cx="0" cy="0"/>
+        </a:xfrm>
+      </p:grpSpPr>
+      <p:sp>
+        <p:nvSpPr>
+          <p:cNvPr id="2" name="Верхний колонтитул 1"/>
+          <p:cNvSpPr>
+            <a:spLocks noGrp="1"/>
+          </p:cNvSpPr>
+          <p:nvPr>
+            <p:ph type="hdr" sz="quarter"/>
+          </p:nvPr>
+        </p:nvSpPr>
+        <p:spPr>
+          <a:xfrm>
+            <a:off x="0" y="0"/>
+            <a:ext cx="2971800" cy="458788"/>
+          </a:xfrm>
+          <a:prstGeom prst="rect">
+            <a:avLst/>
+          </a:prstGeom>
+        </p:spPr>
+        <p:txBody>
+          <a:bodyPr vert="horz" lIns="91440" tIns="45720" rIns="91440" bIns="45720" rtlCol="0"/>
+          <a:lstStyle>
+            <a:lvl1pPr algn="l">
+              <a:defRPr sz="1200"/>
+            </a:lvl1pPr>
+          </a:lstStyle>
+          <a:p>
+            <a:endParaRPr lang="ru-RU"/>
+          </a:p>
+        </p:txBody>
+      </p:sp>
+      <p:sp>
+        <p:nvSpPr>
+          <p:cNvPr id="3" name="Дата 2"/>
+          <p:cNvSpPr>
+            <a:spLocks noGrp="1"/>
+          </p:cNvSpPr>
+          <p:nvPr>
+            <p:ph type="dt" idx="1"/>
+          </p:nvPr>
+        </p:nvSpPr>
+        <p:spPr>
+          <a:xfrm>
+            <a:off x="3884613" y="0"/>
+            <a:ext cx="2971800" cy="458788"/>
+          </a:xfrm>
+          <a:prstGeom prst="rect">
+            <a:avLst/>
+          </a:prstGeom>
+        </p:spPr>
+        <p:txBody>
+          <a:bodyPr vert="horz" lIns="91440" tIns="45720" rIns="91440" bIns="45720" rtlCol="0"/>
+          <a:lstStyle>
+            <a:lvl1pPr algn="r">
+              <a:defRPr sz="1200"/>
+            </a:lvl1pPr>
+          </a:lstStyle>
+          <a:p>
+            <a:fld id="{A1F28F12-A453-44AD-ABEA-A91AD7D889A7}" type="datetimeFigureOut">
+              <a:rPr lang="ru-RU" smtClean="0"/>
+              <a:t>08.02.2017</a:t>
+            </a:fld>
+            <a:endParaRPr lang="ru-RU"/>
+          </a:p>
+        </p:txBody>
+      </p:sp>
+      <p:sp>
+        <p:nvSpPr>
+          <p:cNvPr id="4" name="Образ слайда 3"/>
+          <p:cNvSpPr>
+            <a:spLocks noGrp="1" noRot="1" noChangeAspect="1"/>
+          </p:cNvSpPr>
+          <p:nvPr>
+            <p:ph type="sldImg" idx="2"/>
+          </p:nvPr>
+        </p:nvSpPr>
+        <p:spPr>
+          <a:xfrm>
+            <a:off x="1371600" y="1143000"/>
+            <a:ext cx="4114800" cy="3086100"/>
+          </a:xfrm>
+          <a:prstGeom prst="rect">
+            <a:avLst/>
+          </a:prstGeom>
+          <a:noFill/>
+          <a:ln w="12700">
+            <a:solidFill>
+              <a:prstClr val="black"/>
+            </a:solidFill>
+          </a:ln>
+        </p:spPr>
+        <p:txBody>
+          <a:bodyPr vert="horz" lIns="91440" tIns="45720" rIns="91440" bIns="45720" rtlCol="0" anchor="ctr"/>
+          <a:lstStyle/>
+          <a:p>
+            <a:endParaRPr lang="ru-RU"/>
+          </a:p>
+        </p:txBody>
+      </p:sp>
+      <p:sp>
+        <p:nvSpPr>
+          <p:cNvPr id="5" name="Заметки 4"/>
+          <p:cNvSpPr>
+            <a:spLocks noGrp="1"/>
+          </p:cNvSpPr>
+          <p:nvPr>
+            <p:ph type="body" sz="quarter" idx="3"/>
+          </p:nvPr>
+        </p:nvSpPr>
+        <p:spPr>
+          <a:xfrm>
+            <a:off x="685800" y="4400550"/>
+            <a:ext cx="5486400" cy="3600450"/>
+          </a:xfrm>
+          <a:prstGeom prst="rect">
+            <a:avLst/>
+          </a:prstGeom>
+        </p:spPr>
+        <p:txBody>
+          <a:bodyPr vert="horz" lIns="91440" tIns="45720" rIns="91440" bIns="45720" rtlCol="0"/>
+          <a:lstStyle/>
+          <a:p>
+            <a:pPr lvl="0"/>
+            <a:r>
+              <a:rPr lang="ru-RU" smtClean="0"/>
+              <a:t>Образец текста</a:t>
+            </a:r>
+          </a:p>
+          <a:p>
+            <a:pPr lvl="1"/>
+            <a:r>
+              <a:rPr lang="ru-RU" smtClean="0"/>
+              <a:t>Второй уровень</a:t>
+            </a:r>
+          </a:p>
+          <a:p>
+            <a:pPr lvl="2"/>
+            <a:r>
+              <a:rPr lang="ru-RU" smtClean="0"/>
+              <a:t>Третий уровень</a:t>
+            </a:r>
+          </a:p>
+          <a:p>
+            <a:pPr lvl="3"/>
+            <a:r>
+              <a:rPr lang="ru-RU" smtClean="0"/>
+              <a:t>Четвертый уровень</a:t>
+            </a:r>
+          </a:p>
+          <a:p>
+            <a:pPr lvl="4"/>
+            <a:r>
+              <a:rPr lang="ru-RU" smtClean="0"/>
+              <a:t>Пятый уровень</a:t>
+            </a:r>
+            <a:endParaRPr lang="ru-RU"/>
+          </a:p>
+        </p:txBody>
+      </p:sp>
+      <p:sp>
+        <p:nvSpPr>
+          <p:cNvPr id="6" name="Нижний колонтитул 5"/>
+          <p:cNvSpPr>
+            <a:spLocks noGrp="1"/>
+          </p:cNvSpPr>
+          <p:nvPr>
+            <p:ph type="ftr" sz="quarter" idx="4"/>
+          </p:nvPr>
+        </p:nvSpPr>
+        <p:spPr>
+          <a:xfrm>
+            <a:off x="0" y="8685213"/>
+            <a:ext cx="2971800" cy="458787"/>
+          </a:xfrm>
+          <a:prstGeom prst="rect">
+            <a:avLst/>
+          </a:prstGeom>
+        </p:spPr>
+        <p:txBody>
+          <a:bodyPr vert="horz" lIns="91440" tIns="45720" rIns="91440" bIns="45720" rtlCol="0" anchor="b"/>
+          <a:lstStyle>
+            <a:lvl1pPr algn="l">
+              <a:defRPr sz="1200"/>
+            </a:lvl1pPr>
+          </a:lstStyle>
+          <a:p>
+            <a:endParaRPr lang="ru-RU"/>
+          </a:p>
+        </p:txBody>
+      </p:sp>
+      <p:sp>
+        <p:nvSpPr>
+          <p:cNvPr id="7" name="Номер слайда 6"/>
+          <p:cNvSpPr>
+            <a:spLocks noGrp="1"/>
+          </p:cNvSpPr>
+          <p:nvPr>
+            <p:ph type="sldNum" sz="quarter" idx="5"/>
+          </p:nvPr>
+        </p:nvSpPr>
+        <p:spPr>
+          <a:xfrm>
+            <a:off x="3884613" y="8685213"/>
+            <a:ext cx="2971800" cy="458787"/>
+          </a:xfrm>
+          <a:prstGeom prst="rect">
+            <a:avLst/>
+          </a:prstGeom>
+        </p:spPr>
+        <p:txBody>
+          <a:bodyPr vert="horz" lIns="91440" tIns="45720" rIns="91440" bIns="45720" rtlCol="0" anchor="b"/>
+          <a:lstStyle>
+            <a:lvl1pPr algn="r">
+              <a:defRPr sz="1200"/>
+            </a:lvl1pPr>
+          </a:lstStyle>
+          <a:p>
+            <a:fld id="{FDE10940-9A0D-4E1D-A9B1-BC22101F248E}" type="slidenum">
+              <a:rPr lang="ru-RU" smtClean="0"/>
+              <a:t>‹#›</a:t>
+            </a:fld>
+            <a:endParaRPr lang="ru-RU"/>
+          </a:p>
+        </p:txBody>
+      </p:sp>
+    </p:spTree>
+    <p:extLst>
+      <p:ext uri="{BB962C8B-B14F-4D97-AF65-F5344CB8AC3E}">
+        <p14:creationId xmlns:p14="http://schemas.microsoft.com/office/powerpoint/2010/main" val="878521243"/>
+      </p:ext>
+    </p:extLst>
+  </p:cSld>
+  <p:clrMap bg1="lt1" tx1="dk1" bg2="lt2" tx2="dk2" accent1="accent1" accent2="accent2" accent3="accent3" accent4="accent4" accent5="accent5" accent6="accent6" hlink="hlink" folHlink="folHlink"/>
+  <p:notesStyle>
+    <a:lvl1pPr marL="0" algn="l" defTabSz="914400" rtl="0" eaLnBrk="1" latinLnBrk="0" hangingPunct="1">
+      <a:defRPr sz="1200" kern="1200">
+        <a:solidFill>
+          <a:schemeClr val="tx1"/>
+        </a:solidFill>
+        <a:latin typeface="+mn-lt"/>
+        <a:ea typeface="+mn-ea"/>
+        <a:cs typeface="+mn-cs"/>
+      </a:defRPr>
+    </a:lvl1pPr>
+    <a:lvl2pPr marL="457200" algn="l" defTabSz="914400" rtl="0" eaLnBrk="1" latinLnBrk="0" hangingPunct="1">
+      <a:defRPr sz="1200" kern="1200">
+        <a:solidFill>
+          <a:schemeClr val="tx1"/>
+        </a:solidFill>
+        <a:latin typeface="+mn-lt"/>
+        <a:ea typeface="+mn-ea"/>
+        <a:cs typeface="+mn-cs"/>
+      </a:defRPr>
+    </a:lvl2pPr>
+    <a:lvl3pPr marL="914400" algn="l" defTabSz="914400" rtl="0" eaLnBrk="1" latinLnBrk="0" hangingPunct="1">
+      <a:defRPr sz="1200" kern="1200">
+        <a:solidFill>
+          <a:schemeClr val="tx1"/>
+        </a:solidFill>
+        <a:latin typeface="+mn-lt"/>
+        <a:ea typeface="+mn-ea"/>
+        <a:cs typeface="+mn-cs"/>
+      </a:defRPr>
+    </a:lvl3pPr>
+    <a:lvl4pPr marL="1371600" algn="l" defTabSz="914400" rtl="0" eaLnBrk="1" latinLnBrk="0" hangingPunct="1">
+      <a:defRPr sz="1200" kern="1200">
+        <a:solidFill>
+          <a:schemeClr val="tx1"/>
+        </a:solidFill>
+        <a:latin typeface="+mn-lt"/>
+        <a:ea typeface="+mn-ea"/>
+        <a:cs typeface="+mn-cs"/>
+      </a:defRPr>
+    </a:lvl4pPr>
+    <a:lvl5pPr marL="1828800" algn="l" defTabSz="914400" rtl="0" eaLnBrk="1" latinLnBrk="0" hangingPunct="1">
+      <a:defRPr sz="1200" kern="1200">
+        <a:solidFill>
+          <a:schemeClr val="tx1"/>
+        </a:solidFill>
+        <a:latin typeface="+mn-lt"/>
+        <a:ea typeface="+mn-ea"/>
+        <a:cs typeface="+mn-cs"/>
+      </a:defRPr>
+    </a:lvl5pPr>
+    <a:lvl6pPr marL="2286000" algn="l" defTabSz="914400" rtl="0" eaLnBrk="1" latinLnBrk="0" hangingPunct="1">
+      <a:defRPr sz="1200" kern="1200">
+        <a:solidFill>
+          <a:schemeClr val="tx1"/>
+        </a:solidFill>
+        <a:latin typeface="+mn-lt"/>
+        <a:ea typeface="+mn-ea"/>
+        <a:cs typeface="+mn-cs"/>
+      </a:defRPr>
+    </a:lvl6pPr>
+    <a:lvl7pPr marL="2743200" algn="l" defTabSz="914400" rtl="0" eaLnBrk="1" latinLnBrk="0" hangingPunct="1">
+      <a:defRPr sz="1200" kern="1200">
+        <a:solidFill>
+          <a:schemeClr val="tx1"/>
+        </a:solidFill>
+        <a:latin typeface="+mn-lt"/>
+        <a:ea typeface="+mn-ea"/>
+        <a:cs typeface="+mn-cs"/>
+      </a:defRPr>
+    </a:lvl7pPr>
+    <a:lvl8pPr marL="3200400" algn="l" defTabSz="914400" rtl="0" eaLnBrk="1" latinLnBrk="0" hangingPunct="1">
+      <a:defRPr sz="1200" kern="1200">
+        <a:solidFill>
+          <a:schemeClr val="tx1"/>
+        </a:solidFill>
+        <a:latin typeface="+mn-lt"/>
+        <a:ea typeface="+mn-ea"/>
+        <a:cs typeface="+mn-cs"/>
+      </a:defRPr>
+    </a:lvl8pPr>
+    <a:lvl9pPr marL="3657600" algn="l" defTabSz="914400" rtl="0" eaLnBrk="1" latinLnBrk="0" hangingPunct="1">
+      <a:defRPr sz="1200" kern="1200">
+        <a:solidFill>
+          <a:schemeClr val="tx1"/>
+        </a:solidFill>
+        <a:latin typeface="+mn-lt"/>
+        <a:ea typeface="+mn-ea"/>
+        <a:cs typeface="+mn-cs"/>
+      </a:defRPr>
+    </a:lvl9pPr>
+  </p:notesStyle>
+</p:notesMaster>
+</file>
+
+<file path=ppt/notesSlides/notesSlide1.xml><?xml version="1.0" encoding="utf-8"?>
+<p:notes xmlns:a="http://schemas.openxmlformats.org/drawingml/2006/main" xmlns:r="http://schemas.openxmlformats.org/officeDocument/2006/relationships" xmlns:p="http://schemas.openxmlformats.org/presentationml/2006/main" showMasterSp="0" showMasterPhAnim="0">
+  <p:cSld>
+    <p:spTree>
+      <p:nvGrpSpPr>
+        <p:cNvPr id="1" name="Shape 185"/>
+        <p:cNvGrpSpPr/>
+        <p:nvPr/>
+      </p:nvGrpSpPr>
+      <p:grpSpPr>
+        <a:xfrm>
+          <a:off x="0" y="0"/>
+          <a:ext cx="0" cy="0"/>
+          <a:chOff x="0" y="0"/>
+          <a:chExt cx="0" cy="0"/>
+        </a:xfrm>
+      </p:grpSpPr>
+      <p:sp>
+        <p:nvSpPr>
+          <p:cNvPr id="186" name="Shape 186"/>
+          <p:cNvSpPr txBox="1">
+            <a:spLocks noGrp="1"/>
+          </p:cNvSpPr>
+          <p:nvPr>
+            <p:ph type="body" idx="1"/>
+          </p:nvPr>
+        </p:nvSpPr>
+        <p:spPr>
+          <a:xfrm>
+            <a:off x="685800" y="4343400"/>
+            <a:ext cx="5486399" cy="4114800"/>
+          </a:xfrm>
+          <a:prstGeom prst="rect">
+            <a:avLst/>
+          </a:prstGeom>
+          <a:noFill/>
+          <a:ln>
+            <a:noFill/>
+          </a:ln>
+        </p:spPr>
+        <p:txBody>
+          <a:bodyPr lIns="91425" tIns="91425" rIns="91425" bIns="91425" anchor="ctr" anchorCtr="0">
+            <a:noAutofit/>
+          </a:bodyPr>
+          <a:lstStyle/>
+          <a:p>
+            <a:pPr lvl="0">
+              <a:spcBef>
+                <a:spcPts val="0"/>
+              </a:spcBef>
+              <a:buNone/>
+            </a:pPr>
+            <a:endParaRPr/>
+          </a:p>
+        </p:txBody>
+      </p:sp>
+      <p:sp>
+        <p:nvSpPr>
+          <p:cNvPr id="187" name="Shape 187"/>
+          <p:cNvSpPr>
+            <a:spLocks noGrp="1" noRot="1" noChangeAspect="1"/>
+          </p:cNvSpPr>
+          <p:nvPr>
+            <p:ph type="sldImg" idx="2"/>
+          </p:nvPr>
+        </p:nvSpPr>
+        <p:spPr>
+          <a:xfrm>
+            <a:off x="1143225" y="685800"/>
+            <a:ext cx="4572225" cy="3429000"/>
+          </a:xfrm>
+          <a:custGeom>
+            <a:avLst/>
+            <a:gdLst/>
+            <a:ahLst/>
+            <a:cxnLst/>
+            <a:rect l="0" t="0" r="0" b="0"/>
+            <a:pathLst>
+              <a:path w="120000" h="120000" extrusionOk="0">
+                <a:moveTo>
+                  <a:pt x="0" y="0"/>
+                </a:moveTo>
+                <a:lnTo>
+                  <a:pt x="120000" y="0"/>
+                </a:lnTo>
+                <a:lnTo>
+                  <a:pt x="120000" y="120000"/>
+                </a:lnTo>
+                <a:lnTo>
+                  <a:pt x="0" y="120000"/>
+                </a:lnTo>
+                <a:close/>
+              </a:path>
+            </a:pathLst>
+          </a:custGeom>
+        </p:spPr>
+      </p:sp>
+    </p:spTree>
+    <p:extLst>
+      <p:ext uri="{BB962C8B-B14F-4D97-AF65-F5344CB8AC3E}">
+        <p14:creationId xmlns:p14="http://schemas.microsoft.com/office/powerpoint/2010/main" val="877862944"/>
+      </p:ext>
+    </p:extLst>
+  </p:cSld>
+  <p:clrMapOvr>
+    <a:masterClrMapping/>
+  </p:clrMapOvr>
+</p:notes>
+</file>
+
+<file path=ppt/notesSlides/notesSlide2.xml><?xml version="1.0" encoding="utf-8"?>
+<p:notes xmlns:a="http://schemas.openxmlformats.org/drawingml/2006/main" xmlns:r="http://schemas.openxmlformats.org/officeDocument/2006/relationships" xmlns:p="http://schemas.openxmlformats.org/presentationml/2006/main" showMasterSp="0" showMasterPhAnim="0">
+  <p:cSld>
+    <p:spTree>
+      <p:nvGrpSpPr>
+        <p:cNvPr id="1" name="Shape 192"/>
+        <p:cNvGrpSpPr/>
+        <p:nvPr/>
+      </p:nvGrpSpPr>
+      <p:grpSpPr>
+        <a:xfrm>
+          <a:off x="0" y="0"/>
+          <a:ext cx="0" cy="0"/>
+          <a:chOff x="0" y="0"/>
+          <a:chExt cx="0" cy="0"/>
+        </a:xfrm>
+      </p:grpSpPr>
+      <p:sp>
+        <p:nvSpPr>
+          <p:cNvPr id="193" name="Shape 193"/>
+          <p:cNvSpPr txBox="1">
+            <a:spLocks noGrp="1"/>
+          </p:cNvSpPr>
+          <p:nvPr>
+            <p:ph type="body" idx="1"/>
+          </p:nvPr>
+        </p:nvSpPr>
+        <p:spPr>
+          <a:xfrm>
+            <a:off x="685800" y="4343400"/>
+            <a:ext cx="5486399" cy="4114800"/>
+          </a:xfrm>
+          <a:prstGeom prst="rect">
+            <a:avLst/>
+          </a:prstGeom>
+          <a:noFill/>
+          <a:ln>
+            <a:noFill/>
+          </a:ln>
+        </p:spPr>
+        <p:txBody>
+          <a:bodyPr lIns="91425" tIns="91425" rIns="91425" bIns="91425" anchor="ctr" anchorCtr="0">
+            <a:noAutofit/>
+          </a:bodyPr>
+          <a:lstStyle/>
+          <a:p>
+            <a:pPr lvl="0">
+              <a:spcBef>
+                <a:spcPts val="0"/>
+              </a:spcBef>
+              <a:buNone/>
+            </a:pPr>
+            <a:endParaRPr/>
+          </a:p>
+        </p:txBody>
+      </p:sp>
+      <p:sp>
+        <p:nvSpPr>
+          <p:cNvPr id="194" name="Shape 194"/>
+          <p:cNvSpPr>
+            <a:spLocks noGrp="1" noRot="1" noChangeAspect="1"/>
+          </p:cNvSpPr>
+          <p:nvPr>
+            <p:ph type="sldImg" idx="2"/>
+          </p:nvPr>
+        </p:nvSpPr>
+        <p:spPr>
+          <a:xfrm>
+            <a:off x="1143000" y="685800"/>
+            <a:ext cx="4572000" cy="3429000"/>
+          </a:xfrm>
+          <a:custGeom>
+            <a:avLst/>
+            <a:gdLst/>
+            <a:ahLst/>
+            <a:cxnLst/>
+            <a:rect l="0" t="0" r="0" b="0"/>
+            <a:pathLst>
+              <a:path w="120000" h="120000" extrusionOk="0">
+                <a:moveTo>
+                  <a:pt x="0" y="0"/>
+                </a:moveTo>
+                <a:lnTo>
+                  <a:pt x="120000" y="0"/>
+                </a:lnTo>
+                <a:lnTo>
+                  <a:pt x="120000" y="120000"/>
+                </a:lnTo>
+                <a:lnTo>
+                  <a:pt x="0" y="120000"/>
+                </a:lnTo>
+                <a:close/>
+              </a:path>
+            </a:pathLst>
+          </a:custGeom>
+        </p:spPr>
+      </p:sp>
+    </p:spTree>
+    <p:extLst>
+      <p:ext uri="{BB962C8B-B14F-4D97-AF65-F5344CB8AC3E}">
+        <p14:creationId xmlns:p14="http://schemas.microsoft.com/office/powerpoint/2010/main" val="2617033277"/>
+      </p:ext>
+    </p:extLst>
+  </p:cSld>
+  <p:clrMapOvr>
+    <a:masterClrMapping/>
+  </p:clrMapOvr>
+</p:notes>
+</file>
+
+<file path=ppt/notesSlides/notesSlide3.xml><?xml version="1.0" encoding="utf-8"?>
+<p:notes xmlns:a="http://schemas.openxmlformats.org/drawingml/2006/main" xmlns:r="http://schemas.openxmlformats.org/officeDocument/2006/relationships" xmlns:p="http://schemas.openxmlformats.org/presentationml/2006/main" showMasterSp="0" showMasterPhAnim="0">
+  <p:cSld>
+    <p:spTree>
+      <p:nvGrpSpPr>
+        <p:cNvPr id="1" name="Shape 216"/>
+        <p:cNvGrpSpPr/>
+        <p:nvPr/>
+      </p:nvGrpSpPr>
+      <p:grpSpPr>
+        <a:xfrm>
+          <a:off x="0" y="0"/>
+          <a:ext cx="0" cy="0"/>
+          <a:chOff x="0" y="0"/>
+          <a:chExt cx="0" cy="0"/>
+        </a:xfrm>
+      </p:grpSpPr>
+      <p:sp>
+        <p:nvSpPr>
+          <p:cNvPr id="217" name="Shape 217"/>
+          <p:cNvSpPr txBox="1">
+            <a:spLocks noGrp="1"/>
+          </p:cNvSpPr>
+          <p:nvPr>
+            <p:ph type="body" idx="1"/>
+          </p:nvPr>
+        </p:nvSpPr>
+        <p:spPr>
+          <a:xfrm>
+            <a:off x="685800" y="4343400"/>
+            <a:ext cx="5486399" cy="4114800"/>
+          </a:xfrm>
+          <a:prstGeom prst="rect">
+            <a:avLst/>
+          </a:prstGeom>
+          <a:noFill/>
+          <a:ln>
+            <a:noFill/>
+          </a:ln>
+        </p:spPr>
+        <p:txBody>
+          <a:bodyPr lIns="91425" tIns="91425" rIns="91425" bIns="91425" anchor="ctr" anchorCtr="0">
+            <a:noAutofit/>
+          </a:bodyPr>
+          <a:lstStyle/>
+          <a:p>
+            <a:pPr lvl="0">
+              <a:spcBef>
+                <a:spcPts val="0"/>
+              </a:spcBef>
+              <a:buNone/>
+            </a:pPr>
+            <a:endParaRPr/>
+          </a:p>
+        </p:txBody>
+      </p:sp>
+      <p:sp>
+        <p:nvSpPr>
+          <p:cNvPr id="218" name="Shape 218"/>
+          <p:cNvSpPr>
+            <a:spLocks noGrp="1" noRot="1" noChangeAspect="1"/>
+          </p:cNvSpPr>
+          <p:nvPr>
+            <p:ph type="sldImg" idx="2"/>
+          </p:nvPr>
+        </p:nvSpPr>
+        <p:spPr>
+          <a:xfrm>
+            <a:off x="1143000" y="685800"/>
+            <a:ext cx="4572000" cy="3429000"/>
+          </a:xfrm>
+          <a:custGeom>
+            <a:avLst/>
+            <a:gdLst/>
+            <a:ahLst/>
+            <a:cxnLst/>
+            <a:rect l="0" t="0" r="0" b="0"/>
+            <a:pathLst>
+              <a:path w="120000" h="120000" extrusionOk="0">
+                <a:moveTo>
+                  <a:pt x="0" y="0"/>
+                </a:moveTo>
+                <a:lnTo>
+                  <a:pt x="120000" y="0"/>
+                </a:lnTo>
+                <a:lnTo>
+                  <a:pt x="120000" y="120000"/>
+                </a:lnTo>
+                <a:lnTo>
+                  <a:pt x="0" y="120000"/>
+                </a:lnTo>
+                <a:close/>
+              </a:path>
+            </a:pathLst>
+          </a:custGeom>
+        </p:spPr>
+      </p:sp>
+    </p:spTree>
+    <p:extLst>
+      <p:ext uri="{BB962C8B-B14F-4D97-AF65-F5344CB8AC3E}">
+        <p14:creationId xmlns:p14="http://schemas.microsoft.com/office/powerpoint/2010/main" val="1845630228"/>
+      </p:ext>
+    </p:extLst>
+  </p:cSld>
+  <p:clrMapOvr>
+    <a:masterClrMapping/>
+  </p:clrMapOvr>
+</p:notes>
+</file>
+
+<file path=ppt/notesSlides/notesSlide4.xml><?xml version="1.0" encoding="utf-8"?>
+<p:notes xmlns:a="http://schemas.openxmlformats.org/drawingml/2006/main" xmlns:r="http://schemas.openxmlformats.org/officeDocument/2006/relationships" xmlns:p="http://schemas.openxmlformats.org/presentationml/2006/main" showMasterSp="0" showMasterPhAnim="0">
+  <p:cSld>
+    <p:spTree>
+      <p:nvGrpSpPr>
+        <p:cNvPr id="1" name="Shape 224"/>
+        <p:cNvGrpSpPr/>
+        <p:nvPr/>
+      </p:nvGrpSpPr>
+      <p:grpSpPr>
+        <a:xfrm>
+          <a:off x="0" y="0"/>
+          <a:ext cx="0" cy="0"/>
+          <a:chOff x="0" y="0"/>
+          <a:chExt cx="0" cy="0"/>
+        </a:xfrm>
+      </p:grpSpPr>
+      <p:sp>
+        <p:nvSpPr>
+          <p:cNvPr id="225" name="Shape 225"/>
+          <p:cNvSpPr txBox="1">
+            <a:spLocks noGrp="1"/>
+          </p:cNvSpPr>
+          <p:nvPr>
+            <p:ph type="body" idx="1"/>
+          </p:nvPr>
+        </p:nvSpPr>
+        <p:spPr>
+          <a:xfrm>
+            <a:off x="685800" y="4343400"/>
+            <a:ext cx="5486399" cy="4114800"/>
+          </a:xfrm>
+          <a:prstGeom prst="rect">
+            <a:avLst/>
+          </a:prstGeom>
+          <a:noFill/>
+          <a:ln>
+            <a:noFill/>
+          </a:ln>
+        </p:spPr>
+        <p:txBody>
+          <a:bodyPr lIns="91425" tIns="91425" rIns="91425" bIns="91425" anchor="ctr" anchorCtr="0">
+            <a:noAutofit/>
+          </a:bodyPr>
+          <a:lstStyle/>
+          <a:p>
+            <a:pPr lvl="0">
+              <a:spcBef>
+                <a:spcPts val="0"/>
+              </a:spcBef>
+              <a:buNone/>
+            </a:pPr>
+            <a:endParaRPr/>
+          </a:p>
+        </p:txBody>
+      </p:sp>
+      <p:sp>
+        <p:nvSpPr>
+          <p:cNvPr id="226" name="Shape 226"/>
+          <p:cNvSpPr>
+            <a:spLocks noGrp="1" noRot="1" noChangeAspect="1"/>
+          </p:cNvSpPr>
+          <p:nvPr>
+            <p:ph type="sldImg" idx="2"/>
+          </p:nvPr>
+        </p:nvSpPr>
+        <p:spPr>
+          <a:xfrm>
+            <a:off x="1143225" y="685800"/>
+            <a:ext cx="4572225" cy="3429000"/>
+          </a:xfrm>
+          <a:custGeom>
+            <a:avLst/>
+            <a:gdLst/>
+            <a:ahLst/>
+            <a:cxnLst/>
+            <a:rect l="0" t="0" r="0" b="0"/>
+            <a:pathLst>
+              <a:path w="120000" h="120000" extrusionOk="0">
+                <a:moveTo>
+                  <a:pt x="0" y="0"/>
+                </a:moveTo>
+                <a:lnTo>
+                  <a:pt x="120000" y="0"/>
+                </a:lnTo>
+                <a:lnTo>
+                  <a:pt x="120000" y="120000"/>
+                </a:lnTo>
+                <a:lnTo>
+                  <a:pt x="0" y="120000"/>
+                </a:lnTo>
+                <a:close/>
+              </a:path>
+            </a:pathLst>
+          </a:custGeom>
+        </p:spPr>
+      </p:sp>
+    </p:spTree>
+    <p:extLst>
+      <p:ext uri="{BB962C8B-B14F-4D97-AF65-F5344CB8AC3E}">
+        <p14:creationId xmlns:p14="http://schemas.microsoft.com/office/powerpoint/2010/main" val="2267551412"/>
+      </p:ext>
+    </p:extLst>
+  </p:cSld>
+  <p:clrMapOvr>
+    <a:masterClrMapping/>
+  </p:clrMapOvr>
+</p:notes>
+</file>
+
+<file path=ppt/notesSlides/notesSlide5.xml><?xml version="1.0" encoding="utf-8"?>
+<p:notes xmlns:a="http://schemas.openxmlformats.org/drawingml/2006/main" xmlns:r="http://schemas.openxmlformats.org/officeDocument/2006/relationships" xmlns:p="http://schemas.openxmlformats.org/presentationml/2006/main" showMasterSp="0" showMasterPhAnim="0">
+  <p:cSld>
+    <p:spTree>
+      <p:nvGrpSpPr>
+        <p:cNvPr id="1" name="Shape 234"/>
+        <p:cNvGrpSpPr/>
+        <p:nvPr/>
+      </p:nvGrpSpPr>
+      <p:grpSpPr>
+        <a:xfrm>
+          <a:off x="0" y="0"/>
+          <a:ext cx="0" cy="0"/>
+          <a:chOff x="0" y="0"/>
+          <a:chExt cx="0" cy="0"/>
+        </a:xfrm>
+      </p:grpSpPr>
+      <p:sp>
+        <p:nvSpPr>
+          <p:cNvPr id="235" name="Shape 235"/>
+          <p:cNvSpPr txBox="1">
+            <a:spLocks noGrp="1"/>
+          </p:cNvSpPr>
+          <p:nvPr>
+            <p:ph type="body" idx="1"/>
+          </p:nvPr>
+        </p:nvSpPr>
+        <p:spPr>
+          <a:xfrm>
+            <a:off x="685800" y="4343400"/>
+            <a:ext cx="5486400" cy="4114800"/>
+          </a:xfrm>
+          <a:prstGeom prst="rect">
+            <a:avLst/>
+          </a:prstGeom>
+          <a:noFill/>
+          <a:ln>
+            <a:noFill/>
+          </a:ln>
+        </p:spPr>
+        <p:txBody>
+          <a:bodyPr lIns="91425" tIns="91425" rIns="91425" bIns="91425" anchor="ctr" anchorCtr="0">
+            <a:noAutofit/>
+          </a:bodyPr>
+          <a:lstStyle/>
+          <a:p>
+            <a:pPr lvl="0" rtl="0">
+              <a:spcBef>
+                <a:spcPts val="0"/>
+              </a:spcBef>
+              <a:buNone/>
+            </a:pPr>
+            <a:endParaRPr/>
+          </a:p>
+        </p:txBody>
+      </p:sp>
+      <p:sp>
+        <p:nvSpPr>
+          <p:cNvPr id="236" name="Shape 236"/>
+          <p:cNvSpPr>
+            <a:spLocks noGrp="1" noRot="1" noChangeAspect="1"/>
+          </p:cNvSpPr>
+          <p:nvPr>
+            <p:ph type="sldImg" idx="2"/>
+          </p:nvPr>
+        </p:nvSpPr>
+        <p:spPr>
+          <a:xfrm>
+            <a:off x="1143000" y="685800"/>
+            <a:ext cx="4572000" cy="3429000"/>
+          </a:xfrm>
+          <a:custGeom>
+            <a:avLst/>
+            <a:gdLst/>
+            <a:ahLst/>
+            <a:cxnLst/>
+            <a:rect l="0" t="0" r="0" b="0"/>
+            <a:pathLst>
+              <a:path w="120000" h="120000" extrusionOk="0">
+                <a:moveTo>
+                  <a:pt x="0" y="0"/>
+                </a:moveTo>
+                <a:lnTo>
+                  <a:pt x="120000" y="0"/>
+                </a:lnTo>
+                <a:lnTo>
+                  <a:pt x="120000" y="120000"/>
+                </a:lnTo>
+                <a:lnTo>
+                  <a:pt x="0" y="120000"/>
+                </a:lnTo>
+                <a:close/>
+              </a:path>
+            </a:pathLst>
+          </a:custGeom>
+        </p:spPr>
+      </p:sp>
+    </p:spTree>
+    <p:extLst>
+      <p:ext uri="{BB962C8B-B14F-4D97-AF65-F5344CB8AC3E}">
+        <p14:creationId xmlns:p14="http://schemas.microsoft.com/office/powerpoint/2010/main" val="1412410958"/>
+      </p:ext>
+    </p:extLst>
+  </p:cSld>
+  <p:clrMapOvr>
+    <a:masterClrMapping/>
+  </p:clrMapOvr>
+</p:notes>
+</file>
+
+<file path=ppt/notesSlides/notesSlide6.xml><?xml version="1.0" encoding="utf-8"?>
+<p:notes xmlns:a="http://schemas.openxmlformats.org/drawingml/2006/main" xmlns:r="http://schemas.openxmlformats.org/officeDocument/2006/relationships" xmlns:p="http://schemas.openxmlformats.org/presentationml/2006/main" showMasterSp="0" showMasterPhAnim="0">
+  <p:cSld>
+    <p:spTree>
+      <p:nvGrpSpPr>
+        <p:cNvPr id="1" name="Shape 241"/>
+        <p:cNvGrpSpPr/>
+        <p:nvPr/>
+      </p:nvGrpSpPr>
+      <p:grpSpPr>
+        <a:xfrm>
+          <a:off x="0" y="0"/>
+          <a:ext cx="0" cy="0"/>
+          <a:chOff x="0" y="0"/>
+          <a:chExt cx="0" cy="0"/>
+        </a:xfrm>
+      </p:grpSpPr>
+      <p:sp>
+        <p:nvSpPr>
+          <p:cNvPr id="242" name="Shape 242"/>
+          <p:cNvSpPr txBox="1">
+            <a:spLocks noGrp="1"/>
+          </p:cNvSpPr>
+          <p:nvPr>
+            <p:ph type="body" idx="1"/>
+          </p:nvPr>
+        </p:nvSpPr>
+        <p:spPr>
+          <a:xfrm>
+            <a:off x="685800" y="4343400"/>
+            <a:ext cx="5486400" cy="4114800"/>
+          </a:xfrm>
+          <a:prstGeom prst="rect">
+            <a:avLst/>
+          </a:prstGeom>
+          <a:noFill/>
+          <a:ln>
+            <a:noFill/>
+          </a:ln>
+        </p:spPr>
+        <p:txBody>
+          <a:bodyPr lIns="91425" tIns="91425" rIns="91425" bIns="91425" anchor="ctr" anchorCtr="0">
+            <a:noAutofit/>
+          </a:bodyPr>
+          <a:lstStyle/>
+          <a:p>
+            <a:pPr lvl="0" rtl="0">
+              <a:spcBef>
+                <a:spcPts val="0"/>
+              </a:spcBef>
+              <a:buNone/>
+            </a:pPr>
+            <a:endParaRPr/>
+          </a:p>
+        </p:txBody>
+      </p:sp>
+      <p:sp>
+        <p:nvSpPr>
+          <p:cNvPr id="243" name="Shape 243"/>
+          <p:cNvSpPr>
+            <a:spLocks noGrp="1" noRot="1" noChangeAspect="1"/>
+          </p:cNvSpPr>
+          <p:nvPr>
+            <p:ph type="sldImg" idx="2"/>
+          </p:nvPr>
+        </p:nvSpPr>
+        <p:spPr>
+          <a:xfrm>
+            <a:off x="1143000" y="685800"/>
+            <a:ext cx="4572000" cy="3429000"/>
+          </a:xfrm>
+          <a:custGeom>
+            <a:avLst/>
+            <a:gdLst/>
+            <a:ahLst/>
+            <a:cxnLst/>
+            <a:rect l="0" t="0" r="0" b="0"/>
+            <a:pathLst>
+              <a:path w="120000" h="120000" extrusionOk="0">
+                <a:moveTo>
+                  <a:pt x="0" y="0"/>
+                </a:moveTo>
+                <a:lnTo>
+                  <a:pt x="120000" y="0"/>
+                </a:lnTo>
+                <a:lnTo>
+                  <a:pt x="120000" y="120000"/>
+                </a:lnTo>
+                <a:lnTo>
+                  <a:pt x="0" y="120000"/>
+                </a:lnTo>
+                <a:close/>
+              </a:path>
+            </a:pathLst>
+          </a:custGeom>
+        </p:spPr>
+      </p:sp>
+    </p:spTree>
+    <p:extLst>
+      <p:ext uri="{BB962C8B-B14F-4D97-AF65-F5344CB8AC3E}">
+        <p14:creationId xmlns:p14="http://schemas.microsoft.com/office/powerpoint/2010/main" val="2867123922"/>
+      </p:ext>
+    </p:extLst>
+  </p:cSld>
+  <p:clrMapOvr>
+    <a:masterClrMapping/>
+  </p:clrMapOvr>
+</p:notes>
+</file>
+
+<file path=ppt/notesSlides/notesSlide7.xml><?xml version="1.0" encoding="utf-8"?>
+<p:notes xmlns:a="http://schemas.openxmlformats.org/drawingml/2006/main" xmlns:r="http://schemas.openxmlformats.org/officeDocument/2006/relationships" xmlns:p="http://schemas.openxmlformats.org/presentationml/2006/main" showMasterSp="0" showMasterPhAnim="0">
+  <p:cSld>
+    <p:spTree>
+      <p:nvGrpSpPr>
+        <p:cNvPr id="1" name="Shape 248"/>
+        <p:cNvGrpSpPr/>
+        <p:nvPr/>
+      </p:nvGrpSpPr>
+      <p:grpSpPr>
+        <a:xfrm>
+          <a:off x="0" y="0"/>
+          <a:ext cx="0" cy="0"/>
+          <a:chOff x="0" y="0"/>
+          <a:chExt cx="0" cy="0"/>
+        </a:xfrm>
+      </p:grpSpPr>
+      <p:sp>
+        <p:nvSpPr>
+          <p:cNvPr id="249" name="Shape 249"/>
+          <p:cNvSpPr txBox="1">
+            <a:spLocks noGrp="1"/>
+          </p:cNvSpPr>
+          <p:nvPr>
+            <p:ph type="body" idx="1"/>
+          </p:nvPr>
+        </p:nvSpPr>
+        <p:spPr>
+          <a:xfrm>
+            <a:off x="685800" y="4343400"/>
+            <a:ext cx="5486399" cy="4114800"/>
+          </a:xfrm>
+          <a:prstGeom prst="rect">
+            <a:avLst/>
+          </a:prstGeom>
+          <a:noFill/>
+          <a:ln>
+            <a:noFill/>
+          </a:ln>
+        </p:spPr>
+        <p:txBody>
+          <a:bodyPr lIns="91425" tIns="91425" rIns="91425" bIns="91425" anchor="ctr" anchorCtr="0">
+            <a:noAutofit/>
+          </a:bodyPr>
+          <a:lstStyle/>
+          <a:p>
+            <a:pPr lvl="0">
+              <a:spcBef>
+                <a:spcPts val="0"/>
+              </a:spcBef>
+              <a:buNone/>
+            </a:pPr>
+            <a:endParaRPr/>
+          </a:p>
+        </p:txBody>
+      </p:sp>
+      <p:sp>
+        <p:nvSpPr>
+          <p:cNvPr id="250" name="Shape 250"/>
+          <p:cNvSpPr>
+            <a:spLocks noGrp="1" noRot="1" noChangeAspect="1"/>
+          </p:cNvSpPr>
+          <p:nvPr>
+            <p:ph type="sldImg" idx="2"/>
+          </p:nvPr>
+        </p:nvSpPr>
+        <p:spPr>
+          <a:xfrm>
+            <a:off x="1143000" y="685800"/>
+            <a:ext cx="4572000" cy="3429000"/>
+          </a:xfrm>
+          <a:custGeom>
+            <a:avLst/>
+            <a:gdLst/>
+            <a:ahLst/>
+            <a:cxnLst/>
+            <a:rect l="0" t="0" r="0" b="0"/>
+            <a:pathLst>
+              <a:path w="120000" h="120000" extrusionOk="0">
+                <a:moveTo>
+                  <a:pt x="0" y="0"/>
+                </a:moveTo>
+                <a:lnTo>
+                  <a:pt x="120000" y="0"/>
+                </a:lnTo>
+                <a:lnTo>
+                  <a:pt x="120000" y="120000"/>
+                </a:lnTo>
+                <a:lnTo>
+                  <a:pt x="0" y="120000"/>
+                </a:lnTo>
+                <a:close/>
+              </a:path>
+            </a:pathLst>
+          </a:custGeom>
+        </p:spPr>
+      </p:sp>
+    </p:spTree>
+    <p:extLst>
+      <p:ext uri="{BB962C8B-B14F-4D97-AF65-F5344CB8AC3E}">
+        <p14:creationId xmlns:p14="http://schemas.microsoft.com/office/powerpoint/2010/main" val="1735202259"/>
+      </p:ext>
+    </p:extLst>
+  </p:cSld>
+  <p:clrMapOvr>
+    <a:masterClrMapping/>
+  </p:clrMapOvr>
+</p:notes>
+</file>
+
 <file path=ppt/slideLayouts/slideLayout1.xml><?xml version="1.0" encoding="utf-8"?>
 <p:sldLayout xmlns:a="http://schemas.openxmlformats.org/drawingml/2006/main" xmlns:r="http://schemas.openxmlformats.org/officeDocument/2006/relationships" xmlns:p="http://schemas.openxmlformats.org/presentationml/2006/main" type="title" preserve="1">
   <p:cSld name="Титульный слайд">
@@ -270,7 +1395,7 @@
           <a:p>
             <a:fld id="{DDE26579-9181-44FC-A822-8C4CB1E03E6B}" type="datetimeFigureOut">
               <a:rPr lang="ru-RU" smtClean="0"/>
-              <a:t>06.02.2017</a:t>
+              <a:t>08.02.2017</a:t>
             </a:fld>
             <a:endParaRPr lang="ru-RU"/>
           </a:p>
@@ -440,7 +1565,7 @@
           <a:p>
             <a:fld id="{DDE26579-9181-44FC-A822-8C4CB1E03E6B}" type="datetimeFigureOut">
               <a:rPr lang="ru-RU" smtClean="0"/>
-              <a:t>06.02.2017</a:t>
+              <a:t>08.02.2017</a:t>
             </a:fld>
             <a:endParaRPr lang="ru-RU"/>
           </a:p>
@@ -620,7 +1745,7 @@
           <a:p>
             <a:fld id="{DDE26579-9181-44FC-A822-8C4CB1E03E6B}" type="datetimeFigureOut">
               <a:rPr lang="ru-RU" smtClean="0"/>
-              <a:t>06.02.2017</a:t>
+              <a:t>08.02.2017</a:t>
             </a:fld>
             <a:endParaRPr lang="ru-RU"/>
           </a:p>
@@ -790,7 +1915,7 @@
           <a:p>
             <a:fld id="{DDE26579-9181-44FC-A822-8C4CB1E03E6B}" type="datetimeFigureOut">
               <a:rPr lang="ru-RU" smtClean="0"/>
-              <a:t>06.02.2017</a:t>
+              <a:t>08.02.2017</a:t>
             </a:fld>
             <a:endParaRPr lang="ru-RU"/>
           </a:p>
@@ -1034,7 +2159,7 @@
           <a:p>
             <a:fld id="{DDE26579-9181-44FC-A822-8C4CB1E03E6B}" type="datetimeFigureOut">
               <a:rPr lang="ru-RU" smtClean="0"/>
-              <a:t>06.02.2017</a:t>
+              <a:t>08.02.2017</a:t>
             </a:fld>
             <a:endParaRPr lang="ru-RU"/>
           </a:p>
@@ -1266,7 +2391,7 @@
           <a:p>
             <a:fld id="{DDE26579-9181-44FC-A822-8C4CB1E03E6B}" type="datetimeFigureOut">
               <a:rPr lang="ru-RU" smtClean="0"/>
-              <a:t>06.02.2017</a:t>
+              <a:t>08.02.2017</a:t>
             </a:fld>
             <a:endParaRPr lang="ru-RU"/>
           </a:p>
@@ -1633,7 +2758,7 @@
           <a:p>
             <a:fld id="{DDE26579-9181-44FC-A822-8C4CB1E03E6B}" type="datetimeFigureOut">
               <a:rPr lang="ru-RU" smtClean="0"/>
-              <a:t>06.02.2017</a:t>
+              <a:t>08.02.2017</a:t>
             </a:fld>
             <a:endParaRPr lang="ru-RU"/>
           </a:p>
@@ -1751,7 +2876,7 @@
           <a:p>
             <a:fld id="{DDE26579-9181-44FC-A822-8C4CB1E03E6B}" type="datetimeFigureOut">
               <a:rPr lang="ru-RU" smtClean="0"/>
-              <a:t>06.02.2017</a:t>
+              <a:t>08.02.2017</a:t>
             </a:fld>
             <a:endParaRPr lang="ru-RU"/>
           </a:p>
@@ -1846,7 +2971,7 @@
           <a:p>
             <a:fld id="{DDE26579-9181-44FC-A822-8C4CB1E03E6B}" type="datetimeFigureOut">
               <a:rPr lang="ru-RU" smtClean="0"/>
-              <a:t>06.02.2017</a:t>
+              <a:t>08.02.2017</a:t>
             </a:fld>
             <a:endParaRPr lang="ru-RU"/>
           </a:p>
@@ -2123,7 +3248,7 @@
           <a:p>
             <a:fld id="{DDE26579-9181-44FC-A822-8C4CB1E03E6B}" type="datetimeFigureOut">
               <a:rPr lang="ru-RU" smtClean="0"/>
-              <a:t>06.02.2017</a:t>
+              <a:t>08.02.2017</a:t>
             </a:fld>
             <a:endParaRPr lang="ru-RU"/>
           </a:p>
@@ -2380,7 +3505,7 @@
           <a:p>
             <a:fld id="{DDE26579-9181-44FC-A822-8C4CB1E03E6B}" type="datetimeFigureOut">
               <a:rPr lang="ru-RU" smtClean="0"/>
-              <a:t>06.02.2017</a:t>
+              <a:t>08.02.2017</a:t>
             </a:fld>
             <a:endParaRPr lang="ru-RU"/>
           </a:p>
@@ -2593,7 +3718,7 @@
           <a:p>
             <a:fld id="{DDE26579-9181-44FC-A822-8C4CB1E03E6B}" type="datetimeFigureOut">
               <a:rPr lang="ru-RU" smtClean="0"/>
-              <a:t>06.02.2017</a:t>
+              <a:t>08.02.2017</a:t>
             </a:fld>
             <a:endParaRPr lang="ru-RU"/>
           </a:p>
@@ -3310,6 +4435,120 @@
       </p:grpSpPr>
       <p:sp>
         <p:nvSpPr>
+          <p:cNvPr id="6" name="TextBox 5"/>
+          <p:cNvSpPr txBox="1"/>
+          <p:nvPr/>
+        </p:nvSpPr>
+        <p:spPr>
+          <a:xfrm>
+            <a:off x="235527" y="5956947"/>
+            <a:ext cx="5802358" cy="461665"/>
+          </a:xfrm>
+          <a:prstGeom prst="rect">
+            <a:avLst/>
+          </a:prstGeom>
+          <a:noFill/>
+        </p:spPr>
+        <p:txBody>
+          <a:bodyPr wrap="none" rtlCol="0">
+            <a:spAutoFit/>
+          </a:bodyPr>
+          <a:lstStyle/>
+          <a:p>
+            <a:r>
+              <a:rPr lang="en-US" sz="2400" dirty="0" smtClean="0">
+                <a:solidFill>
+                  <a:srgbClr val="04333E"/>
+                </a:solidFill>
+              </a:rPr>
+              <a:t>Specification classes for complicated queries.</a:t>
+            </a:r>
+            <a:endParaRPr lang="ru-RU" sz="2400" dirty="0">
+              <a:solidFill>
+                <a:srgbClr val="04333E"/>
+              </a:solidFill>
+            </a:endParaRPr>
+          </a:p>
+        </p:txBody>
+      </p:sp>
+      <p:pic>
+        <p:nvPicPr>
+          <p:cNvPr id="7" name="Рисунок 6"/>
+          <p:cNvPicPr>
+            <a:picLocks noChangeAspect="1"/>
+          </p:cNvPicPr>
+          <p:nvPr/>
+        </p:nvPicPr>
+        <p:blipFill>
+          <a:blip r:embed="rId2">
+            <a:extLst>
+              <a:ext uri="{28A0092B-C50C-407E-A947-70E740481C1C}">
+                <a14:useLocalDpi xmlns:a14="http://schemas.microsoft.com/office/drawing/2010/main" val="0"/>
+              </a:ext>
+            </a:extLst>
+          </a:blip>
+          <a:stretch>
+            <a:fillRect/>
+          </a:stretch>
+        </p:blipFill>
+        <p:spPr>
+          <a:xfrm>
+            <a:off x="2142491" y="301646"/>
+            <a:ext cx="6647619" cy="3609524"/>
+          </a:xfrm>
+          <a:prstGeom prst="rect">
+            <a:avLst/>
+          </a:prstGeom>
+        </p:spPr>
+      </p:pic>
+      <p:sp>
+        <p:nvSpPr>
+          <p:cNvPr id="5" name="TextBox 4"/>
+          <p:cNvSpPr txBox="1"/>
+          <p:nvPr/>
+        </p:nvSpPr>
+        <p:spPr>
+          <a:xfrm>
+            <a:off x="235527" y="3791174"/>
+            <a:ext cx="3813929" cy="461665"/>
+          </a:xfrm>
+          <a:prstGeom prst="rect">
+            <a:avLst/>
+          </a:prstGeom>
+          <a:noFill/>
+        </p:spPr>
+        <p:txBody>
+          <a:bodyPr wrap="none" rtlCol="0">
+            <a:spAutoFit/>
+          </a:bodyPr>
+          <a:lstStyle/>
+          <a:p>
+            <a:r>
+              <a:rPr lang="en-US" sz="2400" dirty="0" smtClean="0">
+                <a:solidFill>
+                  <a:srgbClr val="04333E"/>
+                </a:solidFill>
+              </a:rPr>
+              <a:t>Repository pattern for CRUD</a:t>
+            </a:r>
+            <a:r>
+              <a:rPr lang="en-US" sz="2400" b="1" dirty="0" smtClean="0">
+                <a:solidFill>
+                  <a:srgbClr val="04333E"/>
+                </a:solidFill>
+              </a:rPr>
+              <a:t>.</a:t>
+            </a:r>
+            <a:endParaRPr lang="ru-RU" sz="2400" b="1" dirty="0">
+              <a:solidFill>
+                <a:srgbClr val="04333E"/>
+              </a:solidFill>
+            </a:endParaRPr>
+          </a:p>
+        </p:txBody>
+      </p:sp>
+      <p:sp>
+        <p:nvSpPr>
           <p:cNvPr id="3" name="TextBox 2"/>
           <p:cNvSpPr txBox="1"/>
           <p:nvPr/>
@@ -3346,6 +4585,36 @@
           </a:p>
         </p:txBody>
       </p:sp>
+      <p:pic>
+        <p:nvPicPr>
+          <p:cNvPr id="19" name="Рисунок 18"/>
+          <p:cNvPicPr>
+            <a:picLocks noChangeAspect="1"/>
+          </p:cNvPicPr>
+          <p:nvPr/>
+        </p:nvPicPr>
+        <p:blipFill>
+          <a:blip r:embed="rId3">
+            <a:extLst>
+              <a:ext uri="{28A0092B-C50C-407E-A947-70E740481C1C}">
+                <a14:useLocalDpi xmlns:a14="http://schemas.microsoft.com/office/drawing/2010/main" val="0"/>
+              </a:ext>
+            </a:extLst>
+          </a:blip>
+          <a:stretch>
+            <a:fillRect/>
+          </a:stretch>
+        </p:blipFill>
+        <p:spPr>
+          <a:xfrm>
+            <a:off x="251056" y="4518054"/>
+            <a:ext cx="7596800" cy="1240857"/>
+          </a:xfrm>
+          <a:prstGeom prst="rect">
+            <a:avLst/>
+          </a:prstGeom>
+        </p:spPr>
+      </p:pic>
     </p:spTree>
     <p:extLst>
       <p:ext uri="{BB962C8B-B14F-4D97-AF65-F5344CB8AC3E}">
@@ -3385,6 +4654,108 @@
       </p:grpSpPr>
       <p:sp>
         <p:nvSpPr>
+          <p:cNvPr id="41" name="Прямоугольник 40"/>
+          <p:cNvSpPr/>
+          <p:nvPr/>
+        </p:nvSpPr>
+        <p:spPr>
+          <a:xfrm>
+            <a:off x="2951459" y="3025406"/>
+            <a:ext cx="1924798" cy="1807783"/>
+          </a:xfrm>
+          <a:prstGeom prst="rect">
+            <a:avLst/>
+          </a:prstGeom>
+          <a:solidFill>
+            <a:schemeClr val="bg1"/>
+          </a:solidFill>
+          <a:ln>
+            <a:solidFill>
+              <a:schemeClr val="tx1">
+                <a:lumMod val="65000"/>
+                <a:lumOff val="35000"/>
+              </a:schemeClr>
+            </a:solidFill>
+          </a:ln>
+        </p:spPr>
+        <p:style>
+          <a:lnRef idx="2">
+            <a:schemeClr val="accent1">
+              <a:shade val="50000"/>
+            </a:schemeClr>
+          </a:lnRef>
+          <a:fillRef idx="1">
+            <a:schemeClr val="accent1"/>
+          </a:fillRef>
+          <a:effectRef idx="0">
+            <a:schemeClr val="accent1"/>
+          </a:effectRef>
+          <a:fontRef idx="minor">
+            <a:schemeClr val="lt1"/>
+          </a:fontRef>
+        </p:style>
+        <p:txBody>
+          <a:bodyPr rtlCol="0" anchor="ctr"/>
+          <a:lstStyle/>
+          <a:p>
+            <a:pPr algn="ctr"/>
+            <a:endParaRPr lang="ru-RU"/>
+          </a:p>
+        </p:txBody>
+      </p:sp>
+      <p:sp>
+        <p:nvSpPr>
+          <p:cNvPr id="40" name="Прямоугольник 39"/>
+          <p:cNvSpPr/>
+          <p:nvPr/>
+        </p:nvSpPr>
+        <p:spPr>
+          <a:xfrm>
+            <a:off x="2951001" y="1297194"/>
+            <a:ext cx="1910498" cy="1637199"/>
+          </a:xfrm>
+          <a:prstGeom prst="rect">
+            <a:avLst/>
+          </a:prstGeom>
+          <a:solidFill>
+            <a:schemeClr val="bg1"/>
+          </a:solidFill>
+          <a:ln>
+            <a:solidFill>
+              <a:schemeClr val="tx1">
+                <a:lumMod val="65000"/>
+                <a:lumOff val="35000"/>
+              </a:schemeClr>
+            </a:solidFill>
+          </a:ln>
+        </p:spPr>
+        <p:style>
+          <a:lnRef idx="2">
+            <a:schemeClr val="accent1">
+              <a:shade val="50000"/>
+            </a:schemeClr>
+          </a:lnRef>
+          <a:fillRef idx="1">
+            <a:schemeClr val="accent1"/>
+          </a:fillRef>
+          <a:effectRef idx="0">
+            <a:schemeClr val="accent1"/>
+          </a:effectRef>
+          <a:fontRef idx="minor">
+            <a:schemeClr val="lt1"/>
+          </a:fontRef>
+        </p:style>
+        <p:txBody>
+          <a:bodyPr rtlCol="0" anchor="ctr"/>
+          <a:lstStyle/>
+          <a:p>
+            <a:pPr algn="ctr"/>
+            <a:endParaRPr lang="ru-RU"/>
+          </a:p>
+        </p:txBody>
+      </p:sp>
+      <p:sp>
+        <p:nvSpPr>
           <p:cNvPr id="3" name="TextBox 2"/>
           <p:cNvSpPr txBox="1"/>
           <p:nvPr/>
@@ -3414,6 +4785,1166 @@
               <a:t>Service layer</a:t>
             </a:r>
             <a:endParaRPr lang="ru-RU" sz="3600" i="1" dirty="0">
+              <a:solidFill>
+                <a:srgbClr val="04333E"/>
+              </a:solidFill>
+            </a:endParaRPr>
+          </a:p>
+        </p:txBody>
+      </p:sp>
+      <p:sp>
+        <p:nvSpPr>
+          <p:cNvPr id="2" name="TextBox 1"/>
+          <p:cNvSpPr txBox="1"/>
+          <p:nvPr/>
+        </p:nvSpPr>
+        <p:spPr>
+          <a:xfrm>
+            <a:off x="221675" y="784877"/>
+            <a:ext cx="3759106" cy="461665"/>
+          </a:xfrm>
+          <a:prstGeom prst="rect">
+            <a:avLst/>
+          </a:prstGeom>
+          <a:noFill/>
+        </p:spPr>
+        <p:txBody>
+          <a:bodyPr wrap="none" rtlCol="0">
+            <a:spAutoFit/>
+          </a:bodyPr>
+          <a:lstStyle/>
+          <a:p>
+            <a:r>
+              <a:rPr lang="en-US" sz="2400" dirty="0" smtClean="0">
+                <a:solidFill>
+                  <a:srgbClr val="04333E"/>
+                </a:solidFill>
+              </a:rPr>
+              <a:t>View labels on map lifecycle.</a:t>
+            </a:r>
+            <a:endParaRPr lang="ru-RU" sz="2400" dirty="0">
+              <a:solidFill>
+                <a:srgbClr val="04333E"/>
+              </a:solidFill>
+            </a:endParaRPr>
+          </a:p>
+        </p:txBody>
+      </p:sp>
+      <p:cxnSp>
+        <p:nvCxnSpPr>
+          <p:cNvPr id="5" name="Прямая соединительная линия 4"/>
+          <p:cNvCxnSpPr/>
+          <p:nvPr/>
+        </p:nvCxnSpPr>
+        <p:spPr>
+          <a:xfrm>
+            <a:off x="271825" y="780045"/>
+            <a:ext cx="4059380" cy="0"/>
+          </a:xfrm>
+          <a:prstGeom prst="line">
+            <a:avLst/>
+          </a:prstGeom>
+          <a:ln>
+            <a:solidFill>
+              <a:srgbClr val="04333E"/>
+            </a:solidFill>
+          </a:ln>
+        </p:spPr>
+        <p:style>
+          <a:lnRef idx="1">
+            <a:schemeClr val="accent1"/>
+          </a:lnRef>
+          <a:fillRef idx="0">
+            <a:schemeClr val="accent1"/>
+          </a:fillRef>
+          <a:effectRef idx="0">
+            <a:schemeClr val="accent1"/>
+          </a:effectRef>
+          <a:fontRef idx="minor">
+            <a:schemeClr val="tx1"/>
+          </a:fontRef>
+        </p:style>
+      </p:cxnSp>
+      <p:pic>
+        <p:nvPicPr>
+          <p:cNvPr id="4" name="Рисунок 3"/>
+          <p:cNvPicPr>
+            <a:picLocks noChangeAspect="1"/>
+          </p:cNvPicPr>
+          <p:nvPr/>
+        </p:nvPicPr>
+        <p:blipFill>
+          <a:blip r:embed="rId2">
+            <a:extLst>
+              <a:ext uri="{28A0092B-C50C-407E-A947-70E740481C1C}">
+                <a14:useLocalDpi xmlns:a14="http://schemas.microsoft.com/office/drawing/2010/main" val="0"/>
+              </a:ext>
+            </a:extLst>
+          </a:blip>
+          <a:stretch>
+            <a:fillRect/>
+          </a:stretch>
+        </p:blipFill>
+        <p:spPr>
+          <a:xfrm>
+            <a:off x="-292572" y="1366190"/>
+            <a:ext cx="1911927" cy="1911927"/>
+          </a:xfrm>
+          <a:prstGeom prst="rect">
+            <a:avLst/>
+          </a:prstGeom>
+        </p:spPr>
+      </p:pic>
+      <p:pic>
+        <p:nvPicPr>
+          <p:cNvPr id="7" name="Рисунок 6"/>
+          <p:cNvPicPr>
+            <a:picLocks noChangeAspect="1"/>
+          </p:cNvPicPr>
+          <p:nvPr/>
+        </p:nvPicPr>
+        <p:blipFill>
+          <a:blip r:embed="rId3">
+            <a:extLst>
+              <a:ext uri="{28A0092B-C50C-407E-A947-70E740481C1C}">
+                <a14:useLocalDpi xmlns:a14="http://schemas.microsoft.com/office/drawing/2010/main" val="0"/>
+              </a:ext>
+            </a:extLst>
+          </a:blip>
+          <a:stretch>
+            <a:fillRect/>
+          </a:stretch>
+        </p:blipFill>
+        <p:spPr>
+          <a:xfrm>
+            <a:off x="2958380" y="1320942"/>
+            <a:ext cx="1895740" cy="1589701"/>
+          </a:xfrm>
+          <a:prstGeom prst="rect">
+            <a:avLst/>
+          </a:prstGeom>
+        </p:spPr>
+      </p:pic>
+      <p:sp>
+        <p:nvSpPr>
+          <p:cNvPr id="8" name="Стрелка вправо 7"/>
+          <p:cNvSpPr/>
+          <p:nvPr/>
+        </p:nvSpPr>
+        <p:spPr>
+          <a:xfrm>
+            <a:off x="1302328" y="2285998"/>
+            <a:ext cx="1566450" cy="73461"/>
+          </a:xfrm>
+          <a:prstGeom prst="rightArrow">
+            <a:avLst/>
+          </a:prstGeom>
+          <a:solidFill>
+            <a:srgbClr val="04333E"/>
+          </a:solidFill>
+        </p:spPr>
+        <p:style>
+          <a:lnRef idx="2">
+            <a:schemeClr val="accent1">
+              <a:shade val="50000"/>
+            </a:schemeClr>
+          </a:lnRef>
+          <a:fillRef idx="1">
+            <a:schemeClr val="accent1"/>
+          </a:fillRef>
+          <a:effectRef idx="0">
+            <a:schemeClr val="accent1"/>
+          </a:effectRef>
+          <a:fontRef idx="minor">
+            <a:schemeClr val="lt1"/>
+          </a:fontRef>
+        </p:style>
+        <p:txBody>
+          <a:bodyPr rtlCol="0" anchor="ctr"/>
+          <a:lstStyle/>
+          <a:p>
+            <a:pPr algn="ctr"/>
+            <a:endParaRPr lang="ru-RU"/>
+          </a:p>
+        </p:txBody>
+      </p:sp>
+      <p:sp>
+        <p:nvSpPr>
+          <p:cNvPr id="9" name="Стрелка вправо 8"/>
+          <p:cNvSpPr/>
+          <p:nvPr/>
+        </p:nvSpPr>
+        <p:spPr>
+          <a:xfrm>
+            <a:off x="4996941" y="2285998"/>
+            <a:ext cx="1503490" cy="73461"/>
+          </a:xfrm>
+          <a:prstGeom prst="rightArrow">
+            <a:avLst/>
+          </a:prstGeom>
+          <a:solidFill>
+            <a:srgbClr val="04333E"/>
+          </a:solidFill>
+        </p:spPr>
+        <p:style>
+          <a:lnRef idx="2">
+            <a:schemeClr val="accent1">
+              <a:shade val="50000"/>
+            </a:schemeClr>
+          </a:lnRef>
+          <a:fillRef idx="1">
+            <a:schemeClr val="accent1"/>
+          </a:fillRef>
+          <a:effectRef idx="0">
+            <a:schemeClr val="accent1"/>
+          </a:effectRef>
+          <a:fontRef idx="minor">
+            <a:schemeClr val="lt1"/>
+          </a:fontRef>
+        </p:style>
+        <p:txBody>
+          <a:bodyPr rtlCol="0" anchor="ctr"/>
+          <a:lstStyle/>
+          <a:p>
+            <a:pPr algn="ctr"/>
+            <a:endParaRPr lang="ru-RU"/>
+          </a:p>
+        </p:txBody>
+      </p:sp>
+      <p:sp>
+        <p:nvSpPr>
+          <p:cNvPr id="10" name="Скругленный прямоугольник 9"/>
+          <p:cNvSpPr/>
+          <p:nvPr/>
+        </p:nvSpPr>
+        <p:spPr>
+          <a:xfrm>
+            <a:off x="6635873" y="1664637"/>
+            <a:ext cx="2452255" cy="1389644"/>
+          </a:xfrm>
+          <a:prstGeom prst="roundRect">
+            <a:avLst/>
+          </a:prstGeom>
+          <a:solidFill>
+            <a:schemeClr val="bg2"/>
+          </a:solidFill>
+          <a:ln>
+            <a:solidFill>
+              <a:schemeClr val="tx1">
+                <a:lumMod val="65000"/>
+                <a:lumOff val="35000"/>
+              </a:schemeClr>
+            </a:solidFill>
+          </a:ln>
+        </p:spPr>
+        <p:style>
+          <a:lnRef idx="2">
+            <a:schemeClr val="accent1">
+              <a:shade val="50000"/>
+            </a:schemeClr>
+          </a:lnRef>
+          <a:fillRef idx="1">
+            <a:schemeClr val="accent1"/>
+          </a:fillRef>
+          <a:effectRef idx="0">
+            <a:schemeClr val="accent1"/>
+          </a:effectRef>
+          <a:fontRef idx="minor">
+            <a:schemeClr val="lt1"/>
+          </a:fontRef>
+        </p:style>
+        <p:txBody>
+          <a:bodyPr rtlCol="0" anchor="ctr"/>
+          <a:lstStyle/>
+          <a:p>
+            <a:pPr algn="ctr"/>
+            <a:endParaRPr lang="ru-RU"/>
+          </a:p>
+        </p:txBody>
+      </p:sp>
+      <p:sp>
+        <p:nvSpPr>
+          <p:cNvPr id="11" name="TextBox 10"/>
+          <p:cNvSpPr txBox="1"/>
+          <p:nvPr/>
+        </p:nvSpPr>
+        <p:spPr>
+          <a:xfrm>
+            <a:off x="6856662" y="2091320"/>
+            <a:ext cx="2010679" cy="461665"/>
+          </a:xfrm>
+          <a:prstGeom prst="rect">
+            <a:avLst/>
+          </a:prstGeom>
+          <a:noFill/>
+        </p:spPr>
+        <p:txBody>
+          <a:bodyPr wrap="none" rtlCol="0">
+            <a:spAutoFit/>
+          </a:bodyPr>
+          <a:lstStyle/>
+          <a:p>
+            <a:r>
+              <a:rPr lang="en-US" sz="2400" dirty="0" smtClean="0">
+                <a:solidFill>
+                  <a:srgbClr val="04333E"/>
+                </a:solidFill>
+              </a:rPr>
+              <a:t>MapController</a:t>
+            </a:r>
+            <a:endParaRPr lang="ru-RU" sz="2400" dirty="0">
+              <a:solidFill>
+                <a:srgbClr val="04333E"/>
+              </a:solidFill>
+            </a:endParaRPr>
+          </a:p>
+        </p:txBody>
+      </p:sp>
+      <p:sp>
+        <p:nvSpPr>
+          <p:cNvPr id="12" name="Скругленный прямоугольник 11"/>
+          <p:cNvSpPr/>
+          <p:nvPr/>
+        </p:nvSpPr>
+        <p:spPr>
+          <a:xfrm>
+            <a:off x="5905861" y="4955136"/>
+            <a:ext cx="3182267" cy="1704981"/>
+          </a:xfrm>
+          <a:prstGeom prst="roundRect">
+            <a:avLst/>
+          </a:prstGeom>
+          <a:solidFill>
+            <a:schemeClr val="bg2"/>
+          </a:solidFill>
+          <a:ln>
+            <a:solidFill>
+              <a:schemeClr val="tx1">
+                <a:lumMod val="65000"/>
+                <a:lumOff val="35000"/>
+              </a:schemeClr>
+            </a:solidFill>
+          </a:ln>
+        </p:spPr>
+        <p:style>
+          <a:lnRef idx="2">
+            <a:schemeClr val="accent1">
+              <a:shade val="50000"/>
+            </a:schemeClr>
+          </a:lnRef>
+          <a:fillRef idx="1">
+            <a:schemeClr val="accent1"/>
+          </a:fillRef>
+          <a:effectRef idx="0">
+            <a:schemeClr val="accent1"/>
+          </a:effectRef>
+          <a:fontRef idx="minor">
+            <a:schemeClr val="lt1"/>
+          </a:fontRef>
+        </p:style>
+        <p:txBody>
+          <a:bodyPr rtlCol="0" anchor="ctr"/>
+          <a:lstStyle/>
+          <a:p>
+            <a:pPr algn="ctr"/>
+            <a:endParaRPr lang="ru-RU" dirty="0"/>
+          </a:p>
+        </p:txBody>
+      </p:sp>
+      <p:sp>
+        <p:nvSpPr>
+          <p:cNvPr id="14" name="Стрелка вниз 13"/>
+          <p:cNvSpPr/>
+          <p:nvPr/>
+        </p:nvSpPr>
+        <p:spPr>
+          <a:xfrm>
+            <a:off x="7671139" y="3182344"/>
+            <a:ext cx="45719" cy="1680550"/>
+          </a:xfrm>
+          <a:prstGeom prst="downArrow">
+            <a:avLst/>
+          </a:prstGeom>
+          <a:solidFill>
+            <a:srgbClr val="04333E"/>
+          </a:solidFill>
+        </p:spPr>
+        <p:style>
+          <a:lnRef idx="2">
+            <a:schemeClr val="accent1">
+              <a:shade val="50000"/>
+            </a:schemeClr>
+          </a:lnRef>
+          <a:fillRef idx="1">
+            <a:schemeClr val="accent1"/>
+          </a:fillRef>
+          <a:effectRef idx="0">
+            <a:schemeClr val="accent1"/>
+          </a:effectRef>
+          <a:fontRef idx="minor">
+            <a:schemeClr val="lt1"/>
+          </a:fontRef>
+        </p:style>
+        <p:txBody>
+          <a:bodyPr rtlCol="0" anchor="ctr"/>
+          <a:lstStyle/>
+          <a:p>
+            <a:pPr algn="ctr"/>
+            <a:endParaRPr lang="ru-RU"/>
+          </a:p>
+        </p:txBody>
+      </p:sp>
+      <p:sp>
+        <p:nvSpPr>
+          <p:cNvPr id="15" name="TextBox 14"/>
+          <p:cNvSpPr txBox="1"/>
+          <p:nvPr/>
+        </p:nvSpPr>
+        <p:spPr>
+          <a:xfrm>
+            <a:off x="6607817" y="4965905"/>
+            <a:ext cx="1747273" cy="461665"/>
+          </a:xfrm>
+          <a:prstGeom prst="rect">
+            <a:avLst/>
+          </a:prstGeom>
+          <a:noFill/>
+        </p:spPr>
+        <p:txBody>
+          <a:bodyPr wrap="none" rtlCol="0">
+            <a:spAutoFit/>
+          </a:bodyPr>
+          <a:lstStyle/>
+          <a:p>
+            <a:r>
+              <a:rPr lang="en-US" sz="2400" dirty="0" smtClean="0">
+                <a:solidFill>
+                  <a:srgbClr val="04333E"/>
+                </a:solidFill>
+              </a:rPr>
+              <a:t>LabelService</a:t>
+            </a:r>
+            <a:endParaRPr lang="ru-RU" sz="2400" dirty="0">
+              <a:solidFill>
+                <a:srgbClr val="04333E"/>
+              </a:solidFill>
+            </a:endParaRPr>
+          </a:p>
+        </p:txBody>
+      </p:sp>
+      <p:pic>
+        <p:nvPicPr>
+          <p:cNvPr id="16" name="Рисунок 15"/>
+          <p:cNvPicPr>
+            <a:picLocks noChangeAspect="1"/>
+          </p:cNvPicPr>
+          <p:nvPr/>
+        </p:nvPicPr>
+        <p:blipFill>
+          <a:blip r:embed="rId4">
+            <a:extLst>
+              <a:ext uri="{28A0092B-C50C-407E-A947-70E740481C1C}">
+                <a14:useLocalDpi xmlns:a14="http://schemas.microsoft.com/office/drawing/2010/main" val="0"/>
+              </a:ext>
+            </a:extLst>
+          </a:blip>
+          <a:stretch>
+            <a:fillRect/>
+          </a:stretch>
+        </p:blipFill>
+        <p:spPr>
+          <a:xfrm>
+            <a:off x="2965759" y="3030808"/>
+            <a:ext cx="1895740" cy="1790950"/>
+          </a:xfrm>
+          <a:prstGeom prst="rect">
+            <a:avLst/>
+          </a:prstGeom>
+        </p:spPr>
+      </p:pic>
+      <p:cxnSp>
+        <p:nvCxnSpPr>
+          <p:cNvPr id="19" name="Прямая со стрелкой 18"/>
+          <p:cNvCxnSpPr/>
+          <p:nvPr/>
+        </p:nvCxnSpPr>
+        <p:spPr>
+          <a:xfrm flipH="1">
+            <a:off x="4996941" y="2856916"/>
+            <a:ext cx="1503490" cy="1237275"/>
+          </a:xfrm>
+          <a:prstGeom prst="straightConnector1">
+            <a:avLst/>
+          </a:prstGeom>
+          <a:ln w="38100">
+            <a:solidFill>
+              <a:srgbClr val="C00000"/>
+            </a:solidFill>
+            <a:tailEnd type="triangle"/>
+          </a:ln>
+        </p:spPr>
+        <p:style>
+          <a:lnRef idx="3">
+            <a:schemeClr val="dk1"/>
+          </a:lnRef>
+          <a:fillRef idx="0">
+            <a:schemeClr val="dk1"/>
+          </a:fillRef>
+          <a:effectRef idx="2">
+            <a:schemeClr val="dk1"/>
+          </a:effectRef>
+          <a:fontRef idx="minor">
+            <a:schemeClr val="tx1"/>
+          </a:fontRef>
+        </p:style>
+      </p:cxnSp>
+      <p:cxnSp>
+        <p:nvCxnSpPr>
+          <p:cNvPr id="25" name="Прямая со стрелкой 24"/>
+          <p:cNvCxnSpPr/>
+          <p:nvPr/>
+        </p:nvCxnSpPr>
+        <p:spPr>
+          <a:xfrm flipH="1" flipV="1">
+            <a:off x="7481455" y="3167279"/>
+            <a:ext cx="3867" cy="1659040"/>
+          </a:xfrm>
+          <a:prstGeom prst="straightConnector1">
+            <a:avLst/>
+          </a:prstGeom>
+          <a:ln w="38100">
+            <a:solidFill>
+              <a:srgbClr val="C00000"/>
+            </a:solidFill>
+            <a:tailEnd type="triangle"/>
+          </a:ln>
+        </p:spPr>
+        <p:style>
+          <a:lnRef idx="3">
+            <a:schemeClr val="dk1"/>
+          </a:lnRef>
+          <a:fillRef idx="0">
+            <a:schemeClr val="dk1"/>
+          </a:fillRef>
+          <a:effectRef idx="2">
+            <a:schemeClr val="dk1"/>
+          </a:effectRef>
+          <a:fontRef idx="minor">
+            <a:schemeClr val="tx1"/>
+          </a:fontRef>
+        </p:style>
+      </p:cxnSp>
+      <p:cxnSp>
+        <p:nvCxnSpPr>
+          <p:cNvPr id="32" name="Прямая со стрелкой 31"/>
+          <p:cNvCxnSpPr/>
+          <p:nvPr/>
+        </p:nvCxnSpPr>
+        <p:spPr>
+          <a:xfrm flipH="1" flipV="1">
+            <a:off x="1191491" y="2856916"/>
+            <a:ext cx="1574150" cy="1077775"/>
+          </a:xfrm>
+          <a:prstGeom prst="straightConnector1">
+            <a:avLst/>
+          </a:prstGeom>
+          <a:ln w="38100">
+            <a:solidFill>
+              <a:srgbClr val="FFFFFF"/>
+            </a:solidFill>
+            <a:tailEnd type="triangle"/>
+          </a:ln>
+        </p:spPr>
+        <p:style>
+          <a:lnRef idx="1">
+            <a:schemeClr val="accent1"/>
+          </a:lnRef>
+          <a:fillRef idx="0">
+            <a:schemeClr val="accent1"/>
+          </a:fillRef>
+          <a:effectRef idx="0">
+            <a:schemeClr val="accent1"/>
+          </a:effectRef>
+          <a:fontRef idx="minor">
+            <a:schemeClr val="tx1"/>
+          </a:fontRef>
+        </p:style>
+      </p:cxnSp>
+      <p:cxnSp>
+        <p:nvCxnSpPr>
+          <p:cNvPr id="34" name="Прямая со стрелкой 33"/>
+          <p:cNvCxnSpPr/>
+          <p:nvPr/>
+        </p:nvCxnSpPr>
+        <p:spPr>
+          <a:xfrm flipH="1" flipV="1">
+            <a:off x="1158455" y="2725498"/>
+            <a:ext cx="1671862" cy="1205345"/>
+          </a:xfrm>
+          <a:prstGeom prst="straightConnector1">
+            <a:avLst/>
+          </a:prstGeom>
+          <a:ln w="38100">
+            <a:solidFill>
+              <a:srgbClr val="C00000"/>
+            </a:solidFill>
+            <a:tailEnd type="triangle"/>
+          </a:ln>
+        </p:spPr>
+        <p:style>
+          <a:lnRef idx="1">
+            <a:schemeClr val="accent1"/>
+          </a:lnRef>
+          <a:fillRef idx="0">
+            <a:schemeClr val="accent1"/>
+          </a:fillRef>
+          <a:effectRef idx="0">
+            <a:schemeClr val="accent1"/>
+          </a:effectRef>
+          <a:fontRef idx="minor">
+            <a:schemeClr val="tx1"/>
+          </a:fontRef>
+        </p:style>
+      </p:cxnSp>
+      <p:pic>
+        <p:nvPicPr>
+          <p:cNvPr id="35" name="Рисунок 34"/>
+          <p:cNvPicPr>
+            <a:picLocks noChangeAspect="1"/>
+          </p:cNvPicPr>
+          <p:nvPr/>
+        </p:nvPicPr>
+        <p:blipFill>
+          <a:blip r:embed="rId5">
+            <a:extLst>
+              <a:ext uri="{28A0092B-C50C-407E-A947-70E740481C1C}">
+                <a14:useLocalDpi xmlns:a14="http://schemas.microsoft.com/office/drawing/2010/main" val="0"/>
+              </a:ext>
+            </a:extLst>
+          </a:blip>
+          <a:stretch>
+            <a:fillRect/>
+          </a:stretch>
+        </p:blipFill>
+        <p:spPr>
+          <a:xfrm>
+            <a:off x="95130" y="5222660"/>
+            <a:ext cx="1398528" cy="1398528"/>
+          </a:xfrm>
+          <a:prstGeom prst="rect">
+            <a:avLst/>
+          </a:prstGeom>
+        </p:spPr>
+      </p:pic>
+      <p:cxnSp>
+        <p:nvCxnSpPr>
+          <p:cNvPr id="37" name="Прямая со стрелкой 36"/>
+          <p:cNvCxnSpPr/>
+          <p:nvPr/>
+        </p:nvCxnSpPr>
+        <p:spPr>
+          <a:xfrm flipH="1">
+            <a:off x="1398708" y="6178977"/>
+            <a:ext cx="1953034" cy="9450"/>
+          </a:xfrm>
+          <a:prstGeom prst="straightConnector1">
+            <a:avLst/>
+          </a:prstGeom>
+          <a:ln w="38100">
+            <a:solidFill>
+              <a:srgbClr val="04333E"/>
+            </a:solidFill>
+            <a:tailEnd type="triangle"/>
+          </a:ln>
+        </p:spPr>
+        <p:style>
+          <a:lnRef idx="1">
+            <a:schemeClr val="accent1"/>
+          </a:lnRef>
+          <a:fillRef idx="0">
+            <a:schemeClr val="accent1"/>
+          </a:fillRef>
+          <a:effectRef idx="0">
+            <a:schemeClr val="accent1"/>
+          </a:effectRef>
+          <a:fontRef idx="minor">
+            <a:schemeClr val="tx1"/>
+          </a:fontRef>
+        </p:style>
+      </p:cxnSp>
+      <p:cxnSp>
+        <p:nvCxnSpPr>
+          <p:cNvPr id="39" name="Прямая со стрелкой 38"/>
+          <p:cNvCxnSpPr/>
+          <p:nvPr/>
+        </p:nvCxnSpPr>
+        <p:spPr>
+          <a:xfrm>
+            <a:off x="1454761" y="5732098"/>
+            <a:ext cx="1953035" cy="0"/>
+          </a:xfrm>
+          <a:prstGeom prst="straightConnector1">
+            <a:avLst/>
+          </a:prstGeom>
+          <a:ln w="38100">
+            <a:solidFill>
+              <a:srgbClr val="C00000"/>
+            </a:solidFill>
+            <a:tailEnd type="triangle"/>
+          </a:ln>
+        </p:spPr>
+        <p:style>
+          <a:lnRef idx="1">
+            <a:schemeClr val="accent1"/>
+          </a:lnRef>
+          <a:fillRef idx="0">
+            <a:schemeClr val="accent1"/>
+          </a:fillRef>
+          <a:effectRef idx="0">
+            <a:schemeClr val="accent1"/>
+          </a:effectRef>
+          <a:fontRef idx="minor">
+            <a:schemeClr val="tx1"/>
+          </a:fontRef>
+        </p:style>
+      </p:cxnSp>
+      <p:sp>
+        <p:nvSpPr>
+          <p:cNvPr id="47" name="TextBox 46"/>
+          <p:cNvSpPr txBox="1"/>
+          <p:nvPr/>
+        </p:nvSpPr>
+        <p:spPr>
+          <a:xfrm>
+            <a:off x="1386396" y="1961429"/>
+            <a:ext cx="1358577" cy="369332"/>
+          </a:xfrm>
+          <a:prstGeom prst="rect">
+            <a:avLst/>
+          </a:prstGeom>
+          <a:noFill/>
+        </p:spPr>
+        <p:txBody>
+          <a:bodyPr wrap="none" rtlCol="0">
+            <a:spAutoFit/>
+          </a:bodyPr>
+          <a:lstStyle/>
+          <a:p>
+            <a:r>
+              <a:rPr lang="ru-RU" dirty="0" smtClean="0"/>
+              <a:t>Приблизить</a:t>
+            </a:r>
+            <a:endParaRPr lang="ru-RU" dirty="0"/>
+          </a:p>
+        </p:txBody>
+      </p:sp>
+      <p:sp>
+        <p:nvSpPr>
+          <p:cNvPr id="48" name="TextBox 47"/>
+          <p:cNvSpPr txBox="1"/>
+          <p:nvPr/>
+        </p:nvSpPr>
+        <p:spPr>
+          <a:xfrm>
+            <a:off x="4861499" y="1612611"/>
+            <a:ext cx="1766830" cy="646331"/>
+          </a:xfrm>
+          <a:prstGeom prst="rect">
+            <a:avLst/>
+          </a:prstGeom>
+          <a:noFill/>
+        </p:spPr>
+        <p:txBody>
+          <a:bodyPr wrap="none" rtlCol="0">
+            <a:spAutoFit/>
+          </a:bodyPr>
+          <a:lstStyle/>
+          <a:p>
+            <a:r>
+              <a:rPr lang="ru-RU" dirty="0" smtClean="0"/>
+              <a:t>         </a:t>
+            </a:r>
+            <a:r>
+              <a:rPr lang="en-US" dirty="0" smtClean="0"/>
+              <a:t>JSON</a:t>
+            </a:r>
+          </a:p>
+          <a:p>
+            <a:r>
+              <a:rPr lang="ru-RU" dirty="0"/>
+              <a:t>с</a:t>
+            </a:r>
+            <a:r>
+              <a:rPr lang="ru-RU" dirty="0" smtClean="0"/>
+              <a:t> координатами</a:t>
+            </a:r>
+            <a:endParaRPr lang="ru-RU" dirty="0"/>
+          </a:p>
+        </p:txBody>
+      </p:sp>
+      <p:sp>
+        <p:nvSpPr>
+          <p:cNvPr id="49" name="TextBox 48"/>
+          <p:cNvSpPr txBox="1"/>
+          <p:nvPr/>
+        </p:nvSpPr>
+        <p:spPr>
+          <a:xfrm>
+            <a:off x="7813373" y="3635376"/>
+            <a:ext cx="1396536" cy="369332"/>
+          </a:xfrm>
+          <a:prstGeom prst="rect">
+            <a:avLst/>
+          </a:prstGeom>
+          <a:noFill/>
+        </p:spPr>
+        <p:txBody>
+          <a:bodyPr wrap="none" rtlCol="0">
+            <a:spAutoFit/>
+          </a:bodyPr>
+          <a:lstStyle/>
+          <a:p>
+            <a:r>
+              <a:rPr lang="ru-RU" dirty="0" smtClean="0"/>
+              <a:t>Координаты</a:t>
+            </a:r>
+            <a:endParaRPr lang="ru-RU" dirty="0"/>
+          </a:p>
+        </p:txBody>
+      </p:sp>
+      <p:sp>
+        <p:nvSpPr>
+          <p:cNvPr id="50" name="TextBox 49"/>
+          <p:cNvSpPr txBox="1"/>
+          <p:nvPr/>
+        </p:nvSpPr>
+        <p:spPr>
+          <a:xfrm>
+            <a:off x="5808297" y="3627467"/>
+            <a:ext cx="1519711" cy="369332"/>
+          </a:xfrm>
+          <a:prstGeom prst="rect">
+            <a:avLst/>
+          </a:prstGeom>
+          <a:noFill/>
+        </p:spPr>
+        <p:txBody>
+          <a:bodyPr wrap="none" rtlCol="0">
+            <a:spAutoFit/>
+          </a:bodyPr>
+          <a:lstStyle/>
+          <a:p>
+            <a:r>
+              <a:rPr lang="ru-RU" dirty="0" smtClean="0"/>
+              <a:t>Список меток</a:t>
+            </a:r>
+            <a:endParaRPr lang="ru-RU" dirty="0"/>
+          </a:p>
+        </p:txBody>
+      </p:sp>
+      <p:sp>
+        <p:nvSpPr>
+          <p:cNvPr id="51" name="TextBox 50"/>
+          <p:cNvSpPr txBox="1"/>
+          <p:nvPr/>
+        </p:nvSpPr>
+        <p:spPr>
+          <a:xfrm>
+            <a:off x="5119166" y="2816452"/>
+            <a:ext cx="829779" cy="923330"/>
+          </a:xfrm>
+          <a:prstGeom prst="rect">
+            <a:avLst/>
+          </a:prstGeom>
+          <a:noFill/>
+        </p:spPr>
+        <p:txBody>
+          <a:bodyPr wrap="none" rtlCol="0">
+            <a:spAutoFit/>
+          </a:bodyPr>
+          <a:lstStyle/>
+          <a:p>
+            <a:r>
+              <a:rPr lang="en-US" dirty="0" smtClean="0"/>
+              <a:t>JSON</a:t>
+            </a:r>
+            <a:endParaRPr lang="ru-RU" dirty="0" smtClean="0"/>
+          </a:p>
+          <a:p>
+            <a:r>
+              <a:rPr lang="ru-RU" dirty="0" smtClean="0"/>
+              <a:t>метки</a:t>
+            </a:r>
+            <a:r>
+              <a:rPr lang="en-US" dirty="0" smtClean="0"/>
+              <a:t> </a:t>
+            </a:r>
+          </a:p>
+          <a:p>
+            <a:endParaRPr lang="ru-RU" dirty="0"/>
+          </a:p>
+        </p:txBody>
+      </p:sp>
+      <p:sp>
+        <p:nvSpPr>
+          <p:cNvPr id="52" name="TextBox 51"/>
+          <p:cNvSpPr txBox="1"/>
+          <p:nvPr/>
+        </p:nvSpPr>
+        <p:spPr>
+          <a:xfrm>
+            <a:off x="1449779" y="6178977"/>
+            <a:ext cx="1850891" cy="369332"/>
+          </a:xfrm>
+          <a:prstGeom prst="rect">
+            <a:avLst/>
+          </a:prstGeom>
+          <a:noFill/>
+        </p:spPr>
+        <p:txBody>
+          <a:bodyPr wrap="none" rtlCol="0">
+            <a:spAutoFit/>
+          </a:bodyPr>
+          <a:lstStyle/>
+          <a:p>
+            <a:r>
+              <a:rPr lang="ru-RU" dirty="0" smtClean="0"/>
+              <a:t>Запрос  на метки</a:t>
+            </a:r>
+            <a:endParaRPr lang="ru-RU" dirty="0"/>
+          </a:p>
+        </p:txBody>
+      </p:sp>
+      <p:sp>
+        <p:nvSpPr>
+          <p:cNvPr id="53" name="TextBox 52"/>
+          <p:cNvSpPr txBox="1"/>
+          <p:nvPr/>
+        </p:nvSpPr>
+        <p:spPr>
+          <a:xfrm>
+            <a:off x="1405868" y="5350338"/>
+            <a:ext cx="1953035" cy="369332"/>
+          </a:xfrm>
+          <a:prstGeom prst="rect">
+            <a:avLst/>
+          </a:prstGeom>
+          <a:noFill/>
+        </p:spPr>
+        <p:txBody>
+          <a:bodyPr wrap="none" rtlCol="0">
+            <a:spAutoFit/>
+          </a:bodyPr>
+          <a:lstStyle/>
+          <a:p>
+            <a:r>
+              <a:rPr lang="ru-RU" dirty="0" smtClean="0"/>
+              <a:t>Метки в полигоне</a:t>
+            </a:r>
+            <a:endParaRPr lang="ru-RU" dirty="0"/>
+          </a:p>
+        </p:txBody>
+      </p:sp>
+      <p:sp>
+        <p:nvSpPr>
+          <p:cNvPr id="6" name="TextBox 5"/>
+          <p:cNvSpPr txBox="1"/>
+          <p:nvPr/>
+        </p:nvSpPr>
+        <p:spPr>
+          <a:xfrm>
+            <a:off x="6204053" y="5438340"/>
+            <a:ext cx="2554802" cy="646331"/>
+          </a:xfrm>
+          <a:prstGeom prst="rect">
+            <a:avLst/>
+          </a:prstGeom>
+          <a:noFill/>
+        </p:spPr>
+        <p:txBody>
+          <a:bodyPr wrap="none" rtlCol="0">
+            <a:spAutoFit/>
+          </a:bodyPr>
+          <a:lstStyle/>
+          <a:p>
+            <a:r>
+              <a:rPr lang="ru-RU" dirty="0" smtClean="0"/>
+              <a:t>Вычисление полигона</a:t>
+            </a:r>
+          </a:p>
+          <a:p>
+            <a:r>
+              <a:rPr lang="ru-RU" dirty="0" smtClean="0"/>
+              <a:t>Поиск меток в полигоне</a:t>
+            </a:r>
+            <a:endParaRPr lang="ru-RU" dirty="0"/>
+          </a:p>
+        </p:txBody>
+      </p:sp>
+      <p:sp>
+        <p:nvSpPr>
+          <p:cNvPr id="23" name="Скругленный прямоугольник 22"/>
+          <p:cNvSpPr/>
+          <p:nvPr/>
+        </p:nvSpPr>
+        <p:spPr>
+          <a:xfrm>
+            <a:off x="3358903" y="5004772"/>
+            <a:ext cx="1517353" cy="1655345"/>
+          </a:xfrm>
+          <a:prstGeom prst="roundRect">
+            <a:avLst/>
+          </a:prstGeom>
+          <a:solidFill>
+            <a:schemeClr val="bg2"/>
+          </a:solidFill>
+          <a:ln>
+            <a:solidFill>
+              <a:schemeClr val="tx1">
+                <a:lumMod val="65000"/>
+                <a:lumOff val="35000"/>
+              </a:schemeClr>
+            </a:solidFill>
+          </a:ln>
+        </p:spPr>
+        <p:style>
+          <a:lnRef idx="2">
+            <a:schemeClr val="accent1">
+              <a:shade val="50000"/>
+            </a:schemeClr>
+          </a:lnRef>
+          <a:fillRef idx="1">
+            <a:schemeClr val="accent1"/>
+          </a:fillRef>
+          <a:effectRef idx="0">
+            <a:schemeClr val="accent1"/>
+          </a:effectRef>
+          <a:fontRef idx="minor">
+            <a:schemeClr val="lt1"/>
+          </a:fontRef>
+        </p:style>
+        <p:txBody>
+          <a:bodyPr rtlCol="0" anchor="ctr"/>
+          <a:lstStyle/>
+          <a:p>
+            <a:pPr algn="ctr"/>
+            <a:endParaRPr lang="ru-RU" dirty="0"/>
+          </a:p>
+        </p:txBody>
+      </p:sp>
+      <p:cxnSp>
+        <p:nvCxnSpPr>
+          <p:cNvPr id="27" name="Прямая со стрелкой 26"/>
+          <p:cNvCxnSpPr/>
+          <p:nvPr/>
+        </p:nvCxnSpPr>
+        <p:spPr>
+          <a:xfrm flipV="1">
+            <a:off x="4876256" y="5716738"/>
+            <a:ext cx="1072689" cy="4078"/>
+          </a:xfrm>
+          <a:prstGeom prst="straightConnector1">
+            <a:avLst/>
+          </a:prstGeom>
+          <a:ln w="38100">
+            <a:solidFill>
+              <a:srgbClr val="C00000"/>
+            </a:solidFill>
+            <a:tailEnd type="triangle"/>
+          </a:ln>
+        </p:spPr>
+        <p:style>
+          <a:lnRef idx="1">
+            <a:schemeClr val="accent1"/>
+          </a:lnRef>
+          <a:fillRef idx="0">
+            <a:schemeClr val="accent1"/>
+          </a:fillRef>
+          <a:effectRef idx="0">
+            <a:schemeClr val="accent1"/>
+          </a:effectRef>
+          <a:fontRef idx="minor">
+            <a:schemeClr val="tx1"/>
+          </a:fontRef>
+        </p:style>
+      </p:cxnSp>
+      <p:cxnSp>
+        <p:nvCxnSpPr>
+          <p:cNvPr id="30" name="Прямая со стрелкой 29"/>
+          <p:cNvCxnSpPr/>
+          <p:nvPr/>
+        </p:nvCxnSpPr>
+        <p:spPr>
+          <a:xfrm flipH="1">
+            <a:off x="4861499" y="6188427"/>
+            <a:ext cx="1044362" cy="0"/>
+          </a:xfrm>
+          <a:prstGeom prst="straightConnector1">
+            <a:avLst/>
+          </a:prstGeom>
+          <a:ln w="38100">
+            <a:solidFill>
+              <a:srgbClr val="04333E"/>
+            </a:solidFill>
+            <a:tailEnd type="triangle"/>
+          </a:ln>
+        </p:spPr>
+        <p:style>
+          <a:lnRef idx="1">
+            <a:schemeClr val="accent1"/>
+          </a:lnRef>
+          <a:fillRef idx="0">
+            <a:schemeClr val="accent1"/>
+          </a:fillRef>
+          <a:effectRef idx="0">
+            <a:schemeClr val="accent1"/>
+          </a:effectRef>
+          <a:fontRef idx="minor">
+            <a:schemeClr val="tx1"/>
+          </a:fontRef>
+        </p:style>
+      </p:cxnSp>
+      <p:sp>
+        <p:nvSpPr>
+          <p:cNvPr id="33" name="TextBox 32"/>
+          <p:cNvSpPr txBox="1"/>
+          <p:nvPr/>
+        </p:nvSpPr>
+        <p:spPr>
+          <a:xfrm>
+            <a:off x="3473024" y="5438340"/>
+            <a:ext cx="1333698" cy="707886"/>
+          </a:xfrm>
+          <a:prstGeom prst="rect">
+            <a:avLst/>
+          </a:prstGeom>
+          <a:noFill/>
+        </p:spPr>
+        <p:txBody>
+          <a:bodyPr wrap="none" rtlCol="0">
+            <a:spAutoFit/>
+          </a:bodyPr>
+          <a:lstStyle/>
+          <a:p>
+            <a:r>
+              <a:rPr lang="en-US" sz="2000" b="1" dirty="0" smtClean="0">
+                <a:solidFill>
+                  <a:srgbClr val="04333E"/>
+                </a:solidFill>
+              </a:rPr>
+              <a:t>    Label</a:t>
+            </a:r>
+          </a:p>
+          <a:p>
+            <a:r>
+              <a:rPr lang="en-US" sz="2000" b="1" dirty="0" smtClean="0">
+                <a:solidFill>
+                  <a:srgbClr val="04333E"/>
+                </a:solidFill>
+              </a:rPr>
+              <a:t>Repository</a:t>
+            </a:r>
+            <a:endParaRPr lang="ru-RU" sz="2000" b="1" dirty="0">
               <a:solidFill>
                 <a:srgbClr val="04333E"/>
               </a:solidFill>
@@ -3460,6 +5991,2727 @@
       </p:grpSpPr>
       <p:sp>
         <p:nvSpPr>
+          <p:cNvPr id="12" name="TextBox 11"/>
+          <p:cNvSpPr txBox="1"/>
+          <p:nvPr/>
+        </p:nvSpPr>
+        <p:spPr>
+          <a:xfrm>
+            <a:off x="221675" y="138546"/>
+            <a:ext cx="2543966" cy="646331"/>
+          </a:xfrm>
+          <a:prstGeom prst="rect">
+            <a:avLst/>
+          </a:prstGeom>
+          <a:noFill/>
+        </p:spPr>
+        <p:txBody>
+          <a:bodyPr wrap="none" rtlCol="0">
+            <a:spAutoFit/>
+          </a:bodyPr>
+          <a:lstStyle/>
+          <a:p>
+            <a:r>
+              <a:rPr lang="en-US" sz="3600" i="1" dirty="0" smtClean="0">
+                <a:solidFill>
+                  <a:srgbClr val="04333E"/>
+                </a:solidFill>
+              </a:rPr>
+              <a:t>Service layer</a:t>
+            </a:r>
+            <a:endParaRPr lang="ru-RU" sz="3600" i="1" dirty="0">
+              <a:solidFill>
+                <a:srgbClr val="04333E"/>
+              </a:solidFill>
+            </a:endParaRPr>
+          </a:p>
+        </p:txBody>
+      </p:sp>
+      <p:sp>
+        <p:nvSpPr>
+          <p:cNvPr id="13" name="TextBox 12"/>
+          <p:cNvSpPr txBox="1"/>
+          <p:nvPr/>
+        </p:nvSpPr>
+        <p:spPr>
+          <a:xfrm>
+            <a:off x="221675" y="784877"/>
+            <a:ext cx="3759106" cy="461665"/>
+          </a:xfrm>
+          <a:prstGeom prst="rect">
+            <a:avLst/>
+          </a:prstGeom>
+          <a:noFill/>
+        </p:spPr>
+        <p:txBody>
+          <a:bodyPr wrap="none" rtlCol="0">
+            <a:spAutoFit/>
+          </a:bodyPr>
+          <a:lstStyle/>
+          <a:p>
+            <a:r>
+              <a:rPr lang="en-US" sz="2400" dirty="0" smtClean="0">
+                <a:solidFill>
+                  <a:srgbClr val="04333E"/>
+                </a:solidFill>
+              </a:rPr>
+              <a:t>View labels on map lifecycle.</a:t>
+            </a:r>
+            <a:endParaRPr lang="ru-RU" sz="2400" dirty="0">
+              <a:solidFill>
+                <a:srgbClr val="04333E"/>
+              </a:solidFill>
+            </a:endParaRPr>
+          </a:p>
+        </p:txBody>
+      </p:sp>
+      <p:cxnSp>
+        <p:nvCxnSpPr>
+          <p:cNvPr id="14" name="Прямая соединительная линия 13"/>
+          <p:cNvCxnSpPr/>
+          <p:nvPr/>
+        </p:nvCxnSpPr>
+        <p:spPr>
+          <a:xfrm>
+            <a:off x="271825" y="780045"/>
+            <a:ext cx="4059380" cy="0"/>
+          </a:xfrm>
+          <a:prstGeom prst="line">
+            <a:avLst/>
+          </a:prstGeom>
+          <a:ln>
+            <a:solidFill>
+              <a:srgbClr val="04333E"/>
+            </a:solidFill>
+          </a:ln>
+        </p:spPr>
+        <p:style>
+          <a:lnRef idx="1">
+            <a:schemeClr val="accent1"/>
+          </a:lnRef>
+          <a:fillRef idx="0">
+            <a:schemeClr val="accent1"/>
+          </a:fillRef>
+          <a:effectRef idx="0">
+            <a:schemeClr val="accent1"/>
+          </a:effectRef>
+          <a:fontRef idx="minor">
+            <a:schemeClr val="tx1"/>
+          </a:fontRef>
+        </p:style>
+      </p:cxnSp>
+      <p:sp>
+        <p:nvSpPr>
+          <p:cNvPr id="16" name="TextBox 15"/>
+          <p:cNvSpPr txBox="1"/>
+          <p:nvPr/>
+        </p:nvSpPr>
+        <p:spPr>
+          <a:xfrm>
+            <a:off x="221675" y="1296760"/>
+            <a:ext cx="4711739" cy="369332"/>
+          </a:xfrm>
+          <a:prstGeom prst="rect">
+            <a:avLst/>
+          </a:prstGeom>
+          <a:noFill/>
+        </p:spPr>
+        <p:txBody>
+          <a:bodyPr wrap="none" rtlCol="0">
+            <a:spAutoFit/>
+          </a:bodyPr>
+          <a:lstStyle/>
+          <a:p>
+            <a:r>
+              <a:rPr lang="ru-RU" dirty="0" smtClean="0"/>
+              <a:t>1. Вычисление полигона на основе 2-ух точек.</a:t>
+            </a:r>
+            <a:endParaRPr lang="ru-RU" dirty="0"/>
+          </a:p>
+        </p:txBody>
+      </p:sp>
+      <p:sp>
+        <p:nvSpPr>
+          <p:cNvPr id="17" name="Прямоугольник 16"/>
+          <p:cNvSpPr/>
+          <p:nvPr/>
+        </p:nvSpPr>
+        <p:spPr>
+          <a:xfrm>
+            <a:off x="271825" y="1763256"/>
+            <a:ext cx="2854037" cy="1842655"/>
+          </a:xfrm>
+          <a:prstGeom prst="rect">
+            <a:avLst/>
+          </a:prstGeom>
+          <a:ln>
+            <a:prstDash val="dash"/>
+          </a:ln>
+        </p:spPr>
+        <p:style>
+          <a:lnRef idx="2">
+            <a:schemeClr val="dk1"/>
+          </a:lnRef>
+          <a:fillRef idx="1">
+            <a:schemeClr val="lt1"/>
+          </a:fillRef>
+          <a:effectRef idx="0">
+            <a:schemeClr val="dk1"/>
+          </a:effectRef>
+          <a:fontRef idx="minor">
+            <a:schemeClr val="dk1"/>
+          </a:fontRef>
+        </p:style>
+        <p:txBody>
+          <a:bodyPr rtlCol="0" anchor="ctr"/>
+          <a:lstStyle/>
+          <a:p>
+            <a:pPr algn="ctr"/>
+            <a:endParaRPr lang="ru-RU"/>
+          </a:p>
+        </p:txBody>
+      </p:sp>
+      <p:sp>
+        <p:nvSpPr>
+          <p:cNvPr id="18" name="TextBox 17"/>
+          <p:cNvSpPr txBox="1"/>
+          <p:nvPr/>
+        </p:nvSpPr>
+        <p:spPr>
+          <a:xfrm>
+            <a:off x="62817" y="3605911"/>
+            <a:ext cx="1007007" cy="369332"/>
+          </a:xfrm>
+          <a:prstGeom prst="rect">
+            <a:avLst/>
+          </a:prstGeom>
+          <a:noFill/>
+        </p:spPr>
+        <p:txBody>
+          <a:bodyPr wrap="none" rtlCol="0">
+            <a:spAutoFit/>
+          </a:bodyPr>
+          <a:lstStyle/>
+          <a:p>
+            <a:r>
+              <a:rPr lang="ru-RU" dirty="0" smtClean="0"/>
+              <a:t>А(</a:t>
+            </a:r>
+            <a:r>
+              <a:rPr lang="en-US" dirty="0" smtClean="0"/>
+              <a:t>x1, y1)</a:t>
+            </a:r>
+            <a:endParaRPr lang="ru-RU" dirty="0"/>
+          </a:p>
+        </p:txBody>
+      </p:sp>
+      <p:sp>
+        <p:nvSpPr>
+          <p:cNvPr id="19" name="TextBox 18"/>
+          <p:cNvSpPr txBox="1"/>
+          <p:nvPr/>
+        </p:nvSpPr>
+        <p:spPr>
+          <a:xfrm>
+            <a:off x="3125862" y="1523541"/>
+            <a:ext cx="998991" cy="369332"/>
+          </a:xfrm>
+          <a:prstGeom prst="rect">
+            <a:avLst/>
+          </a:prstGeom>
+          <a:noFill/>
+        </p:spPr>
+        <p:txBody>
+          <a:bodyPr wrap="none" rtlCol="0">
+            <a:spAutoFit/>
+          </a:bodyPr>
+          <a:lstStyle/>
+          <a:p>
+            <a:r>
+              <a:rPr lang="ru-RU" dirty="0" smtClean="0"/>
+              <a:t>В</a:t>
+            </a:r>
+            <a:r>
+              <a:rPr lang="en-US" dirty="0" smtClean="0"/>
+              <a:t>(x2, y2)</a:t>
+            </a:r>
+            <a:endParaRPr lang="ru-RU" dirty="0"/>
+          </a:p>
+        </p:txBody>
+      </p:sp>
+      <p:cxnSp>
+        <p:nvCxnSpPr>
+          <p:cNvPr id="21" name="Прямая соединительная линия 20"/>
+          <p:cNvCxnSpPr/>
+          <p:nvPr/>
+        </p:nvCxnSpPr>
+        <p:spPr>
+          <a:xfrm flipV="1">
+            <a:off x="271825" y="1763257"/>
+            <a:ext cx="2854037" cy="1842654"/>
+          </a:xfrm>
+          <a:prstGeom prst="line">
+            <a:avLst/>
+          </a:prstGeom>
+          <a:ln>
+            <a:solidFill>
+              <a:schemeClr val="tx1"/>
+            </a:solidFill>
+            <a:prstDash val="dash"/>
+          </a:ln>
+        </p:spPr>
+        <p:style>
+          <a:lnRef idx="1">
+            <a:schemeClr val="accent1"/>
+          </a:lnRef>
+          <a:fillRef idx="0">
+            <a:schemeClr val="accent1"/>
+          </a:fillRef>
+          <a:effectRef idx="0">
+            <a:schemeClr val="accent1"/>
+          </a:effectRef>
+          <a:fontRef idx="minor">
+            <a:schemeClr val="tx1"/>
+          </a:fontRef>
+        </p:style>
+      </p:cxnSp>
+      <p:sp>
+        <p:nvSpPr>
+          <p:cNvPr id="25" name="TextBox 24"/>
+          <p:cNvSpPr txBox="1"/>
+          <p:nvPr/>
+        </p:nvSpPr>
+        <p:spPr>
+          <a:xfrm>
+            <a:off x="5264728" y="3790577"/>
+            <a:ext cx="3735510" cy="369332"/>
+          </a:xfrm>
+          <a:prstGeom prst="rect">
+            <a:avLst/>
+          </a:prstGeom>
+          <a:noFill/>
+        </p:spPr>
+        <p:txBody>
+          <a:bodyPr wrap="none" rtlCol="0">
+            <a:spAutoFit/>
+          </a:bodyPr>
+          <a:lstStyle/>
+          <a:p>
+            <a:r>
+              <a:rPr lang="ru-RU" dirty="0" smtClean="0"/>
+              <a:t>2. Запрос на точки внутри полигона.</a:t>
+            </a:r>
+            <a:endParaRPr lang="ru-RU" dirty="0"/>
+          </a:p>
+        </p:txBody>
+      </p:sp>
+      <p:sp>
+        <p:nvSpPr>
+          <p:cNvPr id="26" name="TextBox 25"/>
+          <p:cNvSpPr txBox="1"/>
+          <p:nvPr/>
+        </p:nvSpPr>
+        <p:spPr>
+          <a:xfrm>
+            <a:off x="62817" y="6242279"/>
+            <a:ext cx="3454600" cy="369332"/>
+          </a:xfrm>
+          <a:prstGeom prst="rect">
+            <a:avLst/>
+          </a:prstGeom>
+          <a:noFill/>
+        </p:spPr>
+        <p:txBody>
+          <a:bodyPr wrap="none" rtlCol="0">
+            <a:spAutoFit/>
+          </a:bodyPr>
+          <a:lstStyle/>
+          <a:p>
+            <a:r>
+              <a:rPr lang="ru-RU" dirty="0" smtClean="0"/>
+              <a:t>3. Конвертация сущностей в </a:t>
+            </a:r>
+            <a:r>
+              <a:rPr lang="en-US" dirty="0" smtClean="0"/>
+              <a:t>DTO</a:t>
+            </a:r>
+            <a:r>
+              <a:rPr lang="ru-RU" dirty="0" smtClean="0"/>
+              <a:t>.</a:t>
+            </a:r>
+            <a:endParaRPr lang="ru-RU" dirty="0"/>
+          </a:p>
+        </p:txBody>
+      </p:sp>
+      <p:sp>
+        <p:nvSpPr>
+          <p:cNvPr id="31" name="TextBox 30"/>
+          <p:cNvSpPr txBox="1"/>
+          <p:nvPr/>
+        </p:nvSpPr>
+        <p:spPr>
+          <a:xfrm>
+            <a:off x="62817" y="4277764"/>
+            <a:ext cx="1596912" cy="369332"/>
+          </a:xfrm>
+          <a:prstGeom prst="rect">
+            <a:avLst/>
+          </a:prstGeom>
+          <a:noFill/>
+        </p:spPr>
+        <p:txBody>
+          <a:bodyPr wrap="none" rtlCol="0">
+            <a:spAutoFit/>
+          </a:bodyPr>
+          <a:lstStyle/>
+          <a:p>
+            <a:r>
+              <a:rPr lang="en-US" dirty="0" smtClean="0"/>
+              <a:t>Label P (x3, y3)</a:t>
+            </a:r>
+            <a:endParaRPr lang="ru-RU" dirty="0"/>
+          </a:p>
+        </p:txBody>
+      </p:sp>
+      <p:sp>
+        <p:nvSpPr>
+          <p:cNvPr id="32" name="TextBox 31"/>
+          <p:cNvSpPr txBox="1"/>
+          <p:nvPr/>
+        </p:nvSpPr>
+        <p:spPr>
+          <a:xfrm>
+            <a:off x="62817" y="4628049"/>
+            <a:ext cx="3506088" cy="400110"/>
+          </a:xfrm>
+          <a:prstGeom prst="rect">
+            <a:avLst/>
+          </a:prstGeom>
+          <a:noFill/>
+        </p:spPr>
+        <p:txBody>
+          <a:bodyPr wrap="none" rtlCol="0">
+            <a:spAutoFit/>
+          </a:bodyPr>
+          <a:lstStyle/>
+          <a:p>
+            <a:r>
+              <a:rPr lang="en-US" sz="2000" b="1" dirty="0" smtClean="0"/>
+              <a:t>If (x1 &lt; x3 &lt; x2 &amp;&amp; y1 &lt; y3 &lt; y2)</a:t>
+            </a:r>
+            <a:endParaRPr lang="ru-RU" sz="2000" b="1" dirty="0"/>
+          </a:p>
+        </p:txBody>
+      </p:sp>
+      <p:sp>
+        <p:nvSpPr>
+          <p:cNvPr id="33" name="TextBox 32"/>
+          <p:cNvSpPr txBox="1"/>
+          <p:nvPr/>
+        </p:nvSpPr>
+        <p:spPr>
+          <a:xfrm>
+            <a:off x="4933414" y="6012873"/>
+            <a:ext cx="3209725" cy="369332"/>
+          </a:xfrm>
+          <a:prstGeom prst="rect">
+            <a:avLst/>
+          </a:prstGeom>
+          <a:noFill/>
+        </p:spPr>
+        <p:txBody>
+          <a:bodyPr wrap="none" rtlCol="0">
+            <a:spAutoFit/>
+          </a:bodyPr>
+          <a:lstStyle/>
+          <a:p>
+            <a:r>
+              <a:rPr lang="en-US" dirty="0" smtClean="0"/>
+              <a:t>//TODO </a:t>
+            </a:r>
+            <a:r>
+              <a:rPr lang="ru-RU" dirty="0" smtClean="0"/>
+              <a:t>описать алгоритм </a:t>
+            </a:r>
+            <a:r>
+              <a:rPr lang="en-US" dirty="0" smtClean="0"/>
+              <a:t>UML</a:t>
+            </a:r>
+            <a:endParaRPr lang="ru-RU" dirty="0"/>
+          </a:p>
+        </p:txBody>
+      </p:sp>
+    </p:spTree>
+    <p:extLst>
+      <p:ext uri="{BB962C8B-B14F-4D97-AF65-F5344CB8AC3E}">
+        <p14:creationId xmlns:p14="http://schemas.microsoft.com/office/powerpoint/2010/main" val="581542341"/>
+      </p:ext>
+    </p:extLst>
+  </p:cSld>
+  <p:clrMapOvr>
+    <a:masterClrMapping/>
+  </p:clrMapOvr>
+</p:sld>
+</file>
+
+<file path=ppt/slides/slide14.xml><?xml version="1.0" encoding="utf-8"?>
+<p:sld xmlns:a="http://schemas.openxmlformats.org/drawingml/2006/main" xmlns:r="http://schemas.openxmlformats.org/officeDocument/2006/relationships" xmlns:p="http://schemas.openxmlformats.org/presentationml/2006/main">
+  <p:cSld>
+    <p:spTree>
+      <p:nvGrpSpPr>
+        <p:cNvPr id="1" name=""/>
+        <p:cNvGrpSpPr/>
+        <p:nvPr/>
+      </p:nvGrpSpPr>
+      <p:grpSpPr>
+        <a:xfrm>
+          <a:off x="0" y="0"/>
+          <a:ext cx="0" cy="0"/>
+          <a:chOff x="0" y="0"/>
+          <a:chExt cx="0" cy="0"/>
+        </a:xfrm>
+      </p:grpSpPr>
+      <p:sp>
+        <p:nvSpPr>
+          <p:cNvPr id="2" name="TextBox 1"/>
+          <p:cNvSpPr txBox="1"/>
+          <p:nvPr/>
+        </p:nvSpPr>
+        <p:spPr>
+          <a:xfrm>
+            <a:off x="221675" y="138546"/>
+            <a:ext cx="2543966" cy="646331"/>
+          </a:xfrm>
+          <a:prstGeom prst="rect">
+            <a:avLst/>
+          </a:prstGeom>
+          <a:noFill/>
+        </p:spPr>
+        <p:txBody>
+          <a:bodyPr wrap="none" rtlCol="0">
+            <a:spAutoFit/>
+          </a:bodyPr>
+          <a:lstStyle/>
+          <a:p>
+            <a:r>
+              <a:rPr lang="en-US" sz="3600" i="1" dirty="0" smtClean="0">
+                <a:solidFill>
+                  <a:srgbClr val="04333E"/>
+                </a:solidFill>
+              </a:rPr>
+              <a:t>Service layer</a:t>
+            </a:r>
+            <a:endParaRPr lang="ru-RU" sz="3600" i="1" dirty="0">
+              <a:solidFill>
+                <a:srgbClr val="04333E"/>
+              </a:solidFill>
+            </a:endParaRPr>
+          </a:p>
+        </p:txBody>
+      </p:sp>
+      <p:sp>
+        <p:nvSpPr>
+          <p:cNvPr id="4" name="TextBox 3"/>
+          <p:cNvSpPr txBox="1"/>
+          <p:nvPr/>
+        </p:nvSpPr>
+        <p:spPr>
+          <a:xfrm>
+            <a:off x="221675" y="784877"/>
+            <a:ext cx="2507033" cy="461665"/>
+          </a:xfrm>
+          <a:prstGeom prst="rect">
+            <a:avLst/>
+          </a:prstGeom>
+          <a:noFill/>
+        </p:spPr>
+        <p:txBody>
+          <a:bodyPr wrap="none" rtlCol="0">
+            <a:spAutoFit/>
+          </a:bodyPr>
+          <a:lstStyle/>
+          <a:p>
+            <a:r>
+              <a:rPr lang="en-US" sz="2400" dirty="0" smtClean="0">
+                <a:solidFill>
+                  <a:srgbClr val="04333E"/>
+                </a:solidFill>
+              </a:rPr>
+              <a:t>Add label lifecycle.</a:t>
+            </a:r>
+            <a:endParaRPr lang="ru-RU" sz="2400" dirty="0">
+              <a:solidFill>
+                <a:srgbClr val="04333E"/>
+              </a:solidFill>
+            </a:endParaRPr>
+          </a:p>
+        </p:txBody>
+      </p:sp>
+      <p:cxnSp>
+        <p:nvCxnSpPr>
+          <p:cNvPr id="5" name="Прямая соединительная линия 4"/>
+          <p:cNvCxnSpPr/>
+          <p:nvPr/>
+        </p:nvCxnSpPr>
+        <p:spPr>
+          <a:xfrm>
+            <a:off x="271825" y="780045"/>
+            <a:ext cx="4059380" cy="0"/>
+          </a:xfrm>
+          <a:prstGeom prst="line">
+            <a:avLst/>
+          </a:prstGeom>
+          <a:ln>
+            <a:solidFill>
+              <a:srgbClr val="04333E"/>
+            </a:solidFill>
+          </a:ln>
+        </p:spPr>
+        <p:style>
+          <a:lnRef idx="1">
+            <a:schemeClr val="accent1"/>
+          </a:lnRef>
+          <a:fillRef idx="0">
+            <a:schemeClr val="accent1"/>
+          </a:fillRef>
+          <a:effectRef idx="0">
+            <a:schemeClr val="accent1"/>
+          </a:effectRef>
+          <a:fontRef idx="minor">
+            <a:schemeClr val="tx1"/>
+          </a:fontRef>
+        </p:style>
+      </p:cxnSp>
+      <p:pic>
+        <p:nvPicPr>
+          <p:cNvPr id="33" name="Рисунок 32"/>
+          <p:cNvPicPr>
+            <a:picLocks noChangeAspect="1"/>
+          </p:cNvPicPr>
+          <p:nvPr/>
+        </p:nvPicPr>
+        <p:blipFill>
+          <a:blip r:embed="rId2">
+            <a:extLst>
+              <a:ext uri="{28A0092B-C50C-407E-A947-70E740481C1C}">
+                <a14:useLocalDpi xmlns:a14="http://schemas.microsoft.com/office/drawing/2010/main" val="0"/>
+              </a:ext>
+            </a:extLst>
+          </a:blip>
+          <a:stretch>
+            <a:fillRect/>
+          </a:stretch>
+        </p:blipFill>
+        <p:spPr>
+          <a:xfrm>
+            <a:off x="558649" y="1246542"/>
+            <a:ext cx="8585351" cy="4014914"/>
+          </a:xfrm>
+          <a:prstGeom prst="rect">
+            <a:avLst/>
+          </a:prstGeom>
+        </p:spPr>
+      </p:pic>
+      <p:sp>
+        <p:nvSpPr>
+          <p:cNvPr id="34" name="Прямоугольник 33"/>
+          <p:cNvSpPr/>
+          <p:nvPr/>
+        </p:nvSpPr>
+        <p:spPr>
+          <a:xfrm>
+            <a:off x="8725542" y="4785494"/>
+            <a:ext cx="311150" cy="291332"/>
+          </a:xfrm>
+          <a:prstGeom prst="rect">
+            <a:avLst/>
+          </a:prstGeom>
+          <a:noFill/>
+          <a:ln w="38100">
+            <a:solidFill>
+              <a:srgbClr val="C00000"/>
+            </a:solidFill>
+          </a:ln>
+        </p:spPr>
+        <p:style>
+          <a:lnRef idx="2">
+            <a:schemeClr val="accent1">
+              <a:shade val="50000"/>
+            </a:schemeClr>
+          </a:lnRef>
+          <a:fillRef idx="1">
+            <a:schemeClr val="accent1"/>
+          </a:fillRef>
+          <a:effectRef idx="0">
+            <a:schemeClr val="accent1"/>
+          </a:effectRef>
+          <a:fontRef idx="minor">
+            <a:schemeClr val="lt1"/>
+          </a:fontRef>
+        </p:style>
+        <p:txBody>
+          <a:bodyPr rtlCol="0" anchor="ctr"/>
+          <a:lstStyle/>
+          <a:p>
+            <a:pPr algn="ctr"/>
+            <a:endParaRPr lang="ru-RU"/>
+          </a:p>
+        </p:txBody>
+      </p:sp>
+      <p:cxnSp>
+        <p:nvCxnSpPr>
+          <p:cNvPr id="38" name="Прямая со стрелкой 37"/>
+          <p:cNvCxnSpPr/>
+          <p:nvPr/>
+        </p:nvCxnSpPr>
+        <p:spPr>
+          <a:xfrm flipH="1">
+            <a:off x="2834917" y="4908935"/>
+            <a:ext cx="5881101" cy="0"/>
+          </a:xfrm>
+          <a:prstGeom prst="straightConnector1">
+            <a:avLst/>
+          </a:prstGeom>
+          <a:ln w="28575">
+            <a:solidFill>
+              <a:srgbClr val="C00000"/>
+            </a:solidFill>
+            <a:tailEnd type="triangle"/>
+          </a:ln>
+        </p:spPr>
+        <p:style>
+          <a:lnRef idx="1">
+            <a:schemeClr val="accent1"/>
+          </a:lnRef>
+          <a:fillRef idx="0">
+            <a:schemeClr val="accent1"/>
+          </a:fillRef>
+          <a:effectRef idx="0">
+            <a:schemeClr val="accent1"/>
+          </a:effectRef>
+          <a:fontRef idx="minor">
+            <a:schemeClr val="tx1"/>
+          </a:fontRef>
+        </p:style>
+      </p:cxnSp>
+      <p:sp>
+        <p:nvSpPr>
+          <p:cNvPr id="39" name="Прямоугольник 38"/>
+          <p:cNvSpPr/>
+          <p:nvPr/>
+        </p:nvSpPr>
+        <p:spPr>
+          <a:xfrm>
+            <a:off x="4518667" y="3152864"/>
+            <a:ext cx="431800" cy="393700"/>
+          </a:xfrm>
+          <a:prstGeom prst="rect">
+            <a:avLst/>
+          </a:prstGeom>
+          <a:noFill/>
+          <a:ln w="28575">
+            <a:solidFill>
+              <a:srgbClr val="C00000"/>
+            </a:solidFill>
+          </a:ln>
+        </p:spPr>
+        <p:style>
+          <a:lnRef idx="2">
+            <a:schemeClr val="accent1">
+              <a:shade val="50000"/>
+            </a:schemeClr>
+          </a:lnRef>
+          <a:fillRef idx="1">
+            <a:schemeClr val="accent1"/>
+          </a:fillRef>
+          <a:effectRef idx="0">
+            <a:schemeClr val="accent1"/>
+          </a:effectRef>
+          <a:fontRef idx="minor">
+            <a:schemeClr val="lt1"/>
+          </a:fontRef>
+        </p:style>
+        <p:txBody>
+          <a:bodyPr rtlCol="0" anchor="ctr"/>
+          <a:lstStyle/>
+          <a:p>
+            <a:pPr algn="ctr"/>
+            <a:endParaRPr lang="ru-RU"/>
+          </a:p>
+        </p:txBody>
+      </p:sp>
+      <p:cxnSp>
+        <p:nvCxnSpPr>
+          <p:cNvPr id="43" name="Прямая со стрелкой 42"/>
+          <p:cNvCxnSpPr>
+            <a:endCxn id="39" idx="2"/>
+          </p:cNvCxnSpPr>
+          <p:nvPr/>
+        </p:nvCxnSpPr>
+        <p:spPr>
+          <a:xfrm flipV="1">
+            <a:off x="4734567" y="3546564"/>
+            <a:ext cx="0" cy="1362371"/>
+          </a:xfrm>
+          <a:prstGeom prst="straightConnector1">
+            <a:avLst/>
+          </a:prstGeom>
+          <a:ln w="28575">
+            <a:solidFill>
+              <a:srgbClr val="C00000"/>
+            </a:solidFill>
+            <a:tailEnd type="triangle"/>
+          </a:ln>
+        </p:spPr>
+        <p:style>
+          <a:lnRef idx="1">
+            <a:schemeClr val="accent1"/>
+          </a:lnRef>
+          <a:fillRef idx="0">
+            <a:schemeClr val="accent1"/>
+          </a:fillRef>
+          <a:effectRef idx="0">
+            <a:schemeClr val="accent1"/>
+          </a:effectRef>
+          <a:fontRef idx="minor">
+            <a:schemeClr val="tx1"/>
+          </a:fontRef>
+        </p:style>
+      </p:cxnSp>
+      <p:pic>
+        <p:nvPicPr>
+          <p:cNvPr id="45" name="Рисунок 44"/>
+          <p:cNvPicPr>
+            <a:picLocks noChangeAspect="1"/>
+          </p:cNvPicPr>
+          <p:nvPr/>
+        </p:nvPicPr>
+        <p:blipFill>
+          <a:blip r:embed="rId3">
+            <a:extLst>
+              <a:ext uri="{28A0092B-C50C-407E-A947-70E740481C1C}">
+                <a14:useLocalDpi xmlns:a14="http://schemas.microsoft.com/office/drawing/2010/main" val="0"/>
+              </a:ext>
+            </a:extLst>
+          </a:blip>
+          <a:stretch>
+            <a:fillRect/>
+          </a:stretch>
+        </p:blipFill>
+        <p:spPr>
+          <a:xfrm>
+            <a:off x="112926" y="1552209"/>
+            <a:ext cx="2724530" cy="5229955"/>
+          </a:xfrm>
+          <a:prstGeom prst="rect">
+            <a:avLst/>
+          </a:prstGeom>
+        </p:spPr>
+      </p:pic>
+      <p:sp>
+        <p:nvSpPr>
+          <p:cNvPr id="36" name="Прямоугольник 35"/>
+          <p:cNvSpPr/>
+          <p:nvPr/>
+        </p:nvSpPr>
+        <p:spPr>
+          <a:xfrm>
+            <a:off x="109234" y="1571625"/>
+            <a:ext cx="2725683" cy="5210539"/>
+          </a:xfrm>
+          <a:prstGeom prst="rect">
+            <a:avLst/>
+          </a:prstGeom>
+          <a:noFill/>
+          <a:ln w="28575">
+            <a:solidFill>
+              <a:srgbClr val="C00000"/>
+            </a:solidFill>
+          </a:ln>
+        </p:spPr>
+        <p:style>
+          <a:lnRef idx="2">
+            <a:schemeClr val="accent1">
+              <a:shade val="50000"/>
+            </a:schemeClr>
+          </a:lnRef>
+          <a:fillRef idx="1">
+            <a:schemeClr val="accent1"/>
+          </a:fillRef>
+          <a:effectRef idx="0">
+            <a:schemeClr val="accent1"/>
+          </a:effectRef>
+          <a:fontRef idx="minor">
+            <a:schemeClr val="lt1"/>
+          </a:fontRef>
+        </p:style>
+        <p:txBody>
+          <a:bodyPr rtlCol="0" anchor="ctr"/>
+          <a:lstStyle/>
+          <a:p>
+            <a:pPr algn="ctr"/>
+            <a:endParaRPr lang="ru-RU"/>
+          </a:p>
+        </p:txBody>
+      </p:sp>
+    </p:spTree>
+    <p:extLst>
+      <p:ext uri="{BB962C8B-B14F-4D97-AF65-F5344CB8AC3E}">
+        <p14:creationId xmlns:p14="http://schemas.microsoft.com/office/powerpoint/2010/main" val="1222809477"/>
+      </p:ext>
+    </p:extLst>
+  </p:cSld>
+  <p:clrMapOvr>
+    <a:masterClrMapping/>
+  </p:clrMapOvr>
+</p:sld>
+</file>
+
+<file path=ppt/slides/slide15.xml><?xml version="1.0" encoding="utf-8"?>
+<p:sld xmlns:a="http://schemas.openxmlformats.org/drawingml/2006/main" xmlns:r="http://schemas.openxmlformats.org/officeDocument/2006/relationships" xmlns:p="http://schemas.openxmlformats.org/presentationml/2006/main">
+  <p:cSld>
+    <p:spTree>
+      <p:nvGrpSpPr>
+        <p:cNvPr id="1" name=""/>
+        <p:cNvGrpSpPr/>
+        <p:nvPr/>
+      </p:nvGrpSpPr>
+      <p:grpSpPr>
+        <a:xfrm>
+          <a:off x="0" y="0"/>
+          <a:ext cx="0" cy="0"/>
+          <a:chOff x="0" y="0"/>
+          <a:chExt cx="0" cy="0"/>
+        </a:xfrm>
+      </p:grpSpPr>
+      <p:sp>
+        <p:nvSpPr>
+          <p:cNvPr id="2" name="TextBox 1"/>
+          <p:cNvSpPr txBox="1"/>
+          <p:nvPr/>
+        </p:nvSpPr>
+        <p:spPr>
+          <a:xfrm>
+            <a:off x="221675" y="138546"/>
+            <a:ext cx="2543966" cy="646331"/>
+          </a:xfrm>
+          <a:prstGeom prst="rect">
+            <a:avLst/>
+          </a:prstGeom>
+          <a:noFill/>
+        </p:spPr>
+        <p:txBody>
+          <a:bodyPr wrap="none" rtlCol="0">
+            <a:spAutoFit/>
+          </a:bodyPr>
+          <a:lstStyle/>
+          <a:p>
+            <a:r>
+              <a:rPr lang="en-US" sz="3600" i="1" dirty="0" smtClean="0">
+                <a:solidFill>
+                  <a:srgbClr val="04333E"/>
+                </a:solidFill>
+              </a:rPr>
+              <a:t>Service layer</a:t>
+            </a:r>
+            <a:endParaRPr lang="ru-RU" sz="3600" i="1" dirty="0">
+              <a:solidFill>
+                <a:srgbClr val="04333E"/>
+              </a:solidFill>
+            </a:endParaRPr>
+          </a:p>
+        </p:txBody>
+      </p:sp>
+      <p:sp>
+        <p:nvSpPr>
+          <p:cNvPr id="3" name="TextBox 2"/>
+          <p:cNvSpPr txBox="1"/>
+          <p:nvPr/>
+        </p:nvSpPr>
+        <p:spPr>
+          <a:xfrm>
+            <a:off x="221675" y="784877"/>
+            <a:ext cx="2507033" cy="461665"/>
+          </a:xfrm>
+          <a:prstGeom prst="rect">
+            <a:avLst/>
+          </a:prstGeom>
+          <a:noFill/>
+        </p:spPr>
+        <p:txBody>
+          <a:bodyPr wrap="none" rtlCol="0">
+            <a:spAutoFit/>
+          </a:bodyPr>
+          <a:lstStyle/>
+          <a:p>
+            <a:r>
+              <a:rPr lang="en-US" sz="2400" dirty="0" smtClean="0">
+                <a:solidFill>
+                  <a:srgbClr val="04333E"/>
+                </a:solidFill>
+              </a:rPr>
+              <a:t>Add label lifecycle.</a:t>
+            </a:r>
+            <a:endParaRPr lang="ru-RU" sz="2400" dirty="0">
+              <a:solidFill>
+                <a:srgbClr val="04333E"/>
+              </a:solidFill>
+            </a:endParaRPr>
+          </a:p>
+        </p:txBody>
+      </p:sp>
+      <p:cxnSp>
+        <p:nvCxnSpPr>
+          <p:cNvPr id="4" name="Прямая соединительная линия 3"/>
+          <p:cNvCxnSpPr/>
+          <p:nvPr/>
+        </p:nvCxnSpPr>
+        <p:spPr>
+          <a:xfrm>
+            <a:off x="271825" y="780045"/>
+            <a:ext cx="4059380" cy="0"/>
+          </a:xfrm>
+          <a:prstGeom prst="line">
+            <a:avLst/>
+          </a:prstGeom>
+          <a:ln>
+            <a:solidFill>
+              <a:srgbClr val="04333E"/>
+            </a:solidFill>
+          </a:ln>
+        </p:spPr>
+        <p:style>
+          <a:lnRef idx="1">
+            <a:schemeClr val="accent1"/>
+          </a:lnRef>
+          <a:fillRef idx="0">
+            <a:schemeClr val="accent1"/>
+          </a:fillRef>
+          <a:effectRef idx="0">
+            <a:schemeClr val="accent1"/>
+          </a:effectRef>
+          <a:fontRef idx="minor">
+            <a:schemeClr val="tx1"/>
+          </a:fontRef>
+        </p:style>
+      </p:cxnSp>
+      <p:sp>
+        <p:nvSpPr>
+          <p:cNvPr id="8" name="Стрелка вправо 7"/>
+          <p:cNvSpPr/>
+          <p:nvPr/>
+        </p:nvSpPr>
+        <p:spPr>
+          <a:xfrm>
+            <a:off x="1302328" y="2285998"/>
+            <a:ext cx="824710" cy="73461"/>
+          </a:xfrm>
+          <a:prstGeom prst="rightArrow">
+            <a:avLst/>
+          </a:prstGeom>
+          <a:solidFill>
+            <a:srgbClr val="04333E"/>
+          </a:solidFill>
+        </p:spPr>
+        <p:style>
+          <a:lnRef idx="2">
+            <a:schemeClr val="accent1">
+              <a:shade val="50000"/>
+            </a:schemeClr>
+          </a:lnRef>
+          <a:fillRef idx="1">
+            <a:schemeClr val="accent1"/>
+          </a:fillRef>
+          <a:effectRef idx="0">
+            <a:schemeClr val="accent1"/>
+          </a:effectRef>
+          <a:fontRef idx="minor">
+            <a:schemeClr val="lt1"/>
+          </a:fontRef>
+        </p:style>
+        <p:txBody>
+          <a:bodyPr rtlCol="0" anchor="ctr"/>
+          <a:lstStyle/>
+          <a:p>
+            <a:pPr algn="ctr"/>
+            <a:endParaRPr lang="ru-RU"/>
+          </a:p>
+        </p:txBody>
+      </p:sp>
+      <p:sp>
+        <p:nvSpPr>
+          <p:cNvPr id="9" name="Стрелка вправо 8"/>
+          <p:cNvSpPr/>
+          <p:nvPr/>
+        </p:nvSpPr>
+        <p:spPr>
+          <a:xfrm>
+            <a:off x="5046696" y="2262355"/>
+            <a:ext cx="1503490" cy="73461"/>
+          </a:xfrm>
+          <a:prstGeom prst="rightArrow">
+            <a:avLst/>
+          </a:prstGeom>
+          <a:solidFill>
+            <a:srgbClr val="04333E"/>
+          </a:solidFill>
+        </p:spPr>
+        <p:style>
+          <a:lnRef idx="2">
+            <a:schemeClr val="accent1">
+              <a:shade val="50000"/>
+            </a:schemeClr>
+          </a:lnRef>
+          <a:fillRef idx="1">
+            <a:schemeClr val="accent1"/>
+          </a:fillRef>
+          <a:effectRef idx="0">
+            <a:schemeClr val="accent1"/>
+          </a:effectRef>
+          <a:fontRef idx="minor">
+            <a:schemeClr val="lt1"/>
+          </a:fontRef>
+        </p:style>
+        <p:txBody>
+          <a:bodyPr rtlCol="0" anchor="ctr"/>
+          <a:lstStyle/>
+          <a:p>
+            <a:pPr algn="ctr"/>
+            <a:endParaRPr lang="ru-RU"/>
+          </a:p>
+        </p:txBody>
+      </p:sp>
+      <p:sp>
+        <p:nvSpPr>
+          <p:cNvPr id="10" name="Скругленный прямоугольник 9"/>
+          <p:cNvSpPr/>
+          <p:nvPr/>
+        </p:nvSpPr>
+        <p:spPr>
+          <a:xfrm>
+            <a:off x="6599942" y="1395214"/>
+            <a:ext cx="2452255" cy="1389644"/>
+          </a:xfrm>
+          <a:prstGeom prst="roundRect">
+            <a:avLst/>
+          </a:prstGeom>
+          <a:solidFill>
+            <a:schemeClr val="bg2"/>
+          </a:solidFill>
+          <a:ln>
+            <a:solidFill>
+              <a:schemeClr val="tx1">
+                <a:lumMod val="65000"/>
+                <a:lumOff val="35000"/>
+              </a:schemeClr>
+            </a:solidFill>
+          </a:ln>
+        </p:spPr>
+        <p:style>
+          <a:lnRef idx="2">
+            <a:schemeClr val="accent1">
+              <a:shade val="50000"/>
+            </a:schemeClr>
+          </a:lnRef>
+          <a:fillRef idx="1">
+            <a:schemeClr val="accent1"/>
+          </a:fillRef>
+          <a:effectRef idx="0">
+            <a:schemeClr val="accent1"/>
+          </a:effectRef>
+          <a:fontRef idx="minor">
+            <a:schemeClr val="lt1"/>
+          </a:fontRef>
+        </p:style>
+        <p:txBody>
+          <a:bodyPr rtlCol="0" anchor="ctr"/>
+          <a:lstStyle/>
+          <a:p>
+            <a:pPr algn="ctr"/>
+            <a:endParaRPr lang="ru-RU"/>
+          </a:p>
+        </p:txBody>
+      </p:sp>
+      <p:sp>
+        <p:nvSpPr>
+          <p:cNvPr id="12" name="Скругленный прямоугольник 11"/>
+          <p:cNvSpPr/>
+          <p:nvPr/>
+        </p:nvSpPr>
+        <p:spPr>
+          <a:xfrm>
+            <a:off x="5961733" y="4609524"/>
+            <a:ext cx="3182267" cy="1704981"/>
+          </a:xfrm>
+          <a:prstGeom prst="roundRect">
+            <a:avLst/>
+          </a:prstGeom>
+          <a:solidFill>
+            <a:schemeClr val="bg2"/>
+          </a:solidFill>
+          <a:ln>
+            <a:solidFill>
+              <a:schemeClr val="tx1">
+                <a:lumMod val="65000"/>
+                <a:lumOff val="35000"/>
+              </a:schemeClr>
+            </a:solidFill>
+          </a:ln>
+        </p:spPr>
+        <p:style>
+          <a:lnRef idx="2">
+            <a:schemeClr val="accent1">
+              <a:shade val="50000"/>
+            </a:schemeClr>
+          </a:lnRef>
+          <a:fillRef idx="1">
+            <a:schemeClr val="accent1"/>
+          </a:fillRef>
+          <a:effectRef idx="0">
+            <a:schemeClr val="accent1"/>
+          </a:effectRef>
+          <a:fontRef idx="minor">
+            <a:schemeClr val="lt1"/>
+          </a:fontRef>
+        </p:style>
+        <p:txBody>
+          <a:bodyPr rtlCol="0" anchor="ctr"/>
+          <a:lstStyle/>
+          <a:p>
+            <a:pPr algn="ctr"/>
+            <a:endParaRPr lang="ru-RU" dirty="0"/>
+          </a:p>
+        </p:txBody>
+      </p:sp>
+      <p:sp>
+        <p:nvSpPr>
+          <p:cNvPr id="13" name="Стрелка вниз 12"/>
+          <p:cNvSpPr/>
+          <p:nvPr/>
+        </p:nvSpPr>
+        <p:spPr>
+          <a:xfrm>
+            <a:off x="7803209" y="2856916"/>
+            <a:ext cx="45719" cy="1680550"/>
+          </a:xfrm>
+          <a:prstGeom prst="downArrow">
+            <a:avLst/>
+          </a:prstGeom>
+          <a:solidFill>
+            <a:srgbClr val="04333E"/>
+          </a:solidFill>
+        </p:spPr>
+        <p:style>
+          <a:lnRef idx="2">
+            <a:schemeClr val="accent1">
+              <a:shade val="50000"/>
+            </a:schemeClr>
+          </a:lnRef>
+          <a:fillRef idx="1">
+            <a:schemeClr val="accent1"/>
+          </a:fillRef>
+          <a:effectRef idx="0">
+            <a:schemeClr val="accent1"/>
+          </a:effectRef>
+          <a:fontRef idx="minor">
+            <a:schemeClr val="lt1"/>
+          </a:fontRef>
+        </p:style>
+        <p:txBody>
+          <a:bodyPr rtlCol="0" anchor="ctr"/>
+          <a:lstStyle/>
+          <a:p>
+            <a:pPr algn="ctr"/>
+            <a:endParaRPr lang="ru-RU"/>
+          </a:p>
+        </p:txBody>
+      </p:sp>
+      <p:cxnSp>
+        <p:nvCxnSpPr>
+          <p:cNvPr id="18" name="Прямая со стрелкой 17"/>
+          <p:cNvCxnSpPr/>
+          <p:nvPr/>
+        </p:nvCxnSpPr>
+        <p:spPr>
+          <a:xfrm flipH="1" flipV="1">
+            <a:off x="1191491" y="2856916"/>
+            <a:ext cx="1574150" cy="1077775"/>
+          </a:xfrm>
+          <a:prstGeom prst="straightConnector1">
+            <a:avLst/>
+          </a:prstGeom>
+          <a:ln w="38100">
+            <a:solidFill>
+              <a:srgbClr val="FFFFFF"/>
+            </a:solidFill>
+            <a:tailEnd type="triangle"/>
+          </a:ln>
+        </p:spPr>
+        <p:style>
+          <a:lnRef idx="1">
+            <a:schemeClr val="accent1"/>
+          </a:lnRef>
+          <a:fillRef idx="0">
+            <a:schemeClr val="accent1"/>
+          </a:fillRef>
+          <a:effectRef idx="0">
+            <a:schemeClr val="accent1"/>
+          </a:effectRef>
+          <a:fontRef idx="minor">
+            <a:schemeClr val="tx1"/>
+          </a:fontRef>
+        </p:style>
+      </p:cxnSp>
+      <p:pic>
+        <p:nvPicPr>
+          <p:cNvPr id="20" name="Рисунок 19"/>
+          <p:cNvPicPr>
+            <a:picLocks noChangeAspect="1"/>
+          </p:cNvPicPr>
+          <p:nvPr/>
+        </p:nvPicPr>
+        <p:blipFill>
+          <a:blip r:embed="rId2">
+            <a:extLst>
+              <a:ext uri="{28A0092B-C50C-407E-A947-70E740481C1C}">
+                <a14:useLocalDpi xmlns:a14="http://schemas.microsoft.com/office/drawing/2010/main" val="0"/>
+              </a:ext>
+            </a:extLst>
+          </a:blip>
+          <a:stretch>
+            <a:fillRect/>
+          </a:stretch>
+        </p:blipFill>
+        <p:spPr>
+          <a:xfrm>
+            <a:off x="191862" y="4762750"/>
+            <a:ext cx="1398528" cy="1398528"/>
+          </a:xfrm>
+          <a:prstGeom prst="rect">
+            <a:avLst/>
+          </a:prstGeom>
+        </p:spPr>
+      </p:pic>
+      <p:cxnSp>
+        <p:nvCxnSpPr>
+          <p:cNvPr id="21" name="Прямая со стрелкой 20"/>
+          <p:cNvCxnSpPr/>
+          <p:nvPr/>
+        </p:nvCxnSpPr>
+        <p:spPr>
+          <a:xfrm flipH="1" flipV="1">
+            <a:off x="1545296" y="5519309"/>
+            <a:ext cx="1732387" cy="7059"/>
+          </a:xfrm>
+          <a:prstGeom prst="straightConnector1">
+            <a:avLst/>
+          </a:prstGeom>
+          <a:ln w="38100">
+            <a:solidFill>
+              <a:srgbClr val="04333E"/>
+            </a:solidFill>
+            <a:tailEnd type="triangle"/>
+          </a:ln>
+        </p:spPr>
+        <p:style>
+          <a:lnRef idx="1">
+            <a:schemeClr val="accent1"/>
+          </a:lnRef>
+          <a:fillRef idx="0">
+            <a:schemeClr val="accent1"/>
+          </a:fillRef>
+          <a:effectRef idx="0">
+            <a:schemeClr val="accent1"/>
+          </a:effectRef>
+          <a:fontRef idx="minor">
+            <a:schemeClr val="tx1"/>
+          </a:fontRef>
+        </p:style>
+      </p:cxnSp>
+      <p:sp>
+        <p:nvSpPr>
+          <p:cNvPr id="31" name="Скругленный прямоугольник 30"/>
+          <p:cNvSpPr/>
+          <p:nvPr/>
+        </p:nvSpPr>
+        <p:spPr>
+          <a:xfrm>
+            <a:off x="3318293" y="4612250"/>
+            <a:ext cx="1517353" cy="1655345"/>
+          </a:xfrm>
+          <a:prstGeom prst="roundRect">
+            <a:avLst/>
+          </a:prstGeom>
+          <a:solidFill>
+            <a:schemeClr val="bg2"/>
+          </a:solidFill>
+          <a:ln>
+            <a:solidFill>
+              <a:schemeClr val="tx1">
+                <a:lumMod val="65000"/>
+                <a:lumOff val="35000"/>
+              </a:schemeClr>
+            </a:solidFill>
+          </a:ln>
+        </p:spPr>
+        <p:style>
+          <a:lnRef idx="2">
+            <a:schemeClr val="accent1">
+              <a:shade val="50000"/>
+            </a:schemeClr>
+          </a:lnRef>
+          <a:fillRef idx="1">
+            <a:schemeClr val="accent1"/>
+          </a:fillRef>
+          <a:effectRef idx="0">
+            <a:schemeClr val="accent1"/>
+          </a:effectRef>
+          <a:fontRef idx="minor">
+            <a:schemeClr val="lt1"/>
+          </a:fontRef>
+        </p:style>
+        <p:txBody>
+          <a:bodyPr rtlCol="0" anchor="ctr"/>
+          <a:lstStyle/>
+          <a:p>
+            <a:pPr algn="ctr"/>
+            <a:endParaRPr lang="ru-RU" dirty="0"/>
+          </a:p>
+        </p:txBody>
+      </p:sp>
+      <p:cxnSp>
+        <p:nvCxnSpPr>
+          <p:cNvPr id="33" name="Прямая со стрелкой 32"/>
+          <p:cNvCxnSpPr/>
+          <p:nvPr/>
+        </p:nvCxnSpPr>
+        <p:spPr>
+          <a:xfrm flipH="1">
+            <a:off x="4876256" y="5465541"/>
+            <a:ext cx="1044362" cy="0"/>
+          </a:xfrm>
+          <a:prstGeom prst="straightConnector1">
+            <a:avLst/>
+          </a:prstGeom>
+          <a:ln w="38100">
+            <a:solidFill>
+              <a:srgbClr val="04333E"/>
+            </a:solidFill>
+            <a:tailEnd type="triangle"/>
+          </a:ln>
+        </p:spPr>
+        <p:style>
+          <a:lnRef idx="1">
+            <a:schemeClr val="accent1"/>
+          </a:lnRef>
+          <a:fillRef idx="0">
+            <a:schemeClr val="accent1"/>
+          </a:fillRef>
+          <a:effectRef idx="0">
+            <a:schemeClr val="accent1"/>
+          </a:effectRef>
+          <a:fontRef idx="minor">
+            <a:schemeClr val="tx1"/>
+          </a:fontRef>
+        </p:style>
+      </p:cxnSp>
+      <p:pic>
+        <p:nvPicPr>
+          <p:cNvPr id="35" name="Рисунок 34"/>
+          <p:cNvPicPr>
+            <a:picLocks noChangeAspect="1"/>
+          </p:cNvPicPr>
+          <p:nvPr/>
+        </p:nvPicPr>
+        <p:blipFill>
+          <a:blip r:embed="rId3">
+            <a:extLst>
+              <a:ext uri="{28A0092B-C50C-407E-A947-70E740481C1C}">
+                <a14:useLocalDpi xmlns:a14="http://schemas.microsoft.com/office/drawing/2010/main" val="0"/>
+              </a:ext>
+            </a:extLst>
+          </a:blip>
+          <a:stretch>
+            <a:fillRect/>
+          </a:stretch>
+        </p:blipFill>
+        <p:spPr>
+          <a:xfrm>
+            <a:off x="-292572" y="1366190"/>
+            <a:ext cx="1911927" cy="1911927"/>
+          </a:xfrm>
+          <a:prstGeom prst="rect">
+            <a:avLst/>
+          </a:prstGeom>
+        </p:spPr>
+      </p:pic>
+      <p:pic>
+        <p:nvPicPr>
+          <p:cNvPr id="36" name="Рисунок 35"/>
+          <p:cNvPicPr>
+            <a:picLocks noChangeAspect="1"/>
+          </p:cNvPicPr>
+          <p:nvPr/>
+        </p:nvPicPr>
+        <p:blipFill>
+          <a:blip r:embed="rId4">
+            <a:extLst>
+              <a:ext uri="{28A0092B-C50C-407E-A947-70E740481C1C}">
+                <a14:useLocalDpi xmlns:a14="http://schemas.microsoft.com/office/drawing/2010/main" val="0"/>
+              </a:ext>
+            </a:extLst>
+          </a:blip>
+          <a:stretch>
+            <a:fillRect/>
+          </a:stretch>
+        </p:blipFill>
+        <p:spPr>
+          <a:xfrm>
+            <a:off x="2201479" y="1568947"/>
+            <a:ext cx="2695951" cy="1533739"/>
+          </a:xfrm>
+          <a:prstGeom prst="rect">
+            <a:avLst/>
+          </a:prstGeom>
+        </p:spPr>
+      </p:pic>
+      <p:sp>
+        <p:nvSpPr>
+          <p:cNvPr id="37" name="Прямоугольник 36"/>
+          <p:cNvSpPr/>
+          <p:nvPr/>
+        </p:nvSpPr>
+        <p:spPr>
+          <a:xfrm>
+            <a:off x="2201479" y="1568947"/>
+            <a:ext cx="2795462" cy="1533739"/>
+          </a:xfrm>
+          <a:prstGeom prst="rect">
+            <a:avLst/>
+          </a:prstGeom>
+          <a:noFill/>
+          <a:ln w="28575">
+            <a:solidFill>
+              <a:srgbClr val="C00000"/>
+            </a:solidFill>
+          </a:ln>
+        </p:spPr>
+        <p:style>
+          <a:lnRef idx="2">
+            <a:schemeClr val="accent1">
+              <a:shade val="50000"/>
+            </a:schemeClr>
+          </a:lnRef>
+          <a:fillRef idx="1">
+            <a:schemeClr val="accent1"/>
+          </a:fillRef>
+          <a:effectRef idx="0">
+            <a:schemeClr val="accent1"/>
+          </a:effectRef>
+          <a:fontRef idx="minor">
+            <a:schemeClr val="lt1"/>
+          </a:fontRef>
+        </p:style>
+        <p:txBody>
+          <a:bodyPr rtlCol="0" anchor="ctr"/>
+          <a:lstStyle/>
+          <a:p>
+            <a:pPr algn="ctr"/>
+            <a:endParaRPr lang="ru-RU"/>
+          </a:p>
+        </p:txBody>
+      </p:sp>
+    </p:spTree>
+    <p:extLst>
+      <p:ext uri="{BB962C8B-B14F-4D97-AF65-F5344CB8AC3E}">
+        <p14:creationId xmlns:p14="http://schemas.microsoft.com/office/powerpoint/2010/main" val="3971572134"/>
+      </p:ext>
+    </p:extLst>
+  </p:cSld>
+  <p:clrMapOvr>
+    <a:masterClrMapping/>
+  </p:clrMapOvr>
+</p:sld>
+</file>
+
+<file path=ppt/slides/slide16.xml><?xml version="1.0" encoding="utf-8"?>
+<p:sld xmlns:a="http://schemas.openxmlformats.org/drawingml/2006/main" xmlns:r="http://schemas.openxmlformats.org/officeDocument/2006/relationships" xmlns:p="http://schemas.openxmlformats.org/presentationml/2006/main">
+  <p:cSld>
+    <p:spTree>
+      <p:nvGrpSpPr>
+        <p:cNvPr id="1" name=""/>
+        <p:cNvGrpSpPr/>
+        <p:nvPr/>
+      </p:nvGrpSpPr>
+      <p:grpSpPr>
+        <a:xfrm>
+          <a:off x="0" y="0"/>
+          <a:ext cx="0" cy="0"/>
+          <a:chOff x="0" y="0"/>
+          <a:chExt cx="0" cy="0"/>
+        </a:xfrm>
+      </p:grpSpPr>
+      <p:sp>
+        <p:nvSpPr>
+          <p:cNvPr id="2" name="TextBox 1"/>
+          <p:cNvSpPr txBox="1"/>
+          <p:nvPr/>
+        </p:nvSpPr>
+        <p:spPr>
+          <a:xfrm>
+            <a:off x="221675" y="138546"/>
+            <a:ext cx="2543966" cy="646331"/>
+          </a:xfrm>
+          <a:prstGeom prst="rect">
+            <a:avLst/>
+          </a:prstGeom>
+          <a:noFill/>
+        </p:spPr>
+        <p:txBody>
+          <a:bodyPr wrap="none" rtlCol="0">
+            <a:spAutoFit/>
+          </a:bodyPr>
+          <a:lstStyle/>
+          <a:p>
+            <a:r>
+              <a:rPr lang="en-US" sz="3600" i="1" dirty="0" smtClean="0">
+                <a:solidFill>
+                  <a:srgbClr val="04333E"/>
+                </a:solidFill>
+              </a:rPr>
+              <a:t>Service layer</a:t>
+            </a:r>
+            <a:endParaRPr lang="ru-RU" sz="3600" i="1" dirty="0">
+              <a:solidFill>
+                <a:srgbClr val="04333E"/>
+              </a:solidFill>
+            </a:endParaRPr>
+          </a:p>
+        </p:txBody>
+      </p:sp>
+      <p:sp>
+        <p:nvSpPr>
+          <p:cNvPr id="3" name="TextBox 2"/>
+          <p:cNvSpPr txBox="1"/>
+          <p:nvPr/>
+        </p:nvSpPr>
+        <p:spPr>
+          <a:xfrm>
+            <a:off x="221675" y="784877"/>
+            <a:ext cx="2546210" cy="461665"/>
+          </a:xfrm>
+          <a:prstGeom prst="rect">
+            <a:avLst/>
+          </a:prstGeom>
+          <a:noFill/>
+        </p:spPr>
+        <p:txBody>
+          <a:bodyPr wrap="none" rtlCol="0">
+            <a:spAutoFit/>
+          </a:bodyPr>
+          <a:lstStyle/>
+          <a:p>
+            <a:r>
+              <a:rPr lang="en-US" sz="2400" dirty="0" smtClean="0">
+                <a:solidFill>
+                  <a:srgbClr val="04333E"/>
+                </a:solidFill>
+              </a:rPr>
+              <a:t>Find/filtrate labels.</a:t>
+            </a:r>
+            <a:endParaRPr lang="ru-RU" sz="2400" dirty="0">
+              <a:solidFill>
+                <a:srgbClr val="04333E"/>
+              </a:solidFill>
+            </a:endParaRPr>
+          </a:p>
+        </p:txBody>
+      </p:sp>
+      <p:cxnSp>
+        <p:nvCxnSpPr>
+          <p:cNvPr id="4" name="Прямая соединительная линия 3"/>
+          <p:cNvCxnSpPr/>
+          <p:nvPr/>
+        </p:nvCxnSpPr>
+        <p:spPr>
+          <a:xfrm>
+            <a:off x="271825" y="780045"/>
+            <a:ext cx="4059380" cy="0"/>
+          </a:xfrm>
+          <a:prstGeom prst="line">
+            <a:avLst/>
+          </a:prstGeom>
+          <a:ln>
+            <a:solidFill>
+              <a:srgbClr val="04333E"/>
+            </a:solidFill>
+          </a:ln>
+        </p:spPr>
+        <p:style>
+          <a:lnRef idx="1">
+            <a:schemeClr val="accent1"/>
+          </a:lnRef>
+          <a:fillRef idx="0">
+            <a:schemeClr val="accent1"/>
+          </a:fillRef>
+          <a:effectRef idx="0">
+            <a:schemeClr val="accent1"/>
+          </a:effectRef>
+          <a:fontRef idx="minor">
+            <a:schemeClr val="tx1"/>
+          </a:fontRef>
+        </p:style>
+      </p:cxnSp>
+      <p:pic>
+        <p:nvPicPr>
+          <p:cNvPr id="6" name="Рисунок 5"/>
+          <p:cNvPicPr>
+            <a:picLocks noChangeAspect="1"/>
+          </p:cNvPicPr>
+          <p:nvPr/>
+        </p:nvPicPr>
+        <p:blipFill>
+          <a:blip r:embed="rId2">
+            <a:extLst>
+              <a:ext uri="{28A0092B-C50C-407E-A947-70E740481C1C}">
+                <a14:useLocalDpi xmlns:a14="http://schemas.microsoft.com/office/drawing/2010/main" val="0"/>
+              </a:ext>
+            </a:extLst>
+          </a:blip>
+          <a:stretch>
+            <a:fillRect/>
+          </a:stretch>
+        </p:blipFill>
+        <p:spPr>
+          <a:xfrm>
+            <a:off x="0" y="1551342"/>
+            <a:ext cx="9144000" cy="4266304"/>
+          </a:xfrm>
+          <a:prstGeom prst="rect">
+            <a:avLst/>
+          </a:prstGeom>
+        </p:spPr>
+      </p:pic>
+      <p:pic>
+        <p:nvPicPr>
+          <p:cNvPr id="7" name="Рисунок 6"/>
+          <p:cNvPicPr>
+            <a:picLocks noChangeAspect="1"/>
+          </p:cNvPicPr>
+          <p:nvPr/>
+        </p:nvPicPr>
+        <p:blipFill>
+          <a:blip r:embed="rId3">
+            <a:extLst>
+              <a:ext uri="{28A0092B-C50C-407E-A947-70E740481C1C}">
+                <a14:useLocalDpi xmlns:a14="http://schemas.microsoft.com/office/drawing/2010/main" val="0"/>
+              </a:ext>
+            </a:extLst>
+          </a:blip>
+          <a:stretch>
+            <a:fillRect/>
+          </a:stretch>
+        </p:blipFill>
+        <p:spPr>
+          <a:xfrm>
+            <a:off x="271825" y="1246542"/>
+            <a:ext cx="2876951" cy="5229955"/>
+          </a:xfrm>
+          <a:prstGeom prst="rect">
+            <a:avLst/>
+          </a:prstGeom>
+        </p:spPr>
+      </p:pic>
+      <p:sp>
+        <p:nvSpPr>
+          <p:cNvPr id="8" name="Прямоугольник 7"/>
+          <p:cNvSpPr/>
+          <p:nvPr/>
+        </p:nvSpPr>
+        <p:spPr>
+          <a:xfrm>
+            <a:off x="271825" y="1246542"/>
+            <a:ext cx="2876951" cy="5229955"/>
+          </a:xfrm>
+          <a:prstGeom prst="rect">
+            <a:avLst/>
+          </a:prstGeom>
+          <a:noFill/>
+          <a:ln w="28575">
+            <a:solidFill>
+              <a:srgbClr val="C00000"/>
+            </a:solidFill>
+          </a:ln>
+        </p:spPr>
+        <p:style>
+          <a:lnRef idx="2">
+            <a:schemeClr val="accent1">
+              <a:shade val="50000"/>
+            </a:schemeClr>
+          </a:lnRef>
+          <a:fillRef idx="1">
+            <a:schemeClr val="accent1"/>
+          </a:fillRef>
+          <a:effectRef idx="0">
+            <a:schemeClr val="accent1"/>
+          </a:effectRef>
+          <a:fontRef idx="minor">
+            <a:schemeClr val="lt1"/>
+          </a:fontRef>
+        </p:style>
+        <p:txBody>
+          <a:bodyPr rtlCol="0" anchor="ctr"/>
+          <a:lstStyle/>
+          <a:p>
+            <a:pPr algn="ctr"/>
+            <a:endParaRPr lang="ru-RU"/>
+          </a:p>
+        </p:txBody>
+      </p:sp>
+      <p:sp>
+        <p:nvSpPr>
+          <p:cNvPr id="9" name="Прямоугольник 8"/>
+          <p:cNvSpPr/>
+          <p:nvPr/>
+        </p:nvSpPr>
+        <p:spPr>
+          <a:xfrm>
+            <a:off x="7543800" y="1594206"/>
+            <a:ext cx="295276" cy="272696"/>
+          </a:xfrm>
+          <a:prstGeom prst="rect">
+            <a:avLst/>
+          </a:prstGeom>
+          <a:noFill/>
+          <a:ln w="28575">
+            <a:solidFill>
+              <a:srgbClr val="C00000"/>
+            </a:solidFill>
+          </a:ln>
+        </p:spPr>
+        <p:style>
+          <a:lnRef idx="2">
+            <a:schemeClr val="accent1">
+              <a:shade val="50000"/>
+            </a:schemeClr>
+          </a:lnRef>
+          <a:fillRef idx="1">
+            <a:schemeClr val="accent1"/>
+          </a:fillRef>
+          <a:effectRef idx="0">
+            <a:schemeClr val="accent1"/>
+          </a:effectRef>
+          <a:fontRef idx="minor">
+            <a:schemeClr val="lt1"/>
+          </a:fontRef>
+        </p:style>
+        <p:txBody>
+          <a:bodyPr rtlCol="0" anchor="ctr"/>
+          <a:lstStyle/>
+          <a:p>
+            <a:pPr algn="ctr"/>
+            <a:endParaRPr lang="ru-RU"/>
+          </a:p>
+        </p:txBody>
+      </p:sp>
+      <p:cxnSp>
+        <p:nvCxnSpPr>
+          <p:cNvPr id="11" name="Прямая со стрелкой 10"/>
+          <p:cNvCxnSpPr>
+            <a:stCxn id="9" idx="1"/>
+          </p:cNvCxnSpPr>
+          <p:nvPr/>
+        </p:nvCxnSpPr>
+        <p:spPr>
+          <a:xfrm flipH="1" flipV="1">
+            <a:off x="3148776" y="1714500"/>
+            <a:ext cx="4395024" cy="16054"/>
+          </a:xfrm>
+          <a:prstGeom prst="straightConnector1">
+            <a:avLst/>
+          </a:prstGeom>
+          <a:ln w="19050">
+            <a:solidFill>
+              <a:srgbClr val="C00000"/>
+            </a:solidFill>
+            <a:tailEnd type="triangle"/>
+          </a:ln>
+        </p:spPr>
+        <p:style>
+          <a:lnRef idx="1">
+            <a:schemeClr val="accent1"/>
+          </a:lnRef>
+          <a:fillRef idx="0">
+            <a:schemeClr val="accent1"/>
+          </a:fillRef>
+          <a:effectRef idx="0">
+            <a:schemeClr val="accent1"/>
+          </a:effectRef>
+          <a:fontRef idx="minor">
+            <a:schemeClr val="tx1"/>
+          </a:fontRef>
+        </p:style>
+      </p:cxnSp>
+      <p:sp>
+        <p:nvSpPr>
+          <p:cNvPr id="12" name="Прямоугольник 11"/>
+          <p:cNvSpPr/>
+          <p:nvPr/>
+        </p:nvSpPr>
+        <p:spPr>
+          <a:xfrm>
+            <a:off x="1737360" y="1798320"/>
+            <a:ext cx="1028281" cy="335280"/>
+          </a:xfrm>
+          <a:prstGeom prst="rect">
+            <a:avLst/>
+          </a:prstGeom>
+          <a:noFill/>
+          <a:ln w="19050">
+            <a:solidFill>
+              <a:srgbClr val="C00000"/>
+            </a:solidFill>
+          </a:ln>
+        </p:spPr>
+        <p:style>
+          <a:lnRef idx="2">
+            <a:schemeClr val="accent1">
+              <a:shade val="50000"/>
+            </a:schemeClr>
+          </a:lnRef>
+          <a:fillRef idx="1">
+            <a:schemeClr val="accent1"/>
+          </a:fillRef>
+          <a:effectRef idx="0">
+            <a:schemeClr val="accent1"/>
+          </a:effectRef>
+          <a:fontRef idx="minor">
+            <a:schemeClr val="lt1"/>
+          </a:fontRef>
+        </p:style>
+        <p:txBody>
+          <a:bodyPr rtlCol="0" anchor="ctr"/>
+          <a:lstStyle/>
+          <a:p>
+            <a:pPr algn="ctr"/>
+            <a:endParaRPr lang="ru-RU"/>
+          </a:p>
+        </p:txBody>
+      </p:sp>
+      <p:pic>
+        <p:nvPicPr>
+          <p:cNvPr id="15" name="Рисунок 14"/>
+          <p:cNvPicPr>
+            <a:picLocks noChangeAspect="1"/>
+          </p:cNvPicPr>
+          <p:nvPr/>
+        </p:nvPicPr>
+        <p:blipFill>
+          <a:blip r:embed="rId4">
+            <a:extLst>
+              <a:ext uri="{28A0092B-C50C-407E-A947-70E740481C1C}">
+                <a14:useLocalDpi xmlns:a14="http://schemas.microsoft.com/office/drawing/2010/main" val="0"/>
+              </a:ext>
+            </a:extLst>
+          </a:blip>
+          <a:stretch>
+            <a:fillRect/>
+          </a:stretch>
+        </p:blipFill>
+        <p:spPr>
+          <a:xfrm>
+            <a:off x="4331205" y="2020999"/>
+            <a:ext cx="2838846" cy="4563112"/>
+          </a:xfrm>
+          <a:prstGeom prst="rect">
+            <a:avLst/>
+          </a:prstGeom>
+        </p:spPr>
+      </p:pic>
+      <p:sp>
+        <p:nvSpPr>
+          <p:cNvPr id="16" name="Прямоугольник 15"/>
+          <p:cNvSpPr/>
+          <p:nvPr/>
+        </p:nvSpPr>
+        <p:spPr>
+          <a:xfrm>
+            <a:off x="4331205" y="2020999"/>
+            <a:ext cx="2838846" cy="4563112"/>
+          </a:xfrm>
+          <a:prstGeom prst="rect">
+            <a:avLst/>
+          </a:prstGeom>
+          <a:noFill/>
+          <a:ln w="28575">
+            <a:solidFill>
+              <a:srgbClr val="C00000"/>
+            </a:solidFill>
+          </a:ln>
+        </p:spPr>
+        <p:style>
+          <a:lnRef idx="2">
+            <a:schemeClr val="accent1">
+              <a:shade val="50000"/>
+            </a:schemeClr>
+          </a:lnRef>
+          <a:fillRef idx="1">
+            <a:schemeClr val="accent1"/>
+          </a:fillRef>
+          <a:effectRef idx="0">
+            <a:schemeClr val="accent1"/>
+          </a:effectRef>
+          <a:fontRef idx="minor">
+            <a:schemeClr val="lt1"/>
+          </a:fontRef>
+        </p:style>
+        <p:txBody>
+          <a:bodyPr rtlCol="0" anchor="ctr"/>
+          <a:lstStyle/>
+          <a:p>
+            <a:pPr algn="ctr"/>
+            <a:endParaRPr lang="ru-RU"/>
+          </a:p>
+        </p:txBody>
+      </p:sp>
+      <p:cxnSp>
+        <p:nvCxnSpPr>
+          <p:cNvPr id="18" name="Прямая со стрелкой 17"/>
+          <p:cNvCxnSpPr>
+            <a:stCxn id="12" idx="3"/>
+            <a:endCxn id="16" idx="1"/>
+          </p:cNvCxnSpPr>
+          <p:nvPr/>
+        </p:nvCxnSpPr>
+        <p:spPr>
+          <a:xfrm>
+            <a:off x="2765641" y="1965960"/>
+            <a:ext cx="1565564" cy="2336595"/>
+          </a:xfrm>
+          <a:prstGeom prst="straightConnector1">
+            <a:avLst/>
+          </a:prstGeom>
+          <a:ln w="12700">
+            <a:solidFill>
+              <a:srgbClr val="C00000"/>
+            </a:solidFill>
+            <a:tailEnd type="triangle"/>
+          </a:ln>
+        </p:spPr>
+        <p:style>
+          <a:lnRef idx="1">
+            <a:schemeClr val="accent1"/>
+          </a:lnRef>
+          <a:fillRef idx="0">
+            <a:schemeClr val="accent1"/>
+          </a:fillRef>
+          <a:effectRef idx="0">
+            <a:schemeClr val="accent1"/>
+          </a:effectRef>
+          <a:fontRef idx="minor">
+            <a:schemeClr val="tx1"/>
+          </a:fontRef>
+        </p:style>
+      </p:cxnSp>
+    </p:spTree>
+    <p:extLst>
+      <p:ext uri="{BB962C8B-B14F-4D97-AF65-F5344CB8AC3E}">
+        <p14:creationId xmlns:p14="http://schemas.microsoft.com/office/powerpoint/2010/main" val="1608701586"/>
+      </p:ext>
+    </p:extLst>
+  </p:cSld>
+  <p:clrMapOvr>
+    <a:masterClrMapping/>
+  </p:clrMapOvr>
+</p:sld>
+</file>
+
+<file path=ppt/slides/slide17.xml><?xml version="1.0" encoding="utf-8"?>
+<p:sld xmlns:a="http://schemas.openxmlformats.org/drawingml/2006/main" xmlns:r="http://schemas.openxmlformats.org/officeDocument/2006/relationships" xmlns:p="http://schemas.openxmlformats.org/presentationml/2006/main">
+  <p:cSld>
+    <p:spTree>
+      <p:nvGrpSpPr>
+        <p:cNvPr id="1" name=""/>
+        <p:cNvGrpSpPr/>
+        <p:nvPr/>
+      </p:nvGrpSpPr>
+      <p:grpSpPr>
+        <a:xfrm>
+          <a:off x="0" y="0"/>
+          <a:ext cx="0" cy="0"/>
+          <a:chOff x="0" y="0"/>
+          <a:chExt cx="0" cy="0"/>
+        </a:xfrm>
+      </p:grpSpPr>
+      <p:sp>
+        <p:nvSpPr>
+          <p:cNvPr id="2" name="TextBox 1"/>
+          <p:cNvSpPr txBox="1"/>
+          <p:nvPr/>
+        </p:nvSpPr>
+        <p:spPr>
+          <a:xfrm>
+            <a:off x="221675" y="138546"/>
+            <a:ext cx="2543966" cy="646331"/>
+          </a:xfrm>
+          <a:prstGeom prst="rect">
+            <a:avLst/>
+          </a:prstGeom>
+          <a:noFill/>
+        </p:spPr>
+        <p:txBody>
+          <a:bodyPr wrap="none" rtlCol="0">
+            <a:spAutoFit/>
+          </a:bodyPr>
+          <a:lstStyle/>
+          <a:p>
+            <a:r>
+              <a:rPr lang="en-US" sz="3600" i="1" dirty="0" smtClean="0">
+                <a:solidFill>
+                  <a:srgbClr val="04333E"/>
+                </a:solidFill>
+              </a:rPr>
+              <a:t>Service layer</a:t>
+            </a:r>
+            <a:endParaRPr lang="ru-RU" sz="3600" i="1" dirty="0">
+              <a:solidFill>
+                <a:srgbClr val="04333E"/>
+              </a:solidFill>
+            </a:endParaRPr>
+          </a:p>
+        </p:txBody>
+      </p:sp>
+      <p:sp>
+        <p:nvSpPr>
+          <p:cNvPr id="3" name="TextBox 2"/>
+          <p:cNvSpPr txBox="1"/>
+          <p:nvPr/>
+        </p:nvSpPr>
+        <p:spPr>
+          <a:xfrm>
+            <a:off x="221675" y="784877"/>
+            <a:ext cx="2546210" cy="461665"/>
+          </a:xfrm>
+          <a:prstGeom prst="rect">
+            <a:avLst/>
+          </a:prstGeom>
+          <a:noFill/>
+        </p:spPr>
+        <p:txBody>
+          <a:bodyPr wrap="none" rtlCol="0">
+            <a:spAutoFit/>
+          </a:bodyPr>
+          <a:lstStyle/>
+          <a:p>
+            <a:r>
+              <a:rPr lang="en-US" sz="2400" dirty="0">
+                <a:solidFill>
+                  <a:srgbClr val="04333E"/>
+                </a:solidFill>
+              </a:rPr>
+              <a:t>Find/filtrate labels.</a:t>
+            </a:r>
+            <a:endParaRPr lang="ru-RU" sz="2400" dirty="0">
+              <a:solidFill>
+                <a:srgbClr val="04333E"/>
+              </a:solidFill>
+            </a:endParaRPr>
+          </a:p>
+        </p:txBody>
+      </p:sp>
+      <p:cxnSp>
+        <p:nvCxnSpPr>
+          <p:cNvPr id="4" name="Прямая соединительная линия 3"/>
+          <p:cNvCxnSpPr/>
+          <p:nvPr/>
+        </p:nvCxnSpPr>
+        <p:spPr>
+          <a:xfrm>
+            <a:off x="271825" y="780045"/>
+            <a:ext cx="4059380" cy="0"/>
+          </a:xfrm>
+          <a:prstGeom prst="line">
+            <a:avLst/>
+          </a:prstGeom>
+          <a:ln>
+            <a:solidFill>
+              <a:srgbClr val="04333E"/>
+            </a:solidFill>
+          </a:ln>
+        </p:spPr>
+        <p:style>
+          <a:lnRef idx="1">
+            <a:schemeClr val="accent1"/>
+          </a:lnRef>
+          <a:fillRef idx="0">
+            <a:schemeClr val="accent1"/>
+          </a:fillRef>
+          <a:effectRef idx="0">
+            <a:schemeClr val="accent1"/>
+          </a:effectRef>
+          <a:fontRef idx="minor">
+            <a:schemeClr val="tx1"/>
+          </a:fontRef>
+        </p:style>
+      </p:cxnSp>
+      <p:sp>
+        <p:nvSpPr>
+          <p:cNvPr id="8" name="Стрелка вправо 7"/>
+          <p:cNvSpPr/>
+          <p:nvPr/>
+        </p:nvSpPr>
+        <p:spPr>
+          <a:xfrm>
+            <a:off x="1302328" y="2285998"/>
+            <a:ext cx="731352" cy="78666"/>
+          </a:xfrm>
+          <a:prstGeom prst="rightArrow">
+            <a:avLst/>
+          </a:prstGeom>
+          <a:solidFill>
+            <a:srgbClr val="04333E"/>
+          </a:solidFill>
+        </p:spPr>
+        <p:style>
+          <a:lnRef idx="2">
+            <a:schemeClr val="accent1">
+              <a:shade val="50000"/>
+            </a:schemeClr>
+          </a:lnRef>
+          <a:fillRef idx="1">
+            <a:schemeClr val="accent1"/>
+          </a:fillRef>
+          <a:effectRef idx="0">
+            <a:schemeClr val="accent1"/>
+          </a:effectRef>
+          <a:fontRef idx="minor">
+            <a:schemeClr val="lt1"/>
+          </a:fontRef>
+        </p:style>
+        <p:txBody>
+          <a:bodyPr rtlCol="0" anchor="ctr"/>
+          <a:lstStyle/>
+          <a:p>
+            <a:pPr algn="ctr"/>
+            <a:endParaRPr lang="ru-RU"/>
+          </a:p>
+        </p:txBody>
+      </p:sp>
+      <p:sp>
+        <p:nvSpPr>
+          <p:cNvPr id="9" name="Стрелка вправо 8"/>
+          <p:cNvSpPr/>
+          <p:nvPr/>
+        </p:nvSpPr>
+        <p:spPr>
+          <a:xfrm>
+            <a:off x="5046696" y="2262355"/>
+            <a:ext cx="1381813" cy="102309"/>
+          </a:xfrm>
+          <a:prstGeom prst="rightArrow">
+            <a:avLst/>
+          </a:prstGeom>
+          <a:solidFill>
+            <a:srgbClr val="04333E"/>
+          </a:solidFill>
+        </p:spPr>
+        <p:style>
+          <a:lnRef idx="2">
+            <a:schemeClr val="accent1">
+              <a:shade val="50000"/>
+            </a:schemeClr>
+          </a:lnRef>
+          <a:fillRef idx="1">
+            <a:schemeClr val="accent1"/>
+          </a:fillRef>
+          <a:effectRef idx="0">
+            <a:schemeClr val="accent1"/>
+          </a:effectRef>
+          <a:fontRef idx="minor">
+            <a:schemeClr val="lt1"/>
+          </a:fontRef>
+        </p:style>
+        <p:txBody>
+          <a:bodyPr rtlCol="0" anchor="ctr"/>
+          <a:lstStyle/>
+          <a:p>
+            <a:pPr algn="ctr"/>
+            <a:endParaRPr lang="ru-RU"/>
+          </a:p>
+        </p:txBody>
+      </p:sp>
+      <p:sp>
+        <p:nvSpPr>
+          <p:cNvPr id="10" name="Скругленный прямоугольник 9"/>
+          <p:cNvSpPr/>
+          <p:nvPr/>
+        </p:nvSpPr>
+        <p:spPr>
+          <a:xfrm>
+            <a:off x="6599942" y="1395214"/>
+            <a:ext cx="2452255" cy="1389644"/>
+          </a:xfrm>
+          <a:prstGeom prst="roundRect">
+            <a:avLst/>
+          </a:prstGeom>
+          <a:solidFill>
+            <a:schemeClr val="bg2"/>
+          </a:solidFill>
+          <a:ln>
+            <a:solidFill>
+              <a:schemeClr val="tx1">
+                <a:lumMod val="65000"/>
+                <a:lumOff val="35000"/>
+              </a:schemeClr>
+            </a:solidFill>
+          </a:ln>
+        </p:spPr>
+        <p:style>
+          <a:lnRef idx="2">
+            <a:schemeClr val="accent1">
+              <a:shade val="50000"/>
+            </a:schemeClr>
+          </a:lnRef>
+          <a:fillRef idx="1">
+            <a:schemeClr val="accent1"/>
+          </a:fillRef>
+          <a:effectRef idx="0">
+            <a:schemeClr val="accent1"/>
+          </a:effectRef>
+          <a:fontRef idx="minor">
+            <a:schemeClr val="lt1"/>
+          </a:fontRef>
+        </p:style>
+        <p:txBody>
+          <a:bodyPr rtlCol="0" anchor="ctr"/>
+          <a:lstStyle/>
+          <a:p>
+            <a:pPr algn="ctr"/>
+            <a:endParaRPr lang="ru-RU"/>
+          </a:p>
+        </p:txBody>
+      </p:sp>
+      <p:sp>
+        <p:nvSpPr>
+          <p:cNvPr id="12" name="Скругленный прямоугольник 11"/>
+          <p:cNvSpPr/>
+          <p:nvPr/>
+        </p:nvSpPr>
+        <p:spPr>
+          <a:xfrm>
+            <a:off x="5961733" y="4609524"/>
+            <a:ext cx="3182267" cy="1704981"/>
+          </a:xfrm>
+          <a:prstGeom prst="roundRect">
+            <a:avLst/>
+          </a:prstGeom>
+          <a:solidFill>
+            <a:schemeClr val="bg2"/>
+          </a:solidFill>
+          <a:ln>
+            <a:solidFill>
+              <a:schemeClr val="tx1">
+                <a:lumMod val="65000"/>
+                <a:lumOff val="35000"/>
+              </a:schemeClr>
+            </a:solidFill>
+          </a:ln>
+        </p:spPr>
+        <p:style>
+          <a:lnRef idx="2">
+            <a:schemeClr val="accent1">
+              <a:shade val="50000"/>
+            </a:schemeClr>
+          </a:lnRef>
+          <a:fillRef idx="1">
+            <a:schemeClr val="accent1"/>
+          </a:fillRef>
+          <a:effectRef idx="0">
+            <a:schemeClr val="accent1"/>
+          </a:effectRef>
+          <a:fontRef idx="minor">
+            <a:schemeClr val="lt1"/>
+          </a:fontRef>
+        </p:style>
+        <p:txBody>
+          <a:bodyPr rtlCol="0" anchor="ctr"/>
+          <a:lstStyle/>
+          <a:p>
+            <a:pPr algn="ctr"/>
+            <a:endParaRPr lang="ru-RU" dirty="0"/>
+          </a:p>
+        </p:txBody>
+      </p:sp>
+      <p:sp>
+        <p:nvSpPr>
+          <p:cNvPr id="13" name="Стрелка вниз 12"/>
+          <p:cNvSpPr/>
+          <p:nvPr/>
+        </p:nvSpPr>
+        <p:spPr>
+          <a:xfrm>
+            <a:off x="7803209" y="2856916"/>
+            <a:ext cx="45719" cy="1680550"/>
+          </a:xfrm>
+          <a:prstGeom prst="downArrow">
+            <a:avLst/>
+          </a:prstGeom>
+          <a:solidFill>
+            <a:srgbClr val="04333E"/>
+          </a:solidFill>
+        </p:spPr>
+        <p:style>
+          <a:lnRef idx="2">
+            <a:schemeClr val="accent1">
+              <a:shade val="50000"/>
+            </a:schemeClr>
+          </a:lnRef>
+          <a:fillRef idx="1">
+            <a:schemeClr val="accent1"/>
+          </a:fillRef>
+          <a:effectRef idx="0">
+            <a:schemeClr val="accent1"/>
+          </a:effectRef>
+          <a:fontRef idx="minor">
+            <a:schemeClr val="lt1"/>
+          </a:fontRef>
+        </p:style>
+        <p:txBody>
+          <a:bodyPr rtlCol="0" anchor="ctr"/>
+          <a:lstStyle/>
+          <a:p>
+            <a:pPr algn="ctr"/>
+            <a:endParaRPr lang="ru-RU"/>
+          </a:p>
+        </p:txBody>
+      </p:sp>
+      <p:cxnSp>
+        <p:nvCxnSpPr>
+          <p:cNvPr id="18" name="Прямая со стрелкой 17"/>
+          <p:cNvCxnSpPr/>
+          <p:nvPr/>
+        </p:nvCxnSpPr>
+        <p:spPr>
+          <a:xfrm flipH="1" flipV="1">
+            <a:off x="1191491" y="2856916"/>
+            <a:ext cx="1574150" cy="1077775"/>
+          </a:xfrm>
+          <a:prstGeom prst="straightConnector1">
+            <a:avLst/>
+          </a:prstGeom>
+          <a:ln w="38100">
+            <a:solidFill>
+              <a:srgbClr val="FFFFFF"/>
+            </a:solidFill>
+            <a:tailEnd type="triangle"/>
+          </a:ln>
+        </p:spPr>
+        <p:style>
+          <a:lnRef idx="1">
+            <a:schemeClr val="accent1"/>
+          </a:lnRef>
+          <a:fillRef idx="0">
+            <a:schemeClr val="accent1"/>
+          </a:fillRef>
+          <a:effectRef idx="0">
+            <a:schemeClr val="accent1"/>
+          </a:effectRef>
+          <a:fontRef idx="minor">
+            <a:schemeClr val="tx1"/>
+          </a:fontRef>
+        </p:style>
+      </p:cxnSp>
+      <p:pic>
+        <p:nvPicPr>
+          <p:cNvPr id="20" name="Рисунок 19"/>
+          <p:cNvPicPr>
+            <a:picLocks noChangeAspect="1"/>
+          </p:cNvPicPr>
+          <p:nvPr/>
+        </p:nvPicPr>
+        <p:blipFill>
+          <a:blip r:embed="rId2">
+            <a:extLst>
+              <a:ext uri="{28A0092B-C50C-407E-A947-70E740481C1C}">
+                <a14:useLocalDpi xmlns:a14="http://schemas.microsoft.com/office/drawing/2010/main" val="0"/>
+              </a:ext>
+            </a:extLst>
+          </a:blip>
+          <a:stretch>
+            <a:fillRect/>
+          </a:stretch>
+        </p:blipFill>
+        <p:spPr>
+          <a:xfrm>
+            <a:off x="191862" y="4762750"/>
+            <a:ext cx="1398528" cy="1398528"/>
+          </a:xfrm>
+          <a:prstGeom prst="rect">
+            <a:avLst/>
+          </a:prstGeom>
+        </p:spPr>
+      </p:pic>
+      <p:cxnSp>
+        <p:nvCxnSpPr>
+          <p:cNvPr id="21" name="Прямая со стрелкой 20"/>
+          <p:cNvCxnSpPr/>
+          <p:nvPr/>
+        </p:nvCxnSpPr>
+        <p:spPr>
+          <a:xfrm flipH="1" flipV="1">
+            <a:off x="1545296" y="5519309"/>
+            <a:ext cx="1732387" cy="7059"/>
+          </a:xfrm>
+          <a:prstGeom prst="straightConnector1">
+            <a:avLst/>
+          </a:prstGeom>
+          <a:ln w="38100">
+            <a:solidFill>
+              <a:srgbClr val="04333E"/>
+            </a:solidFill>
+            <a:tailEnd type="triangle"/>
+          </a:ln>
+        </p:spPr>
+        <p:style>
+          <a:lnRef idx="1">
+            <a:schemeClr val="accent1"/>
+          </a:lnRef>
+          <a:fillRef idx="0">
+            <a:schemeClr val="accent1"/>
+          </a:fillRef>
+          <a:effectRef idx="0">
+            <a:schemeClr val="accent1"/>
+          </a:effectRef>
+          <a:fontRef idx="minor">
+            <a:schemeClr val="tx1"/>
+          </a:fontRef>
+        </p:style>
+      </p:cxnSp>
+      <p:sp>
+        <p:nvSpPr>
+          <p:cNvPr id="31" name="Скругленный прямоугольник 30"/>
+          <p:cNvSpPr/>
+          <p:nvPr/>
+        </p:nvSpPr>
+        <p:spPr>
+          <a:xfrm>
+            <a:off x="3318293" y="4612250"/>
+            <a:ext cx="1517353" cy="1655345"/>
+          </a:xfrm>
+          <a:prstGeom prst="roundRect">
+            <a:avLst/>
+          </a:prstGeom>
+          <a:solidFill>
+            <a:schemeClr val="bg2"/>
+          </a:solidFill>
+          <a:ln>
+            <a:solidFill>
+              <a:schemeClr val="tx1">
+                <a:lumMod val="65000"/>
+                <a:lumOff val="35000"/>
+              </a:schemeClr>
+            </a:solidFill>
+          </a:ln>
+        </p:spPr>
+        <p:style>
+          <a:lnRef idx="2">
+            <a:schemeClr val="accent1">
+              <a:shade val="50000"/>
+            </a:schemeClr>
+          </a:lnRef>
+          <a:fillRef idx="1">
+            <a:schemeClr val="accent1"/>
+          </a:fillRef>
+          <a:effectRef idx="0">
+            <a:schemeClr val="accent1"/>
+          </a:effectRef>
+          <a:fontRef idx="minor">
+            <a:schemeClr val="lt1"/>
+          </a:fontRef>
+        </p:style>
+        <p:txBody>
+          <a:bodyPr rtlCol="0" anchor="ctr"/>
+          <a:lstStyle/>
+          <a:p>
+            <a:pPr algn="ctr"/>
+            <a:endParaRPr lang="ru-RU" dirty="0"/>
+          </a:p>
+        </p:txBody>
+      </p:sp>
+      <p:cxnSp>
+        <p:nvCxnSpPr>
+          <p:cNvPr id="33" name="Прямая со стрелкой 32"/>
+          <p:cNvCxnSpPr/>
+          <p:nvPr/>
+        </p:nvCxnSpPr>
+        <p:spPr>
+          <a:xfrm flipH="1">
+            <a:off x="4876256" y="5465541"/>
+            <a:ext cx="1044362" cy="0"/>
+          </a:xfrm>
+          <a:prstGeom prst="straightConnector1">
+            <a:avLst/>
+          </a:prstGeom>
+          <a:ln w="38100">
+            <a:solidFill>
+              <a:srgbClr val="04333E"/>
+            </a:solidFill>
+            <a:tailEnd type="triangle"/>
+          </a:ln>
+        </p:spPr>
+        <p:style>
+          <a:lnRef idx="1">
+            <a:schemeClr val="accent1"/>
+          </a:lnRef>
+          <a:fillRef idx="0">
+            <a:schemeClr val="accent1"/>
+          </a:fillRef>
+          <a:effectRef idx="0">
+            <a:schemeClr val="accent1"/>
+          </a:effectRef>
+          <a:fontRef idx="minor">
+            <a:schemeClr val="tx1"/>
+          </a:fontRef>
+        </p:style>
+      </p:cxnSp>
+      <p:pic>
+        <p:nvPicPr>
+          <p:cNvPr id="35" name="Рисунок 34"/>
+          <p:cNvPicPr>
+            <a:picLocks noChangeAspect="1"/>
+          </p:cNvPicPr>
+          <p:nvPr/>
+        </p:nvPicPr>
+        <p:blipFill>
+          <a:blip r:embed="rId3">
+            <a:extLst>
+              <a:ext uri="{28A0092B-C50C-407E-A947-70E740481C1C}">
+                <a14:useLocalDpi xmlns:a14="http://schemas.microsoft.com/office/drawing/2010/main" val="0"/>
+              </a:ext>
+            </a:extLst>
+          </a:blip>
+          <a:stretch>
+            <a:fillRect/>
+          </a:stretch>
+        </p:blipFill>
+        <p:spPr>
+          <a:xfrm>
+            <a:off x="-292572" y="1366190"/>
+            <a:ext cx="1911927" cy="1911927"/>
+          </a:xfrm>
+          <a:prstGeom prst="rect">
+            <a:avLst/>
+          </a:prstGeom>
+        </p:spPr>
+      </p:pic>
+      <p:pic>
+        <p:nvPicPr>
+          <p:cNvPr id="5" name="Рисунок 4"/>
+          <p:cNvPicPr>
+            <a:picLocks noChangeAspect="1"/>
+          </p:cNvPicPr>
+          <p:nvPr/>
+        </p:nvPicPr>
+        <p:blipFill>
+          <a:blip r:embed="rId4">
+            <a:extLst>
+              <a:ext uri="{28A0092B-C50C-407E-A947-70E740481C1C}">
+                <a14:useLocalDpi xmlns:a14="http://schemas.microsoft.com/office/drawing/2010/main" val="0"/>
+              </a:ext>
+            </a:extLst>
+          </a:blip>
+          <a:stretch>
+            <a:fillRect/>
+          </a:stretch>
+        </p:blipFill>
+        <p:spPr>
+          <a:xfrm>
+            <a:off x="2083436" y="1560185"/>
+            <a:ext cx="2830069" cy="1334039"/>
+          </a:xfrm>
+          <a:prstGeom prst="rect">
+            <a:avLst/>
+          </a:prstGeom>
+        </p:spPr>
+      </p:pic>
+      <p:sp>
+        <p:nvSpPr>
+          <p:cNvPr id="6" name="Прямоугольник 5"/>
+          <p:cNvSpPr/>
+          <p:nvPr/>
+        </p:nvSpPr>
+        <p:spPr>
+          <a:xfrm>
+            <a:off x="2083437" y="1554986"/>
+            <a:ext cx="2830069" cy="1334039"/>
+          </a:xfrm>
+          <a:prstGeom prst="rect">
+            <a:avLst/>
+          </a:prstGeom>
+          <a:noFill/>
+          <a:ln w="28575">
+            <a:solidFill>
+              <a:srgbClr val="C00000"/>
+            </a:solidFill>
+          </a:ln>
+        </p:spPr>
+        <p:style>
+          <a:lnRef idx="2">
+            <a:schemeClr val="accent1">
+              <a:shade val="50000"/>
+            </a:schemeClr>
+          </a:lnRef>
+          <a:fillRef idx="1">
+            <a:schemeClr val="accent1"/>
+          </a:fillRef>
+          <a:effectRef idx="0">
+            <a:schemeClr val="accent1"/>
+          </a:effectRef>
+          <a:fontRef idx="minor">
+            <a:schemeClr val="lt1"/>
+          </a:fontRef>
+        </p:style>
+        <p:txBody>
+          <a:bodyPr rtlCol="0" anchor="ctr"/>
+          <a:lstStyle/>
+          <a:p>
+            <a:pPr algn="ctr"/>
+            <a:endParaRPr lang="ru-RU"/>
+          </a:p>
+        </p:txBody>
+      </p:sp>
+    </p:spTree>
+    <p:extLst>
+      <p:ext uri="{BB962C8B-B14F-4D97-AF65-F5344CB8AC3E}">
+        <p14:creationId xmlns:p14="http://schemas.microsoft.com/office/powerpoint/2010/main" val="3468891564"/>
+      </p:ext>
+    </p:extLst>
+  </p:cSld>
+  <p:clrMapOvr>
+    <a:masterClrMapping/>
+  </p:clrMapOvr>
+</p:sld>
+</file>
+
+<file path=ppt/slides/slide18.xml><?xml version="1.0" encoding="utf-8"?>
+<p:sld xmlns:a="http://schemas.openxmlformats.org/drawingml/2006/main" xmlns:r="http://schemas.openxmlformats.org/officeDocument/2006/relationships" xmlns:p="http://schemas.openxmlformats.org/presentationml/2006/main">
+  <p:cSld>
+    <p:spTree>
+      <p:nvGrpSpPr>
+        <p:cNvPr id="1" name=""/>
+        <p:cNvGrpSpPr/>
+        <p:nvPr/>
+      </p:nvGrpSpPr>
+      <p:grpSpPr>
+        <a:xfrm>
+          <a:off x="0" y="0"/>
+          <a:ext cx="0" cy="0"/>
+          <a:chOff x="0" y="0"/>
+          <a:chExt cx="0" cy="0"/>
+        </a:xfrm>
+      </p:grpSpPr>
+      <p:sp>
+        <p:nvSpPr>
           <p:cNvPr id="3" name="TextBox 2"/>
           <p:cNvSpPr txBox="1"/>
           <p:nvPr/>
@@ -3496,6 +8748,66 @@
           </a:p>
         </p:txBody>
       </p:sp>
+      <p:sp>
+        <p:nvSpPr>
+          <p:cNvPr id="5" name="TextBox 4"/>
+          <p:cNvSpPr txBox="1"/>
+          <p:nvPr/>
+        </p:nvSpPr>
+        <p:spPr>
+          <a:xfrm>
+            <a:off x="193963" y="784877"/>
+            <a:ext cx="2427652" cy="369332"/>
+          </a:xfrm>
+          <a:prstGeom prst="rect">
+            <a:avLst/>
+          </a:prstGeom>
+          <a:noFill/>
+        </p:spPr>
+        <p:txBody>
+          <a:bodyPr wrap="none" rtlCol="0">
+            <a:spAutoFit/>
+          </a:bodyPr>
+          <a:lstStyle/>
+          <a:p>
+            <a:r>
+              <a:rPr lang="en-US" dirty="0" smtClean="0"/>
+              <a:t>Controllers Description.</a:t>
+            </a:r>
+            <a:endParaRPr lang="ru-RU" dirty="0"/>
+          </a:p>
+        </p:txBody>
+      </p:sp>
+      <p:pic>
+        <p:nvPicPr>
+          <p:cNvPr id="2" name="Рисунок 1"/>
+          <p:cNvPicPr>
+            <a:picLocks noChangeAspect="1"/>
+          </p:cNvPicPr>
+          <p:nvPr/>
+        </p:nvPicPr>
+        <p:blipFill>
+          <a:blip r:embed="rId2">
+            <a:extLst>
+              <a:ext uri="{28A0092B-C50C-407E-A947-70E740481C1C}">
+                <a14:useLocalDpi xmlns:a14="http://schemas.microsoft.com/office/drawing/2010/main" val="0"/>
+              </a:ext>
+            </a:extLst>
+          </a:blip>
+          <a:stretch>
+            <a:fillRect/>
+          </a:stretch>
+        </p:blipFill>
+        <p:spPr>
+          <a:xfrm>
+            <a:off x="1019862" y="1154209"/>
+            <a:ext cx="7375993" cy="5236955"/>
+          </a:xfrm>
+          <a:prstGeom prst="rect">
+            <a:avLst/>
+          </a:prstGeom>
+        </p:spPr>
+      </p:pic>
     </p:spTree>
     <p:extLst>
       <p:ext uri="{BB962C8B-B14F-4D97-AF65-F5344CB8AC3E}">
@@ -3516,7 +8828,7 @@
 </p:sld>
 </file>
 
-<file path=ppt/slides/slide14.xml><?xml version="1.0" encoding="utf-8"?>
+<file path=ppt/slides/slide19.xml><?xml version="1.0" encoding="utf-8"?>
 <p:sld xmlns:a="http://schemas.openxmlformats.org/drawingml/2006/main" xmlns:r="http://schemas.openxmlformats.org/officeDocument/2006/relationships" xmlns:p="http://schemas.openxmlformats.org/presentationml/2006/main">
   <p:cSld>
     <p:spTree>
@@ -3533,9 +8845,47 @@
           <a:chExt cx="0" cy="0"/>
         </a:xfrm>
       </p:grpSpPr>
+      <p:sp>
+        <p:nvSpPr>
+          <p:cNvPr id="3" name="TextBox 2"/>
+          <p:cNvSpPr txBox="1"/>
+          <p:nvPr/>
+        </p:nvSpPr>
+        <p:spPr>
+          <a:xfrm>
+            <a:off x="207819" y="166255"/>
+            <a:ext cx="5699894" cy="646331"/>
+          </a:xfrm>
+          <a:prstGeom prst="rect">
+            <a:avLst/>
+          </a:prstGeom>
+          <a:noFill/>
+        </p:spPr>
+        <p:txBody>
+          <a:bodyPr wrap="none" rtlCol="0">
+            <a:spAutoFit/>
+          </a:bodyPr>
+          <a:lstStyle/>
+          <a:p>
+            <a:r>
+              <a:rPr lang="en-US" sz="3600" dirty="0" smtClean="0">
+                <a:solidFill>
+                  <a:srgbClr val="04333E"/>
+                </a:solidFill>
+              </a:rPr>
+              <a:t>Security and aunthentication.</a:t>
+            </a:r>
+            <a:endParaRPr lang="ru-RU" sz="3600" dirty="0">
+              <a:solidFill>
+                <a:srgbClr val="04333E"/>
+              </a:solidFill>
+            </a:endParaRPr>
+          </a:p>
+        </p:txBody>
+      </p:sp>
       <p:pic>
         <p:nvPicPr>
-          <p:cNvPr id="5" name="Рисунок 4"/>
+          <p:cNvPr id="4" name="Рисунок 3"/>
           <p:cNvPicPr>
             <a:picLocks noChangeAspect="1"/>
           </p:cNvPicPr>
@@ -3555,73 +8905,28 @@
         </p:blipFill>
         <p:spPr>
           <a:xfrm>
-            <a:off x="0" y="1"/>
-            <a:ext cx="9157854" cy="6857999"/>
+            <a:off x="342466" y="1513608"/>
+            <a:ext cx="8477887" cy="4360719"/>
           </a:xfrm>
           <a:prstGeom prst="rect">
             <a:avLst/>
           </a:prstGeom>
         </p:spPr>
       </p:pic>
-      <p:sp>
-        <p:nvSpPr>
-          <p:cNvPr id="6" name="TextBox 5"/>
-          <p:cNvSpPr txBox="1"/>
-          <p:nvPr/>
-        </p:nvSpPr>
-        <p:spPr>
-          <a:xfrm>
-            <a:off x="969818" y="720436"/>
-            <a:ext cx="4900316" cy="769441"/>
-          </a:xfrm>
-          <a:prstGeom prst="rect">
-            <a:avLst/>
-          </a:prstGeom>
-          <a:noFill/>
-        </p:spPr>
-        <p:txBody>
-          <a:bodyPr wrap="none" rtlCol="0">
-            <a:spAutoFit/>
-          </a:bodyPr>
-          <a:lstStyle/>
-          <a:p>
-            <a:r>
-              <a:rPr lang="en-US" sz="4400" b="1" dirty="0" smtClean="0">
-                <a:solidFill>
-                  <a:srgbClr val="04333E"/>
-                </a:solidFill>
-              </a:rPr>
-              <a:t>Client side overview</a:t>
-            </a:r>
-            <a:endParaRPr lang="ru-RU" sz="4400" b="1" dirty="0">
-              <a:solidFill>
-                <a:srgbClr val="04333E"/>
-              </a:solidFill>
-            </a:endParaRPr>
-          </a:p>
-        </p:txBody>
-      </p:sp>
     </p:spTree>
     <p:extLst>
       <p:ext uri="{BB962C8B-B14F-4D97-AF65-F5344CB8AC3E}">
-        <p14:creationId xmlns:p14="http://schemas.microsoft.com/office/powerpoint/2010/main" val="3176422135"/>
+        <p14:creationId xmlns:p14="http://schemas.microsoft.com/office/powerpoint/2010/main" val="3216628918"/>
       </p:ext>
     </p:extLst>
   </p:cSld>
   <p:clrMapOvr>
     <a:masterClrMapping/>
   </p:clrMapOvr>
-  <p:timing>
-    <p:tnLst>
-      <p:par>
-        <p:cTn id="1" dur="indefinite" restart="never" nodeType="tmRoot"/>
-      </p:par>
-    </p:tnLst>
-  </p:timing>
 </p:sld>
 </file>
 
-<file path=ppt/slides/slide15.xml><?xml version="1.0" encoding="utf-8"?>
+<file path=ppt/slides/slide2.xml><?xml version="1.0" encoding="utf-8"?>
 <p:sld xmlns:a="http://schemas.openxmlformats.org/drawingml/2006/main" xmlns:r="http://schemas.openxmlformats.org/officeDocument/2006/relationships" xmlns:p="http://schemas.openxmlformats.org/presentationml/2006/main">
   <p:cSld>
     <p:spTree>
@@ -3711,556 +9016,6 @@
           </a:p>
         </p:txBody>
       </p:sp>
-    </p:spTree>
-    <p:extLst>
-      <p:ext uri="{BB962C8B-B14F-4D97-AF65-F5344CB8AC3E}">
-        <p14:creationId xmlns:p14="http://schemas.microsoft.com/office/powerpoint/2010/main" val="2140151423"/>
-      </p:ext>
-    </p:extLst>
-  </p:cSld>
-  <p:clrMapOvr>
-    <a:masterClrMapping/>
-  </p:clrMapOvr>
-  <p:timing>
-    <p:tnLst>
-      <p:par>
-        <p:cTn id="1" dur="indefinite" restart="never" nodeType="tmRoot"/>
-      </p:par>
-    </p:tnLst>
-  </p:timing>
-</p:sld>
-</file>
-
-<file path=ppt/slides/slide16.xml><?xml version="1.0" encoding="utf-8"?>
-<p:sld xmlns:a="http://schemas.openxmlformats.org/drawingml/2006/main" xmlns:r="http://schemas.openxmlformats.org/officeDocument/2006/relationships" xmlns:p="http://schemas.openxmlformats.org/presentationml/2006/main">
-  <p:cSld>
-    <p:spTree>
-      <p:nvGrpSpPr>
-        <p:cNvPr id="1" name=""/>
-        <p:cNvGrpSpPr/>
-        <p:nvPr/>
-      </p:nvGrpSpPr>
-      <p:grpSpPr>
-        <a:xfrm>
-          <a:off x="0" y="0"/>
-          <a:ext cx="0" cy="0"/>
-          <a:chOff x="0" y="0"/>
-          <a:chExt cx="0" cy="0"/>
-        </a:xfrm>
-      </p:grpSpPr>
-      <p:sp>
-        <p:nvSpPr>
-          <p:cNvPr id="2" name="Прямоугольник 1"/>
-          <p:cNvSpPr/>
-          <p:nvPr/>
-        </p:nvSpPr>
-        <p:spPr>
-          <a:xfrm>
-            <a:off x="0" y="0"/>
-            <a:ext cx="9144000" cy="6858000"/>
-          </a:xfrm>
-          <a:prstGeom prst="rect">
-            <a:avLst/>
-          </a:prstGeom>
-          <a:gradFill flip="none" rotWithShape="1">
-            <a:gsLst>
-              <a:gs pos="0">
-                <a:schemeClr val="accent3">
-                  <a:lumMod val="5000"/>
-                  <a:lumOff val="95000"/>
-                </a:schemeClr>
-              </a:gs>
-              <a:gs pos="74000">
-                <a:schemeClr val="accent3">
-                  <a:lumMod val="45000"/>
-                  <a:lumOff val="55000"/>
-                </a:schemeClr>
-              </a:gs>
-              <a:gs pos="83000">
-                <a:schemeClr val="accent3">
-                  <a:lumMod val="45000"/>
-                  <a:lumOff val="55000"/>
-                </a:schemeClr>
-              </a:gs>
-              <a:gs pos="100000">
-                <a:schemeClr val="accent3">
-                  <a:lumMod val="30000"/>
-                  <a:lumOff val="70000"/>
-                </a:schemeClr>
-              </a:gs>
-            </a:gsLst>
-            <a:lin ang="5400000" scaled="1"/>
-            <a:tileRect/>
-          </a:gradFill>
-          <a:ln>
-            <a:noFill/>
-          </a:ln>
-        </p:spPr>
-        <p:style>
-          <a:lnRef idx="2">
-            <a:schemeClr val="accent1">
-              <a:shade val="50000"/>
-            </a:schemeClr>
-          </a:lnRef>
-          <a:fillRef idx="1">
-            <a:schemeClr val="accent1"/>
-          </a:fillRef>
-          <a:effectRef idx="0">
-            <a:schemeClr val="accent1"/>
-          </a:effectRef>
-          <a:fontRef idx="minor">
-            <a:schemeClr val="lt1"/>
-          </a:fontRef>
-        </p:style>
-        <p:txBody>
-          <a:bodyPr rtlCol="0" anchor="ctr"/>
-          <a:lstStyle/>
-          <a:p>
-            <a:pPr algn="ctr"/>
-            <a:endParaRPr lang="ru-RU"/>
-          </a:p>
-        </p:txBody>
-      </p:sp>
-    </p:spTree>
-    <p:extLst>
-      <p:ext uri="{BB962C8B-B14F-4D97-AF65-F5344CB8AC3E}">
-        <p14:creationId xmlns:p14="http://schemas.microsoft.com/office/powerpoint/2010/main" val="1542714936"/>
-      </p:ext>
-    </p:extLst>
-  </p:cSld>
-  <p:clrMapOvr>
-    <a:masterClrMapping/>
-  </p:clrMapOvr>
-  <p:timing>
-    <p:tnLst>
-      <p:par>
-        <p:cTn id="1" dur="indefinite" restart="never" nodeType="tmRoot"/>
-      </p:par>
-    </p:tnLst>
-  </p:timing>
-</p:sld>
-</file>
-
-<file path=ppt/slides/slide17.xml><?xml version="1.0" encoding="utf-8"?>
-<p:sld xmlns:a="http://schemas.openxmlformats.org/drawingml/2006/main" xmlns:r="http://schemas.openxmlformats.org/officeDocument/2006/relationships" xmlns:p="http://schemas.openxmlformats.org/presentationml/2006/main">
-  <p:cSld>
-    <p:spTree>
-      <p:nvGrpSpPr>
-        <p:cNvPr id="1" name=""/>
-        <p:cNvGrpSpPr/>
-        <p:nvPr/>
-      </p:nvGrpSpPr>
-      <p:grpSpPr>
-        <a:xfrm>
-          <a:off x="0" y="0"/>
-          <a:ext cx="0" cy="0"/>
-          <a:chOff x="0" y="0"/>
-          <a:chExt cx="0" cy="0"/>
-        </a:xfrm>
-      </p:grpSpPr>
-      <p:sp>
-        <p:nvSpPr>
-          <p:cNvPr id="2" name="Прямоугольник 1"/>
-          <p:cNvSpPr/>
-          <p:nvPr/>
-        </p:nvSpPr>
-        <p:spPr>
-          <a:xfrm>
-            <a:off x="0" y="0"/>
-            <a:ext cx="9144000" cy="6858000"/>
-          </a:xfrm>
-          <a:prstGeom prst="rect">
-            <a:avLst/>
-          </a:prstGeom>
-          <a:gradFill flip="none" rotWithShape="1">
-            <a:gsLst>
-              <a:gs pos="0">
-                <a:schemeClr val="accent3">
-                  <a:lumMod val="5000"/>
-                  <a:lumOff val="95000"/>
-                </a:schemeClr>
-              </a:gs>
-              <a:gs pos="74000">
-                <a:schemeClr val="accent3">
-                  <a:lumMod val="45000"/>
-                  <a:lumOff val="55000"/>
-                </a:schemeClr>
-              </a:gs>
-              <a:gs pos="83000">
-                <a:schemeClr val="accent3">
-                  <a:lumMod val="45000"/>
-                  <a:lumOff val="55000"/>
-                </a:schemeClr>
-              </a:gs>
-              <a:gs pos="100000">
-                <a:schemeClr val="accent3">
-                  <a:lumMod val="30000"/>
-                  <a:lumOff val="70000"/>
-                </a:schemeClr>
-              </a:gs>
-            </a:gsLst>
-            <a:lin ang="5400000" scaled="1"/>
-            <a:tileRect/>
-          </a:gradFill>
-          <a:ln>
-            <a:noFill/>
-          </a:ln>
-        </p:spPr>
-        <p:style>
-          <a:lnRef idx="2">
-            <a:schemeClr val="accent1">
-              <a:shade val="50000"/>
-            </a:schemeClr>
-          </a:lnRef>
-          <a:fillRef idx="1">
-            <a:schemeClr val="accent1"/>
-          </a:fillRef>
-          <a:effectRef idx="0">
-            <a:schemeClr val="accent1"/>
-          </a:effectRef>
-          <a:fontRef idx="minor">
-            <a:schemeClr val="lt1"/>
-          </a:fontRef>
-        </p:style>
-        <p:txBody>
-          <a:bodyPr rtlCol="0" anchor="ctr"/>
-          <a:lstStyle/>
-          <a:p>
-            <a:pPr algn="ctr"/>
-            <a:endParaRPr lang="ru-RU"/>
-          </a:p>
-        </p:txBody>
-      </p:sp>
-    </p:spTree>
-    <p:extLst>
-      <p:ext uri="{BB962C8B-B14F-4D97-AF65-F5344CB8AC3E}">
-        <p14:creationId xmlns:p14="http://schemas.microsoft.com/office/powerpoint/2010/main" val="2666904753"/>
-      </p:ext>
-    </p:extLst>
-  </p:cSld>
-  <p:clrMapOvr>
-    <a:masterClrMapping/>
-  </p:clrMapOvr>
-  <p:timing>
-    <p:tnLst>
-      <p:par>
-        <p:cTn id="1" dur="indefinite" restart="never" nodeType="tmRoot"/>
-      </p:par>
-    </p:tnLst>
-  </p:timing>
-</p:sld>
-</file>
-
-<file path=ppt/slides/slide18.xml><?xml version="1.0" encoding="utf-8"?>
-<p:sld xmlns:a="http://schemas.openxmlformats.org/drawingml/2006/main" xmlns:r="http://schemas.openxmlformats.org/officeDocument/2006/relationships" xmlns:p="http://schemas.openxmlformats.org/presentationml/2006/main">
-  <p:cSld>
-    <p:spTree>
-      <p:nvGrpSpPr>
-        <p:cNvPr id="1" name=""/>
-        <p:cNvGrpSpPr/>
-        <p:nvPr/>
-      </p:nvGrpSpPr>
-      <p:grpSpPr>
-        <a:xfrm>
-          <a:off x="0" y="0"/>
-          <a:ext cx="0" cy="0"/>
-          <a:chOff x="0" y="0"/>
-          <a:chExt cx="0" cy="0"/>
-        </a:xfrm>
-      </p:grpSpPr>
-      <p:sp>
-        <p:nvSpPr>
-          <p:cNvPr id="2" name="Прямоугольник 1"/>
-          <p:cNvSpPr/>
-          <p:nvPr/>
-        </p:nvSpPr>
-        <p:spPr>
-          <a:xfrm>
-            <a:off x="0" y="0"/>
-            <a:ext cx="9144000" cy="6858000"/>
-          </a:xfrm>
-          <a:prstGeom prst="rect">
-            <a:avLst/>
-          </a:prstGeom>
-          <a:gradFill flip="none" rotWithShape="1">
-            <a:gsLst>
-              <a:gs pos="0">
-                <a:schemeClr val="accent3">
-                  <a:lumMod val="5000"/>
-                  <a:lumOff val="95000"/>
-                </a:schemeClr>
-              </a:gs>
-              <a:gs pos="74000">
-                <a:schemeClr val="accent3">
-                  <a:lumMod val="45000"/>
-                  <a:lumOff val="55000"/>
-                </a:schemeClr>
-              </a:gs>
-              <a:gs pos="83000">
-                <a:schemeClr val="accent3">
-                  <a:lumMod val="45000"/>
-                  <a:lumOff val="55000"/>
-                </a:schemeClr>
-              </a:gs>
-              <a:gs pos="100000">
-                <a:schemeClr val="accent3">
-                  <a:lumMod val="30000"/>
-                  <a:lumOff val="70000"/>
-                </a:schemeClr>
-              </a:gs>
-            </a:gsLst>
-            <a:lin ang="5400000" scaled="1"/>
-            <a:tileRect/>
-          </a:gradFill>
-          <a:ln>
-            <a:noFill/>
-          </a:ln>
-        </p:spPr>
-        <p:style>
-          <a:lnRef idx="2">
-            <a:schemeClr val="accent1">
-              <a:shade val="50000"/>
-            </a:schemeClr>
-          </a:lnRef>
-          <a:fillRef idx="1">
-            <a:schemeClr val="accent1"/>
-          </a:fillRef>
-          <a:effectRef idx="0">
-            <a:schemeClr val="accent1"/>
-          </a:effectRef>
-          <a:fontRef idx="minor">
-            <a:schemeClr val="lt1"/>
-          </a:fontRef>
-        </p:style>
-        <p:txBody>
-          <a:bodyPr rtlCol="0" anchor="ctr"/>
-          <a:lstStyle/>
-          <a:p>
-            <a:pPr algn="ctr"/>
-            <a:endParaRPr lang="ru-RU"/>
-          </a:p>
-        </p:txBody>
-      </p:sp>
-    </p:spTree>
-    <p:extLst>
-      <p:ext uri="{BB962C8B-B14F-4D97-AF65-F5344CB8AC3E}">
-        <p14:creationId xmlns:p14="http://schemas.microsoft.com/office/powerpoint/2010/main" val="3851435475"/>
-      </p:ext>
-    </p:extLst>
-  </p:cSld>
-  <p:clrMapOvr>
-    <a:masterClrMapping/>
-  </p:clrMapOvr>
-  <p:timing>
-    <p:tnLst>
-      <p:par>
-        <p:cTn id="1" dur="indefinite" restart="never" nodeType="tmRoot"/>
-      </p:par>
-    </p:tnLst>
-  </p:timing>
-</p:sld>
-</file>
-
-<file path=ppt/slides/slide19.xml><?xml version="1.0" encoding="utf-8"?>
-<p:sld xmlns:a="http://schemas.openxmlformats.org/drawingml/2006/main" xmlns:r="http://schemas.openxmlformats.org/officeDocument/2006/relationships" xmlns:p="http://schemas.openxmlformats.org/presentationml/2006/main">
-  <p:cSld>
-    <p:spTree>
-      <p:nvGrpSpPr>
-        <p:cNvPr id="1" name=""/>
-        <p:cNvGrpSpPr/>
-        <p:nvPr/>
-      </p:nvGrpSpPr>
-      <p:grpSpPr>
-        <a:xfrm>
-          <a:off x="0" y="0"/>
-          <a:ext cx="0" cy="0"/>
-          <a:chOff x="0" y="0"/>
-          <a:chExt cx="0" cy="0"/>
-        </a:xfrm>
-      </p:grpSpPr>
-      <p:sp>
-        <p:nvSpPr>
-          <p:cNvPr id="5" name="Прямоугольник 4"/>
-          <p:cNvSpPr/>
-          <p:nvPr/>
-        </p:nvSpPr>
-        <p:spPr>
-          <a:xfrm>
-            <a:off x="0" y="0"/>
-            <a:ext cx="9144000" cy="6858000"/>
-          </a:xfrm>
-          <a:prstGeom prst="rect">
-            <a:avLst/>
-          </a:prstGeom>
-          <a:gradFill flip="none" rotWithShape="1">
-            <a:gsLst>
-              <a:gs pos="0">
-                <a:schemeClr val="accent3">
-                  <a:lumMod val="5000"/>
-                  <a:lumOff val="95000"/>
-                </a:schemeClr>
-              </a:gs>
-              <a:gs pos="74000">
-                <a:schemeClr val="accent3">
-                  <a:lumMod val="45000"/>
-                  <a:lumOff val="55000"/>
-                </a:schemeClr>
-              </a:gs>
-              <a:gs pos="83000">
-                <a:schemeClr val="accent3">
-                  <a:lumMod val="45000"/>
-                  <a:lumOff val="55000"/>
-                </a:schemeClr>
-              </a:gs>
-              <a:gs pos="100000">
-                <a:schemeClr val="accent3">
-                  <a:lumMod val="30000"/>
-                  <a:lumOff val="70000"/>
-                </a:schemeClr>
-              </a:gs>
-            </a:gsLst>
-            <a:lin ang="5400000" scaled="1"/>
-            <a:tileRect/>
-          </a:gradFill>
-          <a:ln>
-            <a:noFill/>
-          </a:ln>
-        </p:spPr>
-        <p:style>
-          <a:lnRef idx="2">
-            <a:schemeClr val="accent1">
-              <a:shade val="50000"/>
-            </a:schemeClr>
-          </a:lnRef>
-          <a:fillRef idx="1">
-            <a:schemeClr val="accent1"/>
-          </a:fillRef>
-          <a:effectRef idx="0">
-            <a:schemeClr val="accent1"/>
-          </a:effectRef>
-          <a:fontRef idx="minor">
-            <a:schemeClr val="lt1"/>
-          </a:fontRef>
-        </p:style>
-        <p:txBody>
-          <a:bodyPr rtlCol="0" anchor="ctr"/>
-          <a:lstStyle/>
-          <a:p>
-            <a:pPr algn="ctr"/>
-            <a:endParaRPr lang="ru-RU"/>
-          </a:p>
-        </p:txBody>
-      </p:sp>
-    </p:spTree>
-    <p:extLst>
-      <p:ext uri="{BB962C8B-B14F-4D97-AF65-F5344CB8AC3E}">
-        <p14:creationId xmlns:p14="http://schemas.microsoft.com/office/powerpoint/2010/main" val="3182589153"/>
-      </p:ext>
-    </p:extLst>
-  </p:cSld>
-  <p:clrMapOvr>
-    <a:masterClrMapping/>
-  </p:clrMapOvr>
-  <p:timing>
-    <p:tnLst>
-      <p:par>
-        <p:cTn id="1" dur="indefinite" restart="never" nodeType="tmRoot"/>
-      </p:par>
-    </p:tnLst>
-  </p:timing>
-</p:sld>
-</file>
-
-<file path=ppt/slides/slide2.xml><?xml version="1.0" encoding="utf-8"?>
-<p:sld xmlns:a="http://schemas.openxmlformats.org/drawingml/2006/main" xmlns:r="http://schemas.openxmlformats.org/officeDocument/2006/relationships" xmlns:p="http://schemas.openxmlformats.org/presentationml/2006/main">
-  <p:cSld>
-    <p:spTree>
-      <p:nvGrpSpPr>
-        <p:cNvPr id="1" name=""/>
-        <p:cNvGrpSpPr/>
-        <p:nvPr/>
-      </p:nvGrpSpPr>
-      <p:grpSpPr>
-        <a:xfrm>
-          <a:off x="0" y="0"/>
-          <a:ext cx="0" cy="0"/>
-          <a:chOff x="0" y="0"/>
-          <a:chExt cx="0" cy="0"/>
-        </a:xfrm>
-      </p:grpSpPr>
-      <p:sp>
-        <p:nvSpPr>
-          <p:cNvPr id="2" name="Прямоугольник 1"/>
-          <p:cNvSpPr/>
-          <p:nvPr/>
-        </p:nvSpPr>
-        <p:spPr>
-          <a:xfrm>
-            <a:off x="0" y="0"/>
-            <a:ext cx="9144000" cy="6858000"/>
-          </a:xfrm>
-          <a:prstGeom prst="rect">
-            <a:avLst/>
-          </a:prstGeom>
-          <a:gradFill flip="none" rotWithShape="1">
-            <a:gsLst>
-              <a:gs pos="0">
-                <a:schemeClr val="accent3">
-                  <a:lumMod val="5000"/>
-                  <a:lumOff val="95000"/>
-                </a:schemeClr>
-              </a:gs>
-              <a:gs pos="74000">
-                <a:schemeClr val="accent3">
-                  <a:lumMod val="45000"/>
-                  <a:lumOff val="55000"/>
-                </a:schemeClr>
-              </a:gs>
-              <a:gs pos="83000">
-                <a:schemeClr val="accent3">
-                  <a:lumMod val="45000"/>
-                  <a:lumOff val="55000"/>
-                </a:schemeClr>
-              </a:gs>
-              <a:gs pos="100000">
-                <a:schemeClr val="accent3">
-                  <a:lumMod val="30000"/>
-                  <a:lumOff val="70000"/>
-                </a:schemeClr>
-              </a:gs>
-            </a:gsLst>
-            <a:lin ang="5400000" scaled="1"/>
-            <a:tileRect/>
-          </a:gradFill>
-          <a:ln>
-            <a:noFill/>
-          </a:ln>
-        </p:spPr>
-        <p:style>
-          <a:lnRef idx="2">
-            <a:schemeClr val="accent1">
-              <a:shade val="50000"/>
-            </a:schemeClr>
-          </a:lnRef>
-          <a:fillRef idx="1">
-            <a:schemeClr val="accent1"/>
-          </a:fillRef>
-          <a:effectRef idx="0">
-            <a:schemeClr val="accent1"/>
-          </a:effectRef>
-          <a:fontRef idx="minor">
-            <a:schemeClr val="lt1"/>
-          </a:fontRef>
-        </p:style>
-        <p:txBody>
-          <a:bodyPr rtlCol="0" anchor="ctr"/>
-          <a:lstStyle/>
-          <a:p>
-            <a:pPr algn="ctr"/>
-            <a:endParaRPr lang="ru-RU"/>
-          </a:p>
-        </p:txBody>
-      </p:sp>
       <p:pic>
         <p:nvPicPr>
           <p:cNvPr id="3" name="Рисунок 2"/>
@@ -4535,7 +9290,7 @@
   <p:cSld>
     <p:spTree>
       <p:nvGrpSpPr>
-        <p:cNvPr id="1" name=""/>
+        <p:cNvPr id="1" name="Shape 188"/>
         <p:cNvGrpSpPr/>
         <p:nvPr/>
       </p:nvGrpSpPr>
@@ -4547,96 +9302,200 @@
           <a:chExt cx="0" cy="0"/>
         </a:xfrm>
       </p:grpSpPr>
-      <p:sp>
-        <p:nvSpPr>
-          <p:cNvPr id="2" name="Прямоугольник 1"/>
-          <p:cNvSpPr/>
-          <p:nvPr/>
-        </p:nvSpPr>
+      <p:pic>
+        <p:nvPicPr>
+          <p:cNvPr id="189" name="Shape 189"/>
+          <p:cNvPicPr preferRelativeResize="0"/>
+          <p:nvPr/>
+        </p:nvPicPr>
+        <p:blipFill rotWithShape="1">
+          <a:blip r:embed="rId3">
+            <a:alphaModFix/>
+          </a:blip>
+          <a:srcRect/>
+          <a:stretch/>
+        </p:blipFill>
         <p:spPr>
           <a:xfrm>
             <a:off x="0" y="0"/>
-            <a:ext cx="9144000" cy="6858000"/>
-          </a:xfrm>
-          <a:prstGeom prst="rect">
-            <a:avLst/>
-          </a:prstGeom>
-          <a:gradFill flip="none" rotWithShape="1">
-            <a:gsLst>
-              <a:gs pos="0">
-                <a:schemeClr val="accent3">
-                  <a:lumMod val="5000"/>
-                  <a:lumOff val="95000"/>
-                </a:schemeClr>
-              </a:gs>
-              <a:gs pos="74000">
-                <a:schemeClr val="accent3">
-                  <a:lumMod val="45000"/>
-                  <a:lumOff val="55000"/>
-                </a:schemeClr>
-              </a:gs>
-              <a:gs pos="83000">
-                <a:schemeClr val="accent3">
-                  <a:lumMod val="45000"/>
-                  <a:lumOff val="55000"/>
-                </a:schemeClr>
-              </a:gs>
-              <a:gs pos="100000">
-                <a:schemeClr val="accent3">
-                  <a:lumMod val="30000"/>
-                  <a:lumOff val="70000"/>
-                </a:schemeClr>
-              </a:gs>
-            </a:gsLst>
-            <a:lin ang="5400000" scaled="1"/>
-            <a:tileRect/>
-          </a:gradFill>
+            <a:ext cx="9157854" cy="6857999"/>
+          </a:xfrm>
+          <a:prstGeom prst="rect">
+            <a:avLst/>
+          </a:prstGeom>
+          <a:noFill/>
           <a:ln>
             <a:noFill/>
           </a:ln>
         </p:spPr>
-        <p:style>
-          <a:lnRef idx="2">
-            <a:schemeClr val="accent1">
-              <a:shade val="50000"/>
-            </a:schemeClr>
-          </a:lnRef>
-          <a:fillRef idx="1">
-            <a:schemeClr val="accent1"/>
-          </a:fillRef>
-          <a:effectRef idx="0">
-            <a:schemeClr val="accent1"/>
-          </a:effectRef>
-          <a:fontRef idx="minor">
-            <a:schemeClr val="lt1"/>
-          </a:fontRef>
-        </p:style>
-        <p:txBody>
-          <a:bodyPr rtlCol="0" anchor="ctr"/>
-          <a:lstStyle/>
-          <a:p>
-            <a:pPr algn="ctr"/>
-            <a:endParaRPr lang="ru-RU"/>
+      </p:pic>
+      <p:sp>
+        <p:nvSpPr>
+          <p:cNvPr id="190" name="Shape 190"/>
+          <p:cNvSpPr txBox="1"/>
+          <p:nvPr/>
+        </p:nvSpPr>
+        <p:spPr>
+          <a:xfrm>
+            <a:off x="969817" y="720435"/>
+            <a:ext cx="4900316" cy="769441"/>
+          </a:xfrm>
+          <a:prstGeom prst="rect">
+            <a:avLst/>
+          </a:prstGeom>
+          <a:noFill/>
+          <a:ln>
+            <a:noFill/>
+          </a:ln>
+        </p:spPr>
+        <p:txBody>
+          <a:bodyPr lIns="91425" tIns="45700" rIns="91425" bIns="45700" anchor="t" anchorCtr="0">
+            <a:noAutofit/>
+          </a:bodyPr>
+          <a:lstStyle/>
+          <a:p>
+            <a:pPr marL="0" marR="0" lvl="0" indent="0" algn="l" rtl="0">
+              <a:spcBef>
+                <a:spcPts val="0"/>
+              </a:spcBef>
+              <a:buSzPct val="25000"/>
+              <a:buNone/>
+            </a:pPr>
+            <a:r>
+              <a:rPr lang="en-US" sz="4400" b="1">
+                <a:solidFill>
+                  <a:srgbClr val="04333E"/>
+                </a:solidFill>
+                <a:latin typeface="Calibri"/>
+                <a:ea typeface="Calibri"/>
+                <a:cs typeface="Calibri"/>
+                <a:sym typeface="Calibri"/>
+              </a:rPr>
+              <a:t>Client side overview</a:t>
+            </a:r>
+          </a:p>
+        </p:txBody>
+      </p:sp>
+      <p:sp>
+        <p:nvSpPr>
+          <p:cNvPr id="191" name="Shape 191"/>
+          <p:cNvSpPr txBox="1"/>
+          <p:nvPr/>
+        </p:nvSpPr>
+        <p:spPr>
+          <a:xfrm>
+            <a:off x="743524" y="2053933"/>
+            <a:ext cx="6061799" cy="3942300"/>
+          </a:xfrm>
+          <a:prstGeom prst="rect">
+            <a:avLst/>
+          </a:prstGeom>
+          <a:noFill/>
+          <a:ln>
+            <a:noFill/>
+          </a:ln>
+        </p:spPr>
+        <p:txBody>
+          <a:bodyPr lIns="91425" tIns="45700" rIns="91425" bIns="45700" anchor="t" anchorCtr="0">
+            <a:noAutofit/>
+          </a:bodyPr>
+          <a:lstStyle/>
+          <a:p>
+            <a:pPr marL="285750" marR="0" lvl="0" indent="-285750" algn="l" rtl="0">
+              <a:lnSpc>
+                <a:spcPct val="150000"/>
+              </a:lnSpc>
+              <a:spcBef>
+                <a:spcPts val="0"/>
+              </a:spcBef>
+              <a:buClr>
+                <a:srgbClr val="04333E"/>
+              </a:buClr>
+              <a:buSzPct val="100000"/>
+              <a:buFont typeface="Arial"/>
+              <a:buChar char="•"/>
+            </a:pPr>
+            <a:r>
+              <a:rPr lang="en-US" sz="2400">
+                <a:solidFill>
+                  <a:srgbClr val="04333E"/>
+                </a:solidFill>
+                <a:latin typeface="Calibri"/>
+                <a:ea typeface="Calibri"/>
+                <a:cs typeface="Calibri"/>
+                <a:sym typeface="Calibri"/>
+              </a:rPr>
+              <a:t>Architecture</a:t>
+            </a:r>
+          </a:p>
+          <a:p>
+            <a:pPr marL="285750" marR="0" lvl="0" indent="-285750" algn="l" rtl="0">
+              <a:lnSpc>
+                <a:spcPct val="150000"/>
+              </a:lnSpc>
+              <a:spcBef>
+                <a:spcPts val="0"/>
+              </a:spcBef>
+              <a:buClr>
+                <a:srgbClr val="04333E"/>
+              </a:buClr>
+              <a:buSzPct val="100000"/>
+              <a:buFont typeface="Arial"/>
+              <a:buChar char="•"/>
+            </a:pPr>
+            <a:r>
+              <a:rPr lang="en-US" sz="2400">
+                <a:solidFill>
+                  <a:srgbClr val="04333E"/>
+                </a:solidFill>
+                <a:latin typeface="Calibri"/>
+                <a:ea typeface="Calibri"/>
+                <a:cs typeface="Calibri"/>
+                <a:sym typeface="Calibri"/>
+              </a:rPr>
+              <a:t>Used Technologies</a:t>
+            </a:r>
+          </a:p>
+          <a:p>
+            <a:pPr marL="285750" marR="0" lvl="0" indent="-285750" algn="l" rtl="0">
+              <a:lnSpc>
+                <a:spcPct val="150000"/>
+              </a:lnSpc>
+              <a:spcBef>
+                <a:spcPts val="0"/>
+              </a:spcBef>
+              <a:buClr>
+                <a:srgbClr val="04333E"/>
+              </a:buClr>
+              <a:buSzPct val="100000"/>
+              <a:buFont typeface="Arial"/>
+              <a:buChar char="•"/>
+            </a:pPr>
+            <a:r>
+              <a:rPr lang="en-US" sz="2400">
+                <a:solidFill>
+                  <a:srgbClr val="04333E"/>
+                </a:solidFill>
+                <a:latin typeface="Calibri"/>
+                <a:ea typeface="Calibri"/>
+                <a:cs typeface="Calibri"/>
+                <a:sym typeface="Calibri"/>
+              </a:rPr>
+              <a:t>...</a:t>
+            </a:r>
           </a:p>
         </p:txBody>
       </p:sp>
     </p:spTree>
     <p:extLst>
       <p:ext uri="{BB962C8B-B14F-4D97-AF65-F5344CB8AC3E}">
-        <p14:creationId xmlns:p14="http://schemas.microsoft.com/office/powerpoint/2010/main" val="2216046246"/>
+        <p14:creationId xmlns:p14="http://schemas.microsoft.com/office/powerpoint/2010/main" val="1110869793"/>
       </p:ext>
     </p:extLst>
   </p:cSld>
   <p:clrMapOvr>
     <a:masterClrMapping/>
   </p:clrMapOvr>
-  <p:timing>
-    <p:tnLst>
-      <p:par>
-        <p:cTn id="1" dur="indefinite" restart="never" nodeType="tmRoot"/>
-      </p:par>
-    </p:tnLst>
-  </p:timing>
 </p:sld>
 </file>
 
@@ -4645,7 +9504,7 @@
   <p:cSld>
     <p:spTree>
       <p:nvGrpSpPr>
-        <p:cNvPr id="1" name=""/>
+        <p:cNvPr id="1" name="Shape 195"/>
         <p:cNvGrpSpPr/>
         <p:nvPr/>
       </p:nvGrpSpPr>
@@ -4659,7 +9518,7 @@
       </p:grpSpPr>
       <p:sp>
         <p:nvSpPr>
-          <p:cNvPr id="2" name="Прямоугольник 1"/>
+          <p:cNvPr id="196" name="Shape 196"/>
           <p:cNvSpPr/>
           <p:nvPr/>
         </p:nvSpPr>
@@ -4671,82 +9530,967 @@
           <a:prstGeom prst="rect">
             <a:avLst/>
           </a:prstGeom>
-          <a:gradFill flip="none" rotWithShape="1">
+          <a:gradFill>
             <a:gsLst>
               <a:gs pos="0">
-                <a:schemeClr val="accent3">
-                  <a:lumMod val="5000"/>
-                  <a:lumOff val="95000"/>
-                </a:schemeClr>
+                <a:srgbClr val="FAFAFA"/>
               </a:gs>
               <a:gs pos="74000">
-                <a:schemeClr val="accent3">
-                  <a:lumMod val="45000"/>
-                  <a:lumOff val="55000"/>
-                </a:schemeClr>
+                <a:srgbClr val="D6D6D6"/>
               </a:gs>
               <a:gs pos="83000">
-                <a:schemeClr val="accent3">
-                  <a:lumMod val="45000"/>
-                  <a:lumOff val="55000"/>
-                </a:schemeClr>
+                <a:srgbClr val="D6D6D6"/>
               </a:gs>
               <a:gs pos="100000">
-                <a:schemeClr val="accent3">
-                  <a:lumMod val="30000"/>
-                  <a:lumOff val="70000"/>
-                </a:schemeClr>
+                <a:srgbClr val="E3E3E3"/>
               </a:gs>
             </a:gsLst>
-            <a:lin ang="5400000" scaled="1"/>
-            <a:tileRect/>
+            <a:lin ang="5400000" scaled="0"/>
           </a:gradFill>
           <a:ln>
             <a:noFill/>
           </a:ln>
         </p:spPr>
-        <p:style>
-          <a:lnRef idx="2">
-            <a:schemeClr val="accent1">
-              <a:shade val="50000"/>
-            </a:schemeClr>
-          </a:lnRef>
-          <a:fillRef idx="1">
-            <a:schemeClr val="accent1"/>
-          </a:fillRef>
-          <a:effectRef idx="0">
-            <a:schemeClr val="accent1"/>
-          </a:effectRef>
-          <a:fontRef idx="minor">
-            <a:schemeClr val="lt1"/>
-          </a:fontRef>
-        </p:style>
-        <p:txBody>
-          <a:bodyPr rtlCol="0" anchor="ctr"/>
-          <a:lstStyle/>
-          <a:p>
-            <a:pPr algn="ctr"/>
-            <a:endParaRPr lang="ru-RU"/>
+        <p:txBody>
+          <a:bodyPr lIns="91425" tIns="45700" rIns="91425" bIns="45700" anchor="ctr" anchorCtr="0">
+            <a:noAutofit/>
+          </a:bodyPr>
+          <a:lstStyle/>
+          <a:p>
+            <a:pPr marL="0" marR="0" lvl="0" indent="0" algn="ctr" rtl="0">
+              <a:spcBef>
+                <a:spcPts val="0"/>
+              </a:spcBef>
+              <a:buNone/>
+            </a:pPr>
+            <a:endParaRPr sz="1800">
+              <a:solidFill>
+                <a:schemeClr val="lt1"/>
+              </a:solidFill>
+              <a:latin typeface="Calibri"/>
+              <a:ea typeface="Calibri"/>
+              <a:cs typeface="Calibri"/>
+              <a:sym typeface="Calibri"/>
+            </a:endParaRPr>
+          </a:p>
+        </p:txBody>
+      </p:sp>
+      <p:sp>
+        <p:nvSpPr>
+          <p:cNvPr id="198" name="Shape 198"/>
+          <p:cNvSpPr/>
+          <p:nvPr/>
+        </p:nvSpPr>
+        <p:spPr>
+          <a:xfrm>
+            <a:off x="608500" y="5974400"/>
+            <a:ext cx="7926900" cy="684300"/>
+          </a:xfrm>
+          <a:prstGeom prst="rect">
+            <a:avLst/>
+          </a:prstGeom>
+          <a:solidFill>
+            <a:schemeClr val="accent2"/>
+          </a:solidFill>
+          <a:ln>
+            <a:noFill/>
+          </a:ln>
+        </p:spPr>
+        <p:txBody>
+          <a:bodyPr lIns="91425" tIns="91425" rIns="91425" bIns="91425" anchor="ctr" anchorCtr="0">
+            <a:noAutofit/>
+          </a:bodyPr>
+          <a:lstStyle/>
+          <a:p>
+            <a:pPr marL="0" marR="0" lvl="0" indent="0" algn="ctr" rtl="0">
+              <a:lnSpc>
+                <a:spcPct val="100000"/>
+              </a:lnSpc>
+              <a:spcBef>
+                <a:spcPts val="0"/>
+              </a:spcBef>
+              <a:spcAft>
+                <a:spcPts val="0"/>
+              </a:spcAft>
+              <a:buNone/>
+            </a:pPr>
+            <a:r>
+              <a:rPr lang="en-US" sz="2400" b="1">
+                <a:latin typeface="Calibri"/>
+                <a:ea typeface="Calibri"/>
+                <a:cs typeface="Calibri"/>
+                <a:sym typeface="Calibri"/>
+              </a:rPr>
+              <a:t>SERVER</a:t>
+            </a:r>
+          </a:p>
+        </p:txBody>
+      </p:sp>
+      <p:sp>
+        <p:nvSpPr>
+          <p:cNvPr id="199" name="Shape 199"/>
+          <p:cNvSpPr txBox="1"/>
+          <p:nvPr/>
+        </p:nvSpPr>
+        <p:spPr>
+          <a:xfrm>
+            <a:off x="969817" y="720435"/>
+            <a:ext cx="4900200" cy="769500"/>
+          </a:xfrm>
+          <a:prstGeom prst="rect">
+            <a:avLst/>
+          </a:prstGeom>
+          <a:noFill/>
+          <a:ln>
+            <a:noFill/>
+          </a:ln>
+        </p:spPr>
+        <p:txBody>
+          <a:bodyPr lIns="91425" tIns="45700" rIns="91425" bIns="45700" anchor="t" anchorCtr="0">
+            <a:noAutofit/>
+          </a:bodyPr>
+          <a:lstStyle/>
+          <a:p>
+            <a:pPr marL="0" marR="0" lvl="0" indent="0" algn="l" rtl="0">
+              <a:spcBef>
+                <a:spcPts val="0"/>
+              </a:spcBef>
+              <a:buSzPct val="25000"/>
+              <a:buNone/>
+            </a:pPr>
+            <a:r>
+              <a:rPr lang="en-US" sz="4400" b="1">
+                <a:solidFill>
+                  <a:srgbClr val="04333E"/>
+                </a:solidFill>
+                <a:latin typeface="Calibri"/>
+                <a:ea typeface="Calibri"/>
+                <a:cs typeface="Calibri"/>
+                <a:sym typeface="Calibri"/>
+              </a:rPr>
+              <a:t>Architecture</a:t>
+            </a:r>
+          </a:p>
+        </p:txBody>
+      </p:sp>
+      <p:sp>
+        <p:nvSpPr>
+          <p:cNvPr id="200" name="Shape 200"/>
+          <p:cNvSpPr/>
+          <p:nvPr/>
+        </p:nvSpPr>
+        <p:spPr>
+          <a:xfrm rot="-5400000">
+            <a:off x="1000" y="3025975"/>
+            <a:ext cx="1984500" cy="769500"/>
+          </a:xfrm>
+          <a:prstGeom prst="rect">
+            <a:avLst/>
+          </a:prstGeom>
+          <a:solidFill>
+            <a:schemeClr val="accent1"/>
+          </a:solidFill>
+          <a:ln>
+            <a:noFill/>
+          </a:ln>
+        </p:spPr>
+        <p:txBody>
+          <a:bodyPr lIns="91425" tIns="91425" rIns="91425" bIns="91425" anchor="ctr" anchorCtr="0">
+            <a:noAutofit/>
+          </a:bodyPr>
+          <a:lstStyle/>
+          <a:p>
+            <a:pPr marL="0" marR="0" lvl="0" indent="0" algn="ctr" rtl="0">
+              <a:lnSpc>
+                <a:spcPct val="100000"/>
+              </a:lnSpc>
+              <a:spcBef>
+                <a:spcPts val="0"/>
+              </a:spcBef>
+              <a:spcAft>
+                <a:spcPts val="0"/>
+              </a:spcAft>
+              <a:buNone/>
+            </a:pPr>
+            <a:r>
+              <a:rPr lang="en-US" sz="2400" b="1">
+                <a:latin typeface="Calibri"/>
+                <a:ea typeface="Calibri"/>
+                <a:cs typeface="Calibri"/>
+                <a:sym typeface="Calibri"/>
+              </a:rPr>
+              <a:t>Services</a:t>
+            </a:r>
+          </a:p>
+        </p:txBody>
+      </p:sp>
+      <p:sp>
+        <p:nvSpPr>
+          <p:cNvPr id="201" name="Shape 201"/>
+          <p:cNvSpPr/>
+          <p:nvPr/>
+        </p:nvSpPr>
+        <p:spPr>
+          <a:xfrm>
+            <a:off x="608500" y="1489925"/>
+            <a:ext cx="7926900" cy="477300"/>
+          </a:xfrm>
+          <a:prstGeom prst="rect">
+            <a:avLst/>
+          </a:prstGeom>
+          <a:solidFill>
+            <a:schemeClr val="accent6"/>
+          </a:solidFill>
+          <a:ln>
+            <a:noFill/>
+          </a:ln>
+        </p:spPr>
+        <p:txBody>
+          <a:bodyPr lIns="91425" tIns="91425" rIns="91425" bIns="91425" anchor="ctr" anchorCtr="0">
+            <a:noAutofit/>
+          </a:bodyPr>
+          <a:lstStyle/>
+          <a:p>
+            <a:pPr marL="0" marR="0" lvl="0" indent="0" algn="ctr" rtl="0">
+              <a:lnSpc>
+                <a:spcPct val="100000"/>
+              </a:lnSpc>
+              <a:spcBef>
+                <a:spcPts val="0"/>
+              </a:spcBef>
+              <a:spcAft>
+                <a:spcPts val="0"/>
+              </a:spcAft>
+              <a:buNone/>
+            </a:pPr>
+            <a:r>
+              <a:rPr lang="en-US" sz="2400" b="1">
+                <a:latin typeface="Calibri"/>
+                <a:ea typeface="Calibri"/>
+                <a:cs typeface="Calibri"/>
+                <a:sym typeface="Calibri"/>
+              </a:rPr>
+              <a:t>Event Listeners (Hooks)</a:t>
+            </a:r>
+          </a:p>
+        </p:txBody>
+      </p:sp>
+      <p:sp>
+        <p:nvSpPr>
+          <p:cNvPr id="202" name="Shape 202"/>
+          <p:cNvSpPr/>
+          <p:nvPr/>
+        </p:nvSpPr>
+        <p:spPr>
+          <a:xfrm>
+            <a:off x="3765550" y="2426250"/>
+            <a:ext cx="4769700" cy="769500"/>
+          </a:xfrm>
+          <a:prstGeom prst="rect">
+            <a:avLst/>
+          </a:prstGeom>
+          <a:solidFill>
+            <a:schemeClr val="accent1"/>
+          </a:solidFill>
+          <a:ln>
+            <a:noFill/>
+          </a:ln>
+        </p:spPr>
+        <p:txBody>
+          <a:bodyPr lIns="91425" tIns="91425" rIns="91425" bIns="91425" anchor="ctr" anchorCtr="0">
+            <a:noAutofit/>
+          </a:bodyPr>
+          <a:lstStyle/>
+          <a:p>
+            <a:pPr marL="0" marR="0" lvl="0" indent="0" algn="ctr" rtl="0">
+              <a:lnSpc>
+                <a:spcPct val="100000"/>
+              </a:lnSpc>
+              <a:spcBef>
+                <a:spcPts val="0"/>
+              </a:spcBef>
+              <a:spcAft>
+                <a:spcPts val="0"/>
+              </a:spcAft>
+              <a:buNone/>
+            </a:pPr>
+            <a:r>
+              <a:rPr lang="en-US" sz="2400" b="1">
+                <a:latin typeface="Calibri"/>
+                <a:ea typeface="Calibri"/>
+                <a:cs typeface="Calibri"/>
+                <a:sym typeface="Calibri"/>
+              </a:rPr>
+              <a:t>Window Drawer</a:t>
+            </a:r>
+          </a:p>
+        </p:txBody>
+      </p:sp>
+      <p:sp>
+        <p:nvSpPr>
+          <p:cNvPr id="203" name="Shape 203"/>
+          <p:cNvSpPr/>
+          <p:nvPr/>
+        </p:nvSpPr>
+        <p:spPr>
+          <a:xfrm>
+            <a:off x="3765550" y="3640237"/>
+            <a:ext cx="2170800" cy="769500"/>
+          </a:xfrm>
+          <a:prstGeom prst="rect">
+            <a:avLst/>
+          </a:prstGeom>
+          <a:solidFill>
+            <a:schemeClr val="accent1"/>
+          </a:solidFill>
+          <a:ln>
+            <a:noFill/>
+          </a:ln>
+        </p:spPr>
+        <p:txBody>
+          <a:bodyPr lIns="91425" tIns="91425" rIns="91425" bIns="91425" anchor="ctr" anchorCtr="0">
+            <a:noAutofit/>
+          </a:bodyPr>
+          <a:lstStyle/>
+          <a:p>
+            <a:pPr lvl="0" algn="ctr" rtl="0">
+              <a:spcBef>
+                <a:spcPts val="0"/>
+              </a:spcBef>
+              <a:buNone/>
+            </a:pPr>
+            <a:r>
+              <a:rPr lang="en-US" sz="2400" b="1">
+                <a:solidFill>
+                  <a:schemeClr val="dk1"/>
+                </a:solidFill>
+                <a:latin typeface="Calibri"/>
+                <a:ea typeface="Calibri"/>
+                <a:cs typeface="Calibri"/>
+                <a:sym typeface="Calibri"/>
+              </a:rPr>
+              <a:t>Window Controller</a:t>
+            </a:r>
+          </a:p>
+        </p:txBody>
+      </p:sp>
+      <p:sp>
+        <p:nvSpPr>
+          <p:cNvPr id="204" name="Shape 204"/>
+          <p:cNvSpPr/>
+          <p:nvPr/>
+        </p:nvSpPr>
+        <p:spPr>
+          <a:xfrm>
+            <a:off x="6364600" y="3664537"/>
+            <a:ext cx="2170800" cy="769500"/>
+          </a:xfrm>
+          <a:prstGeom prst="rect">
+            <a:avLst/>
+          </a:prstGeom>
+          <a:solidFill>
+            <a:schemeClr val="accent1"/>
+          </a:solidFill>
+          <a:ln>
+            <a:noFill/>
+          </a:ln>
+        </p:spPr>
+        <p:txBody>
+          <a:bodyPr lIns="91425" tIns="91425" rIns="91425" bIns="91425" anchor="ctr" anchorCtr="0">
+            <a:noAutofit/>
+          </a:bodyPr>
+          <a:lstStyle/>
+          <a:p>
+            <a:pPr marL="0" marR="0" lvl="0" indent="0" algn="ctr" rtl="0">
+              <a:lnSpc>
+                <a:spcPct val="100000"/>
+              </a:lnSpc>
+              <a:spcBef>
+                <a:spcPts val="0"/>
+              </a:spcBef>
+              <a:spcAft>
+                <a:spcPts val="0"/>
+              </a:spcAft>
+              <a:buNone/>
+            </a:pPr>
+            <a:r>
+              <a:rPr lang="en-US" sz="2400" b="1">
+                <a:latin typeface="Calibri"/>
+                <a:ea typeface="Calibri"/>
+                <a:cs typeface="Calibri"/>
+                <a:sym typeface="Calibri"/>
+              </a:rPr>
+              <a:t>Views</a:t>
+            </a:r>
+          </a:p>
+        </p:txBody>
+      </p:sp>
+      <p:sp>
+        <p:nvSpPr>
+          <p:cNvPr id="205" name="Shape 205"/>
+          <p:cNvSpPr/>
+          <p:nvPr/>
+        </p:nvSpPr>
+        <p:spPr>
+          <a:xfrm rot="-5400000">
+            <a:off x="1062475" y="3045150"/>
+            <a:ext cx="2003700" cy="769500"/>
+          </a:xfrm>
+          <a:prstGeom prst="rect">
+            <a:avLst/>
+          </a:prstGeom>
+          <a:solidFill>
+            <a:srgbClr val="F1C232"/>
+          </a:solidFill>
+          <a:ln>
+            <a:noFill/>
+          </a:ln>
+        </p:spPr>
+        <p:txBody>
+          <a:bodyPr lIns="91425" tIns="91425" rIns="91425" bIns="91425" anchor="ctr" anchorCtr="0">
+            <a:noAutofit/>
+          </a:bodyPr>
+          <a:lstStyle/>
+          <a:p>
+            <a:pPr marL="0" marR="0" lvl="0" indent="0" algn="ctr" rtl="0">
+              <a:lnSpc>
+                <a:spcPct val="100000"/>
+              </a:lnSpc>
+              <a:spcBef>
+                <a:spcPts val="0"/>
+              </a:spcBef>
+              <a:spcAft>
+                <a:spcPts val="0"/>
+              </a:spcAft>
+              <a:buNone/>
+            </a:pPr>
+            <a:r>
+              <a:rPr lang="en-US" sz="2400" b="1">
+                <a:latin typeface="Calibri"/>
+                <a:ea typeface="Calibri"/>
+                <a:cs typeface="Calibri"/>
+                <a:sym typeface="Calibri"/>
+              </a:rPr>
+              <a:t>TPL</a:t>
+            </a:r>
+          </a:p>
+          <a:p>
+            <a:pPr marL="0" marR="0" lvl="0" indent="0" algn="ctr" rtl="0">
+              <a:lnSpc>
+                <a:spcPct val="100000"/>
+              </a:lnSpc>
+              <a:spcBef>
+                <a:spcPts val="0"/>
+              </a:spcBef>
+              <a:spcAft>
+                <a:spcPts val="0"/>
+              </a:spcAft>
+              <a:buNone/>
+            </a:pPr>
+            <a:r>
+              <a:rPr lang="en-US" b="1">
+                <a:latin typeface="Calibri"/>
+                <a:ea typeface="Calibri"/>
+                <a:cs typeface="Calibri"/>
+                <a:sym typeface="Calibri"/>
+              </a:rPr>
+              <a:t>Third Party Libraries</a:t>
+            </a:r>
+          </a:p>
+        </p:txBody>
+      </p:sp>
+      <p:sp>
+        <p:nvSpPr>
+          <p:cNvPr id="206" name="Shape 206"/>
+          <p:cNvSpPr/>
+          <p:nvPr/>
+        </p:nvSpPr>
+        <p:spPr>
+          <a:xfrm>
+            <a:off x="4700050" y="3162925"/>
+            <a:ext cx="223200" cy="477300"/>
+          </a:xfrm>
+          <a:prstGeom prst="upDownArrow">
+            <a:avLst>
+              <a:gd name="adj1" fmla="val 50000"/>
+              <a:gd name="adj2" fmla="val 50000"/>
+            </a:avLst>
+          </a:prstGeom>
+          <a:solidFill>
+            <a:schemeClr val="lt2"/>
+          </a:solidFill>
+          <a:ln w="9525" cap="flat" cmpd="sng">
+            <a:solidFill>
+              <a:schemeClr val="dk2"/>
+            </a:solidFill>
+            <a:prstDash val="solid"/>
+            <a:round/>
+            <a:headEnd type="none" w="med" len="med"/>
+            <a:tailEnd type="none" w="med" len="med"/>
+          </a:ln>
+        </p:spPr>
+        <p:txBody>
+          <a:bodyPr lIns="91425" tIns="91425" rIns="91425" bIns="91425" anchor="ctr" anchorCtr="0">
+            <a:noAutofit/>
+          </a:bodyPr>
+          <a:lstStyle/>
+          <a:p>
+            <a:pPr lvl="0">
+              <a:spcBef>
+                <a:spcPts val="0"/>
+              </a:spcBef>
+              <a:buNone/>
+            </a:pPr>
+            <a:endParaRPr/>
+          </a:p>
+        </p:txBody>
+      </p:sp>
+      <p:sp>
+        <p:nvSpPr>
+          <p:cNvPr id="207" name="Shape 207"/>
+          <p:cNvSpPr/>
+          <p:nvPr/>
+        </p:nvSpPr>
+        <p:spPr>
+          <a:xfrm>
+            <a:off x="7338400" y="3191250"/>
+            <a:ext cx="223200" cy="477300"/>
+          </a:xfrm>
+          <a:prstGeom prst="upDownArrow">
+            <a:avLst>
+              <a:gd name="adj1" fmla="val 50000"/>
+              <a:gd name="adj2" fmla="val 50000"/>
+            </a:avLst>
+          </a:prstGeom>
+          <a:solidFill>
+            <a:schemeClr val="lt2"/>
+          </a:solidFill>
+          <a:ln w="9525" cap="flat" cmpd="sng">
+            <a:solidFill>
+              <a:schemeClr val="dk2"/>
+            </a:solidFill>
+            <a:prstDash val="solid"/>
+            <a:round/>
+            <a:headEnd type="none" w="med" len="med"/>
+            <a:tailEnd type="none" w="med" len="med"/>
+          </a:ln>
+        </p:spPr>
+        <p:txBody>
+          <a:bodyPr lIns="91425" tIns="91425" rIns="91425" bIns="91425" anchor="ctr" anchorCtr="0">
+            <a:noAutofit/>
+          </a:bodyPr>
+          <a:lstStyle/>
+          <a:p>
+            <a:pPr lvl="0">
+              <a:spcBef>
+                <a:spcPts val="0"/>
+              </a:spcBef>
+              <a:buNone/>
+            </a:pPr>
+            <a:endParaRPr/>
+          </a:p>
+        </p:txBody>
+      </p:sp>
+      <p:sp>
+        <p:nvSpPr>
+          <p:cNvPr id="208" name="Shape 208"/>
+          <p:cNvSpPr/>
+          <p:nvPr/>
+        </p:nvSpPr>
+        <p:spPr>
+          <a:xfrm>
+            <a:off x="6076150" y="1948950"/>
+            <a:ext cx="223200" cy="477300"/>
+          </a:xfrm>
+          <a:prstGeom prst="upDownArrow">
+            <a:avLst>
+              <a:gd name="adj1" fmla="val 50000"/>
+              <a:gd name="adj2" fmla="val 50000"/>
+            </a:avLst>
+          </a:prstGeom>
+          <a:solidFill>
+            <a:schemeClr val="lt2"/>
+          </a:solidFill>
+          <a:ln w="9525" cap="flat" cmpd="sng">
+            <a:solidFill>
+              <a:schemeClr val="dk2"/>
+            </a:solidFill>
+            <a:prstDash val="solid"/>
+            <a:round/>
+            <a:headEnd type="none" w="med" len="med"/>
+            <a:tailEnd type="none" w="med" len="med"/>
+          </a:ln>
+        </p:spPr>
+        <p:txBody>
+          <a:bodyPr lIns="91425" tIns="91425" rIns="91425" bIns="91425" anchor="ctr" anchorCtr="0">
+            <a:noAutofit/>
+          </a:bodyPr>
+          <a:lstStyle/>
+          <a:p>
+            <a:pPr lvl="0">
+              <a:spcBef>
+                <a:spcPts val="0"/>
+              </a:spcBef>
+              <a:buNone/>
+            </a:pPr>
+            <a:endParaRPr/>
+          </a:p>
+        </p:txBody>
+      </p:sp>
+      <p:sp>
+        <p:nvSpPr>
+          <p:cNvPr id="209" name="Shape 209"/>
+          <p:cNvSpPr/>
+          <p:nvPr/>
+        </p:nvSpPr>
+        <p:spPr>
+          <a:xfrm>
+            <a:off x="881650" y="1948950"/>
+            <a:ext cx="223200" cy="477300"/>
+          </a:xfrm>
+          <a:prstGeom prst="upDownArrow">
+            <a:avLst>
+              <a:gd name="adj1" fmla="val 50000"/>
+              <a:gd name="adj2" fmla="val 50000"/>
+            </a:avLst>
+          </a:prstGeom>
+          <a:solidFill>
+            <a:schemeClr val="lt2"/>
+          </a:solidFill>
+          <a:ln w="9525" cap="flat" cmpd="sng">
+            <a:solidFill>
+              <a:schemeClr val="dk2"/>
+            </a:solidFill>
+            <a:prstDash val="solid"/>
+            <a:round/>
+            <a:headEnd type="none" w="med" len="med"/>
+            <a:tailEnd type="none" w="med" len="med"/>
+          </a:ln>
+        </p:spPr>
+        <p:txBody>
+          <a:bodyPr lIns="91425" tIns="91425" rIns="91425" bIns="91425" anchor="ctr" anchorCtr="0">
+            <a:noAutofit/>
+          </a:bodyPr>
+          <a:lstStyle/>
+          <a:p>
+            <a:pPr lvl="0">
+              <a:spcBef>
+                <a:spcPts val="0"/>
+              </a:spcBef>
+              <a:buNone/>
+            </a:pPr>
+            <a:endParaRPr/>
+          </a:p>
+        </p:txBody>
+      </p:sp>
+      <p:sp>
+        <p:nvSpPr>
+          <p:cNvPr id="210" name="Shape 210"/>
+          <p:cNvSpPr/>
+          <p:nvPr/>
+        </p:nvSpPr>
+        <p:spPr>
+          <a:xfrm>
+            <a:off x="1952725" y="1948950"/>
+            <a:ext cx="223200" cy="477300"/>
+          </a:xfrm>
+          <a:prstGeom prst="upDownArrow">
+            <a:avLst>
+              <a:gd name="adj1" fmla="val 50000"/>
+              <a:gd name="adj2" fmla="val 50000"/>
+            </a:avLst>
+          </a:prstGeom>
+          <a:solidFill>
+            <a:schemeClr val="lt2"/>
+          </a:solidFill>
+          <a:ln w="9525" cap="flat" cmpd="sng">
+            <a:solidFill>
+              <a:schemeClr val="dk2"/>
+            </a:solidFill>
+            <a:prstDash val="solid"/>
+            <a:round/>
+            <a:headEnd type="none" w="med" len="med"/>
+            <a:tailEnd type="none" w="med" len="med"/>
+          </a:ln>
+        </p:spPr>
+        <p:txBody>
+          <a:bodyPr lIns="91425" tIns="91425" rIns="91425" bIns="91425" anchor="ctr" anchorCtr="0">
+            <a:noAutofit/>
+          </a:bodyPr>
+          <a:lstStyle/>
+          <a:p>
+            <a:pPr lvl="0">
+              <a:spcBef>
+                <a:spcPts val="0"/>
+              </a:spcBef>
+              <a:buNone/>
+            </a:pPr>
+            <a:endParaRPr/>
+          </a:p>
+        </p:txBody>
+      </p:sp>
+      <p:sp>
+        <p:nvSpPr>
+          <p:cNvPr id="211" name="Shape 211"/>
+          <p:cNvSpPr/>
+          <p:nvPr/>
+        </p:nvSpPr>
+        <p:spPr>
+          <a:xfrm>
+            <a:off x="630012" y="4409750"/>
+            <a:ext cx="223200" cy="1571400"/>
+          </a:xfrm>
+          <a:prstGeom prst="upDownArrow">
+            <a:avLst>
+              <a:gd name="adj1" fmla="val 50000"/>
+              <a:gd name="adj2" fmla="val 50000"/>
+            </a:avLst>
+          </a:prstGeom>
+          <a:solidFill>
+            <a:schemeClr val="lt2"/>
+          </a:solidFill>
+          <a:ln w="9525" cap="flat" cmpd="sng">
+            <a:solidFill>
+              <a:schemeClr val="dk2"/>
+            </a:solidFill>
+            <a:prstDash val="solid"/>
+            <a:round/>
+            <a:headEnd type="none" w="med" len="med"/>
+            <a:tailEnd type="none" w="med" len="med"/>
+          </a:ln>
+        </p:spPr>
+        <p:txBody>
+          <a:bodyPr lIns="91425" tIns="91425" rIns="91425" bIns="91425" anchor="ctr" anchorCtr="0">
+            <a:noAutofit/>
+          </a:bodyPr>
+          <a:lstStyle/>
+          <a:p>
+            <a:pPr lvl="0">
+              <a:spcBef>
+                <a:spcPts val="0"/>
+              </a:spcBef>
+              <a:buNone/>
+            </a:pPr>
+            <a:endParaRPr/>
+          </a:p>
+        </p:txBody>
+      </p:sp>
+      <p:sp>
+        <p:nvSpPr>
+          <p:cNvPr id="212" name="Shape 212"/>
+          <p:cNvSpPr/>
+          <p:nvPr/>
+        </p:nvSpPr>
+        <p:spPr>
+          <a:xfrm rot="-5400000">
+            <a:off x="2133550" y="3045150"/>
+            <a:ext cx="2003700" cy="769500"/>
+          </a:xfrm>
+          <a:prstGeom prst="rect">
+            <a:avLst/>
+          </a:prstGeom>
+          <a:solidFill>
+            <a:schemeClr val="accent1"/>
+          </a:solidFill>
+          <a:ln>
+            <a:noFill/>
+          </a:ln>
+        </p:spPr>
+        <p:txBody>
+          <a:bodyPr lIns="91425" tIns="91425" rIns="91425" bIns="91425" anchor="ctr" anchorCtr="0">
+            <a:noAutofit/>
+          </a:bodyPr>
+          <a:lstStyle/>
+          <a:p>
+            <a:pPr marL="0" marR="0" lvl="0" indent="0" algn="ctr" rtl="0">
+              <a:lnSpc>
+                <a:spcPct val="100000"/>
+              </a:lnSpc>
+              <a:spcBef>
+                <a:spcPts val="0"/>
+              </a:spcBef>
+              <a:spcAft>
+                <a:spcPts val="0"/>
+              </a:spcAft>
+              <a:buNone/>
+            </a:pPr>
+            <a:r>
+              <a:rPr lang="en-US" sz="2400" b="1">
+                <a:latin typeface="Calibri"/>
+                <a:ea typeface="Calibri"/>
+                <a:cs typeface="Calibri"/>
+                <a:sym typeface="Calibri"/>
+              </a:rPr>
+              <a:t>Map Controller</a:t>
+            </a:r>
+          </a:p>
+        </p:txBody>
+      </p:sp>
+      <p:sp>
+        <p:nvSpPr>
+          <p:cNvPr id="213" name="Shape 213"/>
+          <p:cNvSpPr/>
+          <p:nvPr/>
+        </p:nvSpPr>
+        <p:spPr>
+          <a:xfrm>
+            <a:off x="3023800" y="1948950"/>
+            <a:ext cx="223200" cy="477300"/>
+          </a:xfrm>
+          <a:prstGeom prst="upDownArrow">
+            <a:avLst>
+              <a:gd name="adj1" fmla="val 50000"/>
+              <a:gd name="adj2" fmla="val 50000"/>
+            </a:avLst>
+          </a:prstGeom>
+          <a:solidFill>
+            <a:schemeClr val="lt2"/>
+          </a:solidFill>
+          <a:ln w="9525" cap="flat" cmpd="sng">
+            <a:solidFill>
+              <a:schemeClr val="dk2"/>
+            </a:solidFill>
+            <a:prstDash val="solid"/>
+            <a:round/>
+            <a:headEnd type="none" w="med" len="med"/>
+            <a:tailEnd type="none" w="med" len="med"/>
+          </a:ln>
+        </p:spPr>
+        <p:txBody>
+          <a:bodyPr lIns="91425" tIns="91425" rIns="91425" bIns="91425" anchor="ctr" anchorCtr="0">
+            <a:noAutofit/>
+          </a:bodyPr>
+          <a:lstStyle/>
+          <a:p>
+            <a:pPr lvl="0">
+              <a:spcBef>
+                <a:spcPts val="0"/>
+              </a:spcBef>
+              <a:buNone/>
+            </a:pPr>
+            <a:endParaRPr/>
+          </a:p>
+        </p:txBody>
+      </p:sp>
+      <p:sp>
+        <p:nvSpPr>
+          <p:cNvPr id="214" name="Shape 214"/>
+          <p:cNvSpPr/>
+          <p:nvPr/>
+        </p:nvSpPr>
+        <p:spPr>
+          <a:xfrm>
+            <a:off x="969000" y="4893825"/>
+            <a:ext cx="7566300" cy="684300"/>
+          </a:xfrm>
+          <a:prstGeom prst="rect">
+            <a:avLst/>
+          </a:prstGeom>
+          <a:solidFill>
+            <a:srgbClr val="F1C232"/>
+          </a:solidFill>
+          <a:ln>
+            <a:noFill/>
+          </a:ln>
+        </p:spPr>
+        <p:txBody>
+          <a:bodyPr lIns="91425" tIns="91425" rIns="91425" bIns="91425" anchor="ctr" anchorCtr="0">
+            <a:noAutofit/>
+          </a:bodyPr>
+          <a:lstStyle/>
+          <a:p>
+            <a:pPr marL="0" marR="0" lvl="0" indent="0" algn="ctr" rtl="0">
+              <a:lnSpc>
+                <a:spcPct val="100000"/>
+              </a:lnSpc>
+              <a:spcBef>
+                <a:spcPts val="0"/>
+              </a:spcBef>
+              <a:spcAft>
+                <a:spcPts val="0"/>
+              </a:spcAft>
+              <a:buNone/>
+            </a:pPr>
+            <a:r>
+              <a:rPr lang="en-US" sz="2400" b="1">
+                <a:solidFill>
+                  <a:schemeClr val="dk1"/>
+                </a:solidFill>
+                <a:latin typeface="Calibri"/>
+                <a:ea typeface="Calibri"/>
+                <a:cs typeface="Calibri"/>
+                <a:sym typeface="Calibri"/>
+              </a:rPr>
+              <a:t>Google Maps API</a:t>
+            </a:r>
+            <a:r>
+              <a:rPr lang="en-US" sz="2400" b="1">
+                <a:latin typeface="Calibri"/>
+                <a:ea typeface="Calibri"/>
+                <a:cs typeface="Calibri"/>
+                <a:sym typeface="Calibri"/>
+              </a:rPr>
+              <a:t> (+Geocoding)</a:t>
+            </a:r>
+          </a:p>
+        </p:txBody>
+      </p:sp>
+      <p:sp>
+        <p:nvSpPr>
+          <p:cNvPr id="215" name="Shape 215"/>
+          <p:cNvSpPr/>
+          <p:nvPr/>
+        </p:nvSpPr>
+        <p:spPr>
+          <a:xfrm>
+            <a:off x="1154787" y="4409750"/>
+            <a:ext cx="223200" cy="477300"/>
+          </a:xfrm>
+          <a:prstGeom prst="upDownArrow">
+            <a:avLst>
+              <a:gd name="adj1" fmla="val 50000"/>
+              <a:gd name="adj2" fmla="val 50000"/>
+            </a:avLst>
+          </a:prstGeom>
+          <a:solidFill>
+            <a:schemeClr val="lt2"/>
+          </a:solidFill>
+          <a:ln w="9525" cap="flat" cmpd="sng">
+            <a:solidFill>
+              <a:schemeClr val="dk2"/>
+            </a:solidFill>
+            <a:prstDash val="solid"/>
+            <a:round/>
+            <a:headEnd type="none" w="med" len="med"/>
+            <a:tailEnd type="none" w="med" len="med"/>
+          </a:ln>
+        </p:spPr>
+        <p:txBody>
+          <a:bodyPr lIns="91425" tIns="91425" rIns="91425" bIns="91425" anchor="ctr" anchorCtr="0">
+            <a:noAutofit/>
+          </a:bodyPr>
+          <a:lstStyle/>
+          <a:p>
+            <a:pPr lvl="0">
+              <a:spcBef>
+                <a:spcPts val="0"/>
+              </a:spcBef>
+              <a:buNone/>
+            </a:pPr>
+            <a:endParaRPr/>
           </a:p>
         </p:txBody>
       </p:sp>
     </p:spTree>
     <p:extLst>
       <p:ext uri="{BB962C8B-B14F-4D97-AF65-F5344CB8AC3E}">
-        <p14:creationId xmlns:p14="http://schemas.microsoft.com/office/powerpoint/2010/main" val="2209017670"/>
+        <p14:creationId xmlns:p14="http://schemas.microsoft.com/office/powerpoint/2010/main" val="3703303066"/>
       </p:ext>
     </p:extLst>
   </p:cSld>
   <p:clrMapOvr>
     <a:masterClrMapping/>
   </p:clrMapOvr>
-  <p:timing>
-    <p:tnLst>
-      <p:par>
-        <p:cTn id="1" dur="indefinite" restart="never" nodeType="tmRoot"/>
-      </p:par>
-    </p:tnLst>
-  </p:timing>
 </p:sld>
 </file>
 
@@ -4755,7 +10499,7 @@
   <p:cSld>
     <p:spTree>
       <p:nvGrpSpPr>
-        <p:cNvPr id="1" name=""/>
+        <p:cNvPr id="1" name="Shape 219"/>
         <p:cNvGrpSpPr/>
         <p:nvPr/>
       </p:nvGrpSpPr>
@@ -4769,7 +10513,7 @@
       </p:grpSpPr>
       <p:sp>
         <p:nvSpPr>
-          <p:cNvPr id="2" name="Прямоугольник 1"/>
+          <p:cNvPr id="220" name="Shape 220"/>
           <p:cNvSpPr/>
           <p:nvPr/>
         </p:nvSpPr>
@@ -4781,82 +10525,454 @@
           <a:prstGeom prst="rect">
             <a:avLst/>
           </a:prstGeom>
-          <a:gradFill flip="none" rotWithShape="1">
+          <a:gradFill>
             <a:gsLst>
               <a:gs pos="0">
-                <a:schemeClr val="accent3">
-                  <a:lumMod val="5000"/>
-                  <a:lumOff val="95000"/>
-                </a:schemeClr>
+                <a:srgbClr val="FAFAFA"/>
               </a:gs>
               <a:gs pos="74000">
-                <a:schemeClr val="accent3">
-                  <a:lumMod val="45000"/>
-                  <a:lumOff val="55000"/>
-                </a:schemeClr>
+                <a:srgbClr val="D6D6D6"/>
               </a:gs>
               <a:gs pos="83000">
-                <a:schemeClr val="accent3">
-                  <a:lumMod val="45000"/>
-                  <a:lumOff val="55000"/>
-                </a:schemeClr>
+                <a:srgbClr val="D6D6D6"/>
               </a:gs>
               <a:gs pos="100000">
-                <a:schemeClr val="accent3">
-                  <a:lumMod val="30000"/>
-                  <a:lumOff val="70000"/>
-                </a:schemeClr>
+                <a:srgbClr val="E3E3E3"/>
               </a:gs>
             </a:gsLst>
-            <a:lin ang="5400000" scaled="1"/>
-            <a:tileRect/>
+            <a:lin ang="5400000" scaled="0"/>
           </a:gradFill>
           <a:ln>
             <a:noFill/>
           </a:ln>
         </p:spPr>
-        <p:style>
-          <a:lnRef idx="2">
-            <a:schemeClr val="accent1">
-              <a:shade val="50000"/>
-            </a:schemeClr>
-          </a:lnRef>
-          <a:fillRef idx="1">
-            <a:schemeClr val="accent1"/>
-          </a:fillRef>
-          <a:effectRef idx="0">
-            <a:schemeClr val="accent1"/>
-          </a:effectRef>
-          <a:fontRef idx="minor">
-            <a:schemeClr val="lt1"/>
-          </a:fontRef>
-        </p:style>
-        <p:txBody>
-          <a:bodyPr rtlCol="0" anchor="ctr"/>
-          <a:lstStyle/>
-          <a:p>
-            <a:pPr algn="ctr"/>
-            <a:endParaRPr lang="ru-RU"/>
+        <p:txBody>
+          <a:bodyPr lIns="91425" tIns="45700" rIns="91425" bIns="45700" anchor="ctr" anchorCtr="0">
+            <a:noAutofit/>
+          </a:bodyPr>
+          <a:lstStyle/>
+          <a:p>
+            <a:pPr marL="0" marR="0" lvl="0" indent="0" algn="ctr" rtl="0">
+              <a:spcBef>
+                <a:spcPts val="0"/>
+              </a:spcBef>
+              <a:buNone/>
+            </a:pPr>
+            <a:endParaRPr sz="1800">
+              <a:solidFill>
+                <a:schemeClr val="lt1"/>
+              </a:solidFill>
+              <a:latin typeface="Calibri"/>
+              <a:ea typeface="Calibri"/>
+              <a:cs typeface="Calibri"/>
+              <a:sym typeface="Calibri"/>
+            </a:endParaRPr>
+          </a:p>
+        </p:txBody>
+      </p:sp>
+      <p:sp>
+        <p:nvSpPr>
+          <p:cNvPr id="222" name="Shape 222"/>
+          <p:cNvSpPr txBox="1"/>
+          <p:nvPr/>
+        </p:nvSpPr>
+        <p:spPr>
+          <a:xfrm>
+            <a:off x="969825" y="720425"/>
+            <a:ext cx="7450500" cy="769500"/>
+          </a:xfrm>
+          <a:prstGeom prst="rect">
+            <a:avLst/>
+          </a:prstGeom>
+          <a:noFill/>
+          <a:ln>
+            <a:noFill/>
+          </a:ln>
+        </p:spPr>
+        <p:txBody>
+          <a:bodyPr lIns="91425" tIns="45700" rIns="91425" bIns="45700" anchor="t" anchorCtr="0">
+            <a:noAutofit/>
+          </a:bodyPr>
+          <a:lstStyle/>
+          <a:p>
+            <a:pPr marL="0" marR="0" lvl="0" indent="0" algn="l" rtl="0">
+              <a:spcBef>
+                <a:spcPts val="0"/>
+              </a:spcBef>
+              <a:buSzPct val="25000"/>
+              <a:buNone/>
+            </a:pPr>
+            <a:r>
+              <a:rPr lang="en-US" sz="4400" b="1">
+                <a:solidFill>
+                  <a:srgbClr val="04333E"/>
+                </a:solidFill>
+                <a:latin typeface="Calibri"/>
+                <a:ea typeface="Calibri"/>
+                <a:cs typeface="Calibri"/>
+                <a:sym typeface="Calibri"/>
+              </a:rPr>
+              <a:t>Used Technologies / Modules</a:t>
+            </a:r>
+          </a:p>
+        </p:txBody>
+      </p:sp>
+      <p:sp>
+        <p:nvSpPr>
+          <p:cNvPr id="223" name="Shape 223"/>
+          <p:cNvSpPr txBox="1"/>
+          <p:nvPr/>
+        </p:nvSpPr>
+        <p:spPr>
+          <a:xfrm>
+            <a:off x="743525" y="2053924"/>
+            <a:ext cx="6831300" cy="4522799"/>
+          </a:xfrm>
+          <a:prstGeom prst="rect">
+            <a:avLst/>
+          </a:prstGeom>
+          <a:noFill/>
+          <a:ln>
+            <a:noFill/>
+          </a:ln>
+        </p:spPr>
+        <p:txBody>
+          <a:bodyPr lIns="91425" tIns="45700" rIns="91425" bIns="45700" anchor="t" anchorCtr="0">
+            <a:noAutofit/>
+          </a:bodyPr>
+          <a:lstStyle/>
+          <a:p>
+            <a:pPr marL="285750" lvl="0" indent="-285750" rtl="0">
+              <a:lnSpc>
+                <a:spcPct val="150000"/>
+              </a:lnSpc>
+              <a:spcBef>
+                <a:spcPts val="0"/>
+              </a:spcBef>
+              <a:buClr>
+                <a:srgbClr val="04333E"/>
+              </a:buClr>
+              <a:buSzPct val="100000"/>
+              <a:buFont typeface="Arial"/>
+              <a:buChar char="•"/>
+            </a:pPr>
+            <a:r>
+              <a:rPr lang="en-US" sz="2400" b="1">
+                <a:solidFill>
+                  <a:srgbClr val="04333E"/>
+                </a:solidFill>
+                <a:latin typeface="Calibri"/>
+                <a:ea typeface="Calibri"/>
+                <a:cs typeface="Calibri"/>
+                <a:sym typeface="Calibri"/>
+              </a:rPr>
+              <a:t>TypeScript </a:t>
+            </a:r>
+            <a:r>
+              <a:rPr lang="en-US" sz="2400">
+                <a:solidFill>
+                  <a:srgbClr val="04333E"/>
+                </a:solidFill>
+                <a:latin typeface="Calibri"/>
+                <a:ea typeface="Calibri"/>
+                <a:cs typeface="Calibri"/>
+                <a:sym typeface="Calibri"/>
+              </a:rPr>
+              <a:t>- programming language that extends JS</a:t>
+            </a:r>
+          </a:p>
+          <a:p>
+            <a:pPr marL="285750" lvl="0" indent="-285750" rtl="0">
+              <a:lnSpc>
+                <a:spcPct val="150000"/>
+              </a:lnSpc>
+              <a:spcBef>
+                <a:spcPts val="0"/>
+              </a:spcBef>
+              <a:buClr>
+                <a:srgbClr val="04333E"/>
+              </a:buClr>
+              <a:buSzPct val="100000"/>
+              <a:buFont typeface="Arial"/>
+              <a:buChar char="•"/>
+            </a:pPr>
+            <a:r>
+              <a:rPr lang="en-US" sz="2400" b="1">
+                <a:solidFill>
+                  <a:srgbClr val="04333E"/>
+                </a:solidFill>
+                <a:latin typeface="Calibri"/>
+                <a:ea typeface="Calibri"/>
+                <a:cs typeface="Calibri"/>
+                <a:sym typeface="Calibri"/>
+              </a:rPr>
+              <a:t>Require.JS</a:t>
+            </a:r>
+            <a:r>
+              <a:rPr lang="en-US" sz="2400">
+                <a:solidFill>
+                  <a:srgbClr val="04333E"/>
+                </a:solidFill>
+                <a:latin typeface="Calibri"/>
+                <a:ea typeface="Calibri"/>
+                <a:cs typeface="Calibri"/>
+                <a:sym typeface="Calibri"/>
+              </a:rPr>
+              <a:t> - async JS dependency injector</a:t>
+            </a:r>
+          </a:p>
+          <a:p>
+            <a:pPr marL="285750" lvl="0" indent="-285750" rtl="0">
+              <a:lnSpc>
+                <a:spcPct val="150000"/>
+              </a:lnSpc>
+              <a:spcBef>
+                <a:spcPts val="0"/>
+              </a:spcBef>
+              <a:buClr>
+                <a:srgbClr val="04333E"/>
+              </a:buClr>
+              <a:buSzPct val="100000"/>
+              <a:buFont typeface="Arial"/>
+              <a:buChar char="•"/>
+            </a:pPr>
+            <a:r>
+              <a:rPr lang="en-US" sz="2400" b="1">
+                <a:solidFill>
+                  <a:srgbClr val="04333E"/>
+                </a:solidFill>
+                <a:latin typeface="Calibri"/>
+                <a:ea typeface="Calibri"/>
+                <a:cs typeface="Calibri"/>
+                <a:sym typeface="Calibri"/>
+              </a:rPr>
+              <a:t>jQuery </a:t>
+            </a:r>
+            <a:r>
+              <a:rPr lang="en-US" sz="2400">
+                <a:solidFill>
+                  <a:srgbClr val="04333E"/>
+                </a:solidFill>
+                <a:latin typeface="Calibri"/>
+                <a:ea typeface="Calibri"/>
+                <a:cs typeface="Calibri"/>
+                <a:sym typeface="Calibri"/>
+              </a:rPr>
+              <a:t>- frontend JS framework</a:t>
+            </a:r>
+          </a:p>
+          <a:p>
+            <a:pPr marL="285750" lvl="0" indent="-285750" rtl="0">
+              <a:lnSpc>
+                <a:spcPct val="150000"/>
+              </a:lnSpc>
+              <a:spcBef>
+                <a:spcPts val="0"/>
+              </a:spcBef>
+              <a:buClr>
+                <a:srgbClr val="04333E"/>
+              </a:buClr>
+              <a:buSzPct val="100000"/>
+              <a:buFont typeface="Arial"/>
+              <a:buChar char="•"/>
+            </a:pPr>
+            <a:r>
+              <a:rPr lang="en-US" sz="2400" b="1">
+                <a:solidFill>
+                  <a:srgbClr val="04333E"/>
+                </a:solidFill>
+                <a:latin typeface="Calibri"/>
+                <a:ea typeface="Calibri"/>
+                <a:cs typeface="Calibri"/>
+                <a:sym typeface="Calibri"/>
+              </a:rPr>
+              <a:t>Bootstrap </a:t>
+            </a:r>
+            <a:r>
+              <a:rPr lang="en-US" sz="2400">
+                <a:solidFill>
+                  <a:srgbClr val="04333E"/>
+                </a:solidFill>
+                <a:latin typeface="Calibri"/>
+                <a:ea typeface="Calibri"/>
+                <a:cs typeface="Calibri"/>
+                <a:sym typeface="Calibri"/>
+              </a:rPr>
+              <a:t>- CSS styling framework </a:t>
+            </a:r>
+          </a:p>
+          <a:p>
+            <a:pPr marL="285750" lvl="0" indent="-285750" rtl="0">
+              <a:lnSpc>
+                <a:spcPct val="150000"/>
+              </a:lnSpc>
+              <a:spcBef>
+                <a:spcPts val="0"/>
+              </a:spcBef>
+              <a:buClr>
+                <a:srgbClr val="04333E"/>
+              </a:buClr>
+              <a:buSzPct val="100000"/>
+              <a:buFont typeface="Arial"/>
+              <a:buChar char="•"/>
+            </a:pPr>
+            <a:r>
+              <a:rPr lang="en-US" sz="2400" b="1">
+                <a:solidFill>
+                  <a:srgbClr val="04333E"/>
+                </a:solidFill>
+                <a:latin typeface="Calibri"/>
+                <a:ea typeface="Calibri"/>
+                <a:cs typeface="Calibri"/>
+                <a:sym typeface="Calibri"/>
+              </a:rPr>
+              <a:t>MMenu </a:t>
+            </a:r>
+            <a:r>
+              <a:rPr lang="en-US" sz="2400">
+                <a:solidFill>
+                  <a:srgbClr val="04333E"/>
+                </a:solidFill>
+                <a:latin typeface="Calibri"/>
+                <a:ea typeface="Calibri"/>
+                <a:cs typeface="Calibri"/>
+                <a:sym typeface="Calibri"/>
+              </a:rPr>
+              <a:t>(jQuery Module) - mobile style navigation</a:t>
+            </a:r>
+          </a:p>
+          <a:p>
+            <a:pPr marL="285750" lvl="0" indent="-285750" rtl="0">
+              <a:lnSpc>
+                <a:spcPct val="150000"/>
+              </a:lnSpc>
+              <a:spcBef>
+                <a:spcPts val="0"/>
+              </a:spcBef>
+              <a:buClr>
+                <a:srgbClr val="04333E"/>
+              </a:buClr>
+              <a:buSzPct val="100000"/>
+              <a:buFont typeface="Arial"/>
+              <a:buChar char="•"/>
+            </a:pPr>
+            <a:r>
+              <a:rPr lang="en-US" sz="2400" b="1">
+                <a:solidFill>
+                  <a:srgbClr val="04333E"/>
+                </a:solidFill>
+                <a:latin typeface="Calibri"/>
+                <a:ea typeface="Calibri"/>
+                <a:cs typeface="Calibri"/>
+                <a:sym typeface="Calibri"/>
+              </a:rPr>
+              <a:t>Toast </a:t>
+            </a:r>
+            <a:r>
+              <a:rPr lang="en-US" sz="2400">
+                <a:solidFill>
+                  <a:srgbClr val="04333E"/>
+                </a:solidFill>
+                <a:latin typeface="Calibri"/>
+                <a:ea typeface="Calibri"/>
+                <a:cs typeface="Calibri"/>
+                <a:sym typeface="Calibri"/>
+              </a:rPr>
+              <a:t>(jQuery Module) - information popups</a:t>
+            </a:r>
+          </a:p>
+          <a:p>
+            <a:pPr marL="285750" lvl="0" indent="-285750" rtl="0">
+              <a:lnSpc>
+                <a:spcPct val="150000"/>
+              </a:lnSpc>
+              <a:spcBef>
+                <a:spcPts val="0"/>
+              </a:spcBef>
+              <a:buClr>
+                <a:srgbClr val="04333E"/>
+              </a:buClr>
+              <a:buSzPct val="100000"/>
+              <a:buFont typeface="Arial"/>
+              <a:buChar char="•"/>
+            </a:pPr>
+            <a:r>
+              <a:rPr lang="en-US" sz="2400" b="1">
+                <a:solidFill>
+                  <a:srgbClr val="04333E"/>
+                </a:solidFill>
+                <a:latin typeface="Calibri"/>
+                <a:ea typeface="Calibri"/>
+                <a:cs typeface="Calibri"/>
+                <a:sym typeface="Calibri"/>
+              </a:rPr>
+              <a:t>Validate </a:t>
+            </a:r>
+            <a:r>
+              <a:rPr lang="en-US" sz="2400">
+                <a:solidFill>
+                  <a:srgbClr val="04333E"/>
+                </a:solidFill>
+                <a:latin typeface="Calibri"/>
+                <a:ea typeface="Calibri"/>
+                <a:cs typeface="Calibri"/>
+                <a:sym typeface="Calibri"/>
+              </a:rPr>
+              <a:t>(jQuery Module) - form validation</a:t>
+            </a:r>
+          </a:p>
+          <a:p>
+            <a:pPr marL="285750" lvl="0" indent="-285750" rtl="0">
+              <a:lnSpc>
+                <a:spcPct val="150000"/>
+              </a:lnSpc>
+              <a:spcBef>
+                <a:spcPts val="0"/>
+              </a:spcBef>
+              <a:buClr>
+                <a:srgbClr val="04333E"/>
+              </a:buClr>
+              <a:buSzPct val="100000"/>
+              <a:buFont typeface="Arial"/>
+              <a:buChar char="•"/>
+            </a:pPr>
+            <a:r>
+              <a:rPr lang="en-US" sz="2400" b="1">
+                <a:solidFill>
+                  <a:srgbClr val="04333E"/>
+                </a:solidFill>
+                <a:latin typeface="Calibri"/>
+                <a:ea typeface="Calibri"/>
+                <a:cs typeface="Calibri"/>
+                <a:sym typeface="Calibri"/>
+              </a:rPr>
+              <a:t>FeatherLight </a:t>
+            </a:r>
+            <a:r>
+              <a:rPr lang="en-US" sz="2400">
+                <a:solidFill>
+                  <a:srgbClr val="04333E"/>
+                </a:solidFill>
+                <a:latin typeface="Calibri"/>
+                <a:ea typeface="Calibri"/>
+                <a:cs typeface="Calibri"/>
+                <a:sym typeface="Calibri"/>
+              </a:rPr>
+              <a:t>(jQuery Module) - image gallery</a:t>
+            </a:r>
           </a:p>
         </p:txBody>
       </p:sp>
     </p:spTree>
     <p:extLst>
       <p:ext uri="{BB962C8B-B14F-4D97-AF65-F5344CB8AC3E}">
-        <p14:creationId xmlns:p14="http://schemas.microsoft.com/office/powerpoint/2010/main" val="3791163873"/>
+        <p14:creationId xmlns:p14="http://schemas.microsoft.com/office/powerpoint/2010/main" val="4026276179"/>
       </p:ext>
     </p:extLst>
   </p:cSld>
   <p:clrMapOvr>
     <a:masterClrMapping/>
   </p:clrMapOvr>
-  <p:timing>
-    <p:tnLst>
-      <p:par>
-        <p:cTn id="1" dur="indefinite" restart="never" nodeType="tmRoot"/>
-      </p:par>
-    </p:tnLst>
-  </p:timing>
 </p:sld>
 </file>
 
@@ -4865,7 +10981,7 @@
   <p:cSld>
     <p:spTree>
       <p:nvGrpSpPr>
-        <p:cNvPr id="1" name=""/>
+        <p:cNvPr id="1" name="Shape 227"/>
         <p:cNvGrpSpPr/>
         <p:nvPr/>
       </p:nvGrpSpPr>
@@ -4879,7 +10995,7 @@
       </p:grpSpPr>
       <p:sp>
         <p:nvSpPr>
-          <p:cNvPr id="2" name="Прямоугольник 1"/>
+          <p:cNvPr id="228" name="Shape 228"/>
           <p:cNvSpPr/>
           <p:nvPr/>
         </p:nvSpPr>
@@ -4891,82 +11007,318 @@
           <a:prstGeom prst="rect">
             <a:avLst/>
           </a:prstGeom>
-          <a:gradFill flip="none" rotWithShape="1">
+          <a:gradFill>
             <a:gsLst>
               <a:gs pos="0">
-                <a:schemeClr val="accent3">
-                  <a:lumMod val="5000"/>
-                  <a:lumOff val="95000"/>
-                </a:schemeClr>
+                <a:srgbClr val="FAFAFA"/>
               </a:gs>
               <a:gs pos="74000">
-                <a:schemeClr val="accent3">
-                  <a:lumMod val="45000"/>
-                  <a:lumOff val="55000"/>
-                </a:schemeClr>
+                <a:srgbClr val="D6D6D6"/>
               </a:gs>
               <a:gs pos="83000">
-                <a:schemeClr val="accent3">
-                  <a:lumMod val="45000"/>
-                  <a:lumOff val="55000"/>
-                </a:schemeClr>
+                <a:srgbClr val="D6D6D6"/>
               </a:gs>
               <a:gs pos="100000">
-                <a:schemeClr val="accent3">
-                  <a:lumMod val="30000"/>
-                  <a:lumOff val="70000"/>
-                </a:schemeClr>
+                <a:srgbClr val="E3E3E3"/>
               </a:gs>
             </a:gsLst>
-            <a:lin ang="5400000" scaled="1"/>
-            <a:tileRect/>
+            <a:lin ang="5400000" scaled="0"/>
           </a:gradFill>
           <a:ln>
             <a:noFill/>
           </a:ln>
         </p:spPr>
-        <p:style>
-          <a:lnRef idx="2">
-            <a:schemeClr val="accent1">
-              <a:shade val="50000"/>
-            </a:schemeClr>
-          </a:lnRef>
-          <a:fillRef idx="1">
-            <a:schemeClr val="accent1"/>
-          </a:fillRef>
-          <a:effectRef idx="0">
-            <a:schemeClr val="accent1"/>
-          </a:effectRef>
-          <a:fontRef idx="minor">
-            <a:schemeClr val="lt1"/>
-          </a:fontRef>
-        </p:style>
-        <p:txBody>
-          <a:bodyPr rtlCol="0" anchor="ctr"/>
-          <a:lstStyle/>
-          <a:p>
-            <a:pPr algn="ctr"/>
-            <a:endParaRPr lang="ru-RU"/>
+        <p:txBody>
+          <a:bodyPr lIns="91425" tIns="45700" rIns="91425" bIns="45700" anchor="ctr" anchorCtr="0">
+            <a:noAutofit/>
+          </a:bodyPr>
+          <a:lstStyle/>
+          <a:p>
+            <a:pPr marL="0" marR="0" lvl="0" indent="0" algn="ctr" rtl="0">
+              <a:spcBef>
+                <a:spcPts val="0"/>
+              </a:spcBef>
+              <a:buNone/>
+            </a:pPr>
+            <a:endParaRPr sz="1800">
+              <a:solidFill>
+                <a:schemeClr val="lt1"/>
+              </a:solidFill>
+              <a:latin typeface="Calibri"/>
+              <a:ea typeface="Calibri"/>
+              <a:cs typeface="Calibri"/>
+              <a:sym typeface="Calibri"/>
+            </a:endParaRPr>
+          </a:p>
+        </p:txBody>
+      </p:sp>
+      <p:pic>
+        <p:nvPicPr>
+          <p:cNvPr id="229" name="Shape 229"/>
+          <p:cNvPicPr preferRelativeResize="0"/>
+          <p:nvPr/>
+        </p:nvPicPr>
+        <p:blipFill rotWithShape="1">
+          <a:blip r:embed="rId3">
+            <a:alphaModFix/>
+          </a:blip>
+          <a:srcRect/>
+          <a:stretch/>
+        </p:blipFill>
+        <p:spPr>
+          <a:xfrm>
+            <a:off x="0" y="1"/>
+            <a:ext cx="9157800" cy="6858000"/>
+          </a:xfrm>
+          <a:prstGeom prst="rect">
+            <a:avLst/>
+          </a:prstGeom>
+          <a:noFill/>
+          <a:ln>
+            <a:noFill/>
+          </a:ln>
+        </p:spPr>
+      </p:pic>
+      <p:sp>
+        <p:nvSpPr>
+          <p:cNvPr id="230" name="Shape 230"/>
+          <p:cNvSpPr txBox="1"/>
+          <p:nvPr/>
+        </p:nvSpPr>
+        <p:spPr>
+          <a:xfrm>
+            <a:off x="969825" y="720425"/>
+            <a:ext cx="7450500" cy="769500"/>
+          </a:xfrm>
+          <a:prstGeom prst="rect">
+            <a:avLst/>
+          </a:prstGeom>
+          <a:noFill/>
+          <a:ln>
+            <a:noFill/>
+          </a:ln>
+        </p:spPr>
+        <p:txBody>
+          <a:bodyPr lIns="91425" tIns="45700" rIns="91425" bIns="45700" anchor="t" anchorCtr="0">
+            <a:noAutofit/>
+          </a:bodyPr>
+          <a:lstStyle/>
+          <a:p>
+            <a:pPr marL="0" marR="0" lvl="0" indent="0" algn="l" rtl="0">
+              <a:spcBef>
+                <a:spcPts val="0"/>
+              </a:spcBef>
+              <a:buSzPct val="25000"/>
+              <a:buNone/>
+            </a:pPr>
+            <a:r>
+              <a:rPr lang="en-US" sz="4400" b="1">
+                <a:solidFill>
+                  <a:srgbClr val="04333E"/>
+                </a:solidFill>
+                <a:latin typeface="Calibri"/>
+                <a:ea typeface="Calibri"/>
+                <a:cs typeface="Calibri"/>
+                <a:sym typeface="Calibri"/>
+              </a:rPr>
+              <a:t>Why TypeScript</a:t>
+            </a:r>
+          </a:p>
+          <a:p>
+            <a:pPr marL="0" marR="0" lvl="0" indent="0" algn="l" rtl="0">
+              <a:spcBef>
+                <a:spcPts val="0"/>
+              </a:spcBef>
+              <a:buSzPct val="25000"/>
+              <a:buNone/>
+            </a:pPr>
+            <a:r>
+              <a:rPr lang="en-US" sz="4400" b="1">
+                <a:solidFill>
+                  <a:srgbClr val="04333E"/>
+                </a:solidFill>
+                <a:latin typeface="Calibri"/>
+                <a:ea typeface="Calibri"/>
+                <a:cs typeface="Calibri"/>
+                <a:sym typeface="Calibri"/>
+              </a:rPr>
+              <a:t>and what is Require.JS?</a:t>
+            </a:r>
+          </a:p>
+        </p:txBody>
+      </p:sp>
+      <p:pic>
+        <p:nvPicPr>
+          <p:cNvPr id="231" name="Shape 231"/>
+          <p:cNvPicPr preferRelativeResize="0"/>
+          <p:nvPr/>
+        </p:nvPicPr>
+        <p:blipFill>
+          <a:blip r:embed="rId4">
+            <a:alphaModFix/>
+          </a:blip>
+          <a:stretch>
+            <a:fillRect/>
+          </a:stretch>
+        </p:blipFill>
+        <p:spPr>
+          <a:xfrm>
+            <a:off x="6568237" y="4029225"/>
+            <a:ext cx="2689624" cy="1687124"/>
+          </a:xfrm>
+          <a:prstGeom prst="rect">
+            <a:avLst/>
+          </a:prstGeom>
+          <a:noFill/>
+          <a:ln>
+            <a:noFill/>
+          </a:ln>
+        </p:spPr>
+      </p:pic>
+      <p:pic>
+        <p:nvPicPr>
+          <p:cNvPr id="232" name="Shape 232"/>
+          <p:cNvPicPr preferRelativeResize="0"/>
+          <p:nvPr/>
+        </p:nvPicPr>
+        <p:blipFill>
+          <a:blip r:embed="rId5">
+            <a:alphaModFix/>
+          </a:blip>
+          <a:stretch>
+            <a:fillRect/>
+          </a:stretch>
+        </p:blipFill>
+        <p:spPr>
+          <a:xfrm>
+            <a:off x="6985018" y="2384675"/>
+            <a:ext cx="1856052" cy="1314450"/>
+          </a:xfrm>
+          <a:prstGeom prst="rect">
+            <a:avLst/>
+          </a:prstGeom>
+          <a:noFill/>
+          <a:ln>
+            <a:noFill/>
+          </a:ln>
+        </p:spPr>
+      </p:pic>
+      <p:sp>
+        <p:nvSpPr>
+          <p:cNvPr id="233" name="Shape 233"/>
+          <p:cNvSpPr txBox="1"/>
+          <p:nvPr/>
+        </p:nvSpPr>
+        <p:spPr>
+          <a:xfrm>
+            <a:off x="743525" y="2288550"/>
+            <a:ext cx="6241500" cy="4522800"/>
+          </a:xfrm>
+          <a:prstGeom prst="rect">
+            <a:avLst/>
+          </a:prstGeom>
+          <a:noFill/>
+          <a:ln>
+            <a:noFill/>
+          </a:ln>
+        </p:spPr>
+        <p:txBody>
+          <a:bodyPr lIns="91425" tIns="45700" rIns="91425" bIns="45700" anchor="t" anchorCtr="0">
+            <a:noAutofit/>
+          </a:bodyPr>
+          <a:lstStyle/>
+          <a:p>
+            <a:pPr marL="285750" lvl="0" indent="-285750" algn="just" rtl="0">
+              <a:lnSpc>
+                <a:spcPct val="150000"/>
+              </a:lnSpc>
+              <a:spcBef>
+                <a:spcPts val="0"/>
+              </a:spcBef>
+              <a:buClr>
+                <a:srgbClr val="04333E"/>
+              </a:buClr>
+              <a:buSzPct val="100000"/>
+              <a:buFont typeface="Arial"/>
+              <a:buChar char="•"/>
+            </a:pPr>
+            <a:r>
+              <a:rPr lang="en-US" sz="2400" b="1">
+                <a:solidFill>
+                  <a:srgbClr val="04333E"/>
+                </a:solidFill>
+                <a:latin typeface="Calibri"/>
+                <a:ea typeface="Calibri"/>
+                <a:cs typeface="Calibri"/>
+                <a:sym typeface="Calibri"/>
+              </a:rPr>
+              <a:t>TypeScript </a:t>
+            </a:r>
+            <a:r>
+              <a:rPr lang="en-US" sz="2400">
+                <a:solidFill>
+                  <a:srgbClr val="04333E"/>
+                </a:solidFill>
+                <a:latin typeface="Calibri"/>
+                <a:ea typeface="Calibri"/>
+                <a:cs typeface="Calibri"/>
+                <a:sym typeface="Calibri"/>
+              </a:rPr>
+              <a:t>- programming language that brings you optional static type-checking along with the latest ECMAScript features.</a:t>
+            </a:r>
+          </a:p>
+          <a:p>
+            <a:pPr marL="285750" lvl="0" indent="-285750" algn="just" rtl="0">
+              <a:lnSpc>
+                <a:spcPct val="150000"/>
+              </a:lnSpc>
+              <a:spcBef>
+                <a:spcPts val="0"/>
+              </a:spcBef>
+              <a:buClr>
+                <a:srgbClr val="04333E"/>
+              </a:buClr>
+              <a:buSzPct val="100000"/>
+              <a:buFont typeface="Arial"/>
+              <a:buChar char="•"/>
+            </a:pPr>
+            <a:r>
+              <a:rPr lang="en-US" sz="2400" b="1">
+                <a:solidFill>
+                  <a:srgbClr val="04333E"/>
+                </a:solidFill>
+                <a:latin typeface="Calibri"/>
+                <a:ea typeface="Calibri"/>
+                <a:cs typeface="Calibri"/>
+                <a:sym typeface="Calibri"/>
+              </a:rPr>
+              <a:t>Require.JS</a:t>
+            </a:r>
+            <a:r>
+              <a:rPr lang="en-US" sz="2400">
+                <a:solidFill>
+                  <a:srgbClr val="04333E"/>
+                </a:solidFill>
+                <a:latin typeface="Calibri"/>
+                <a:ea typeface="Calibri"/>
+                <a:cs typeface="Calibri"/>
+                <a:sym typeface="Calibri"/>
+              </a:rPr>
+              <a:t> - async JS dependency injector that loads modules by importing scripts using special code in the top of the module. It is very usefull when TypeScript is compiles with “--module AMD” parameter.</a:t>
+            </a:r>
           </a:p>
         </p:txBody>
       </p:sp>
     </p:spTree>
     <p:extLst>
       <p:ext uri="{BB962C8B-B14F-4D97-AF65-F5344CB8AC3E}">
-        <p14:creationId xmlns:p14="http://schemas.microsoft.com/office/powerpoint/2010/main" val="3570601996"/>
+        <p14:creationId xmlns:p14="http://schemas.microsoft.com/office/powerpoint/2010/main" val="1034054286"/>
       </p:ext>
     </p:extLst>
   </p:cSld>
   <p:clrMapOvr>
     <a:masterClrMapping/>
   </p:clrMapOvr>
-  <p:timing>
-    <p:tnLst>
-      <p:par>
-        <p:cTn id="1" dur="indefinite" restart="never" nodeType="tmRoot"/>
-      </p:par>
-    </p:tnLst>
-  </p:timing>
 </p:sld>
 </file>
 
@@ -4975,7 +11327,7 @@
   <p:cSld>
     <p:spTree>
       <p:nvGrpSpPr>
-        <p:cNvPr id="1" name=""/>
+        <p:cNvPr id="1" name="Shape 237"/>
         <p:cNvGrpSpPr/>
         <p:nvPr/>
       </p:nvGrpSpPr>
@@ -4989,7 +11341,7 @@
       </p:grpSpPr>
       <p:sp>
         <p:nvSpPr>
-          <p:cNvPr id="2" name="Прямоугольник 1"/>
+          <p:cNvPr id="238" name="Shape 238"/>
           <p:cNvSpPr/>
           <p:nvPr/>
         </p:nvSpPr>
@@ -5001,82 +11353,108 @@
           <a:prstGeom prst="rect">
             <a:avLst/>
           </a:prstGeom>
-          <a:gradFill flip="none" rotWithShape="1">
+          <a:gradFill>
             <a:gsLst>
               <a:gs pos="0">
-                <a:schemeClr val="accent3">
-                  <a:lumMod val="5000"/>
-                  <a:lumOff val="95000"/>
-                </a:schemeClr>
+                <a:srgbClr val="FAFAFA"/>
               </a:gs>
               <a:gs pos="74000">
-                <a:schemeClr val="accent3">
-                  <a:lumMod val="45000"/>
-                  <a:lumOff val="55000"/>
-                </a:schemeClr>
+                <a:srgbClr val="D6D6D6"/>
               </a:gs>
               <a:gs pos="83000">
-                <a:schemeClr val="accent3">
-                  <a:lumMod val="45000"/>
-                  <a:lumOff val="55000"/>
-                </a:schemeClr>
+                <a:srgbClr val="D6D6D6"/>
               </a:gs>
               <a:gs pos="100000">
-                <a:schemeClr val="accent3">
-                  <a:lumMod val="30000"/>
-                  <a:lumOff val="70000"/>
-                </a:schemeClr>
+                <a:srgbClr val="E3E3E3"/>
               </a:gs>
             </a:gsLst>
-            <a:lin ang="5400000" scaled="1"/>
-            <a:tileRect/>
+            <a:lin ang="5400012" scaled="0"/>
           </a:gradFill>
           <a:ln>
             <a:noFill/>
           </a:ln>
         </p:spPr>
-        <p:style>
-          <a:lnRef idx="2">
-            <a:schemeClr val="accent1">
-              <a:shade val="50000"/>
-            </a:schemeClr>
-          </a:lnRef>
-          <a:fillRef idx="1">
-            <a:schemeClr val="accent1"/>
-          </a:fillRef>
-          <a:effectRef idx="0">
-            <a:schemeClr val="accent1"/>
-          </a:effectRef>
-          <a:fontRef idx="minor">
-            <a:schemeClr val="lt1"/>
-          </a:fontRef>
-        </p:style>
-        <p:txBody>
-          <a:bodyPr rtlCol="0" anchor="ctr"/>
-          <a:lstStyle/>
-          <a:p>
-            <a:pPr algn="ctr"/>
-            <a:endParaRPr lang="ru-RU"/>
+        <p:txBody>
+          <a:bodyPr lIns="91425" tIns="45700" rIns="91425" bIns="45700" anchor="ctr" anchorCtr="0">
+            <a:noAutofit/>
+          </a:bodyPr>
+          <a:lstStyle/>
+          <a:p>
+            <a:pPr marL="0" marR="0" lvl="0" indent="0" algn="ctr" rtl="0">
+              <a:spcBef>
+                <a:spcPts val="0"/>
+              </a:spcBef>
+              <a:buNone/>
+            </a:pPr>
+            <a:endParaRPr sz="1800">
+              <a:solidFill>
+                <a:schemeClr val="lt1"/>
+              </a:solidFill>
+              <a:latin typeface="Calibri"/>
+              <a:ea typeface="Calibri"/>
+              <a:cs typeface="Calibri"/>
+              <a:sym typeface="Calibri"/>
+            </a:endParaRPr>
+          </a:p>
+        </p:txBody>
+      </p:sp>
+      <p:sp>
+        <p:nvSpPr>
+          <p:cNvPr id="240" name="Shape 240"/>
+          <p:cNvSpPr txBox="1"/>
+          <p:nvPr/>
+        </p:nvSpPr>
+        <p:spPr>
+          <a:xfrm>
+            <a:off x="969825" y="720425"/>
+            <a:ext cx="7450500" cy="769500"/>
+          </a:xfrm>
+          <a:prstGeom prst="rect">
+            <a:avLst/>
+          </a:prstGeom>
+          <a:noFill/>
+          <a:ln>
+            <a:noFill/>
+          </a:ln>
+        </p:spPr>
+        <p:txBody>
+          <a:bodyPr lIns="91425" tIns="45700" rIns="91425" bIns="45700" anchor="t" anchorCtr="0">
+            <a:noAutofit/>
+          </a:bodyPr>
+          <a:lstStyle/>
+          <a:p>
+            <a:pPr marL="0" marR="0" lvl="0" indent="0" algn="l" rtl="0">
+              <a:spcBef>
+                <a:spcPts val="0"/>
+              </a:spcBef>
+              <a:buSzPct val="25000"/>
+              <a:buNone/>
+            </a:pPr>
+            <a:r>
+              <a:rPr lang="en-US" sz="4400" b="1">
+                <a:solidFill>
+                  <a:srgbClr val="04333E"/>
+                </a:solidFill>
+                <a:latin typeface="Calibri"/>
+                <a:ea typeface="Calibri"/>
+                <a:cs typeface="Calibri"/>
+                <a:sym typeface="Calibri"/>
+              </a:rPr>
+              <a:t>Why jQuery?</a:t>
+            </a:r>
           </a:p>
         </p:txBody>
       </p:sp>
     </p:spTree>
     <p:extLst>
       <p:ext uri="{BB962C8B-B14F-4D97-AF65-F5344CB8AC3E}">
-        <p14:creationId xmlns:p14="http://schemas.microsoft.com/office/powerpoint/2010/main" val="935995588"/>
+        <p14:creationId xmlns:p14="http://schemas.microsoft.com/office/powerpoint/2010/main" val="2298140219"/>
       </p:ext>
     </p:extLst>
   </p:cSld>
   <p:clrMapOvr>
     <a:masterClrMapping/>
   </p:clrMapOvr>
-  <p:timing>
-    <p:tnLst>
-      <p:par>
-        <p:cTn id="1" dur="indefinite" restart="never" nodeType="tmRoot"/>
-      </p:par>
-    </p:tnLst>
-  </p:timing>
 </p:sld>
 </file>
 
@@ -5085,7 +11463,7 @@
   <p:cSld>
     <p:spTree>
       <p:nvGrpSpPr>
-        <p:cNvPr id="1" name=""/>
+        <p:cNvPr id="1" name="Shape 244"/>
         <p:cNvGrpSpPr/>
         <p:nvPr/>
       </p:nvGrpSpPr>
@@ -5099,7 +11477,7 @@
       </p:grpSpPr>
       <p:sp>
         <p:nvSpPr>
-          <p:cNvPr id="2" name="Прямоугольник 1"/>
+          <p:cNvPr id="245" name="Shape 245"/>
           <p:cNvSpPr/>
           <p:nvPr/>
         </p:nvSpPr>
@@ -5111,82 +11489,108 @@
           <a:prstGeom prst="rect">
             <a:avLst/>
           </a:prstGeom>
-          <a:gradFill flip="none" rotWithShape="1">
+          <a:gradFill>
             <a:gsLst>
               <a:gs pos="0">
-                <a:schemeClr val="accent3">
-                  <a:lumMod val="5000"/>
-                  <a:lumOff val="95000"/>
-                </a:schemeClr>
+                <a:srgbClr val="FAFAFA"/>
               </a:gs>
               <a:gs pos="74000">
-                <a:schemeClr val="accent3">
-                  <a:lumMod val="45000"/>
-                  <a:lumOff val="55000"/>
-                </a:schemeClr>
+                <a:srgbClr val="D6D6D6"/>
               </a:gs>
               <a:gs pos="83000">
-                <a:schemeClr val="accent3">
-                  <a:lumMod val="45000"/>
-                  <a:lumOff val="55000"/>
-                </a:schemeClr>
+                <a:srgbClr val="D6D6D6"/>
               </a:gs>
               <a:gs pos="100000">
-                <a:schemeClr val="accent3">
-                  <a:lumMod val="30000"/>
-                  <a:lumOff val="70000"/>
-                </a:schemeClr>
+                <a:srgbClr val="E3E3E3"/>
               </a:gs>
             </a:gsLst>
-            <a:lin ang="5400000" scaled="1"/>
-            <a:tileRect/>
+            <a:lin ang="5400012" scaled="0"/>
           </a:gradFill>
           <a:ln>
             <a:noFill/>
           </a:ln>
         </p:spPr>
-        <p:style>
-          <a:lnRef idx="2">
-            <a:schemeClr val="accent1">
-              <a:shade val="50000"/>
-            </a:schemeClr>
-          </a:lnRef>
-          <a:fillRef idx="1">
-            <a:schemeClr val="accent1"/>
-          </a:fillRef>
-          <a:effectRef idx="0">
-            <a:schemeClr val="accent1"/>
-          </a:effectRef>
-          <a:fontRef idx="minor">
-            <a:schemeClr val="lt1"/>
-          </a:fontRef>
-        </p:style>
-        <p:txBody>
-          <a:bodyPr rtlCol="0" anchor="ctr"/>
-          <a:lstStyle/>
-          <a:p>
-            <a:pPr algn="ctr"/>
-            <a:endParaRPr lang="ru-RU"/>
+        <p:txBody>
+          <a:bodyPr lIns="91425" tIns="45700" rIns="91425" bIns="45700" anchor="ctr" anchorCtr="0">
+            <a:noAutofit/>
+          </a:bodyPr>
+          <a:lstStyle/>
+          <a:p>
+            <a:pPr marL="0" marR="0" lvl="0" indent="0" algn="ctr" rtl="0">
+              <a:spcBef>
+                <a:spcPts val="0"/>
+              </a:spcBef>
+              <a:buNone/>
+            </a:pPr>
+            <a:endParaRPr sz="1800">
+              <a:solidFill>
+                <a:schemeClr val="lt1"/>
+              </a:solidFill>
+              <a:latin typeface="Calibri"/>
+              <a:ea typeface="Calibri"/>
+              <a:cs typeface="Calibri"/>
+              <a:sym typeface="Calibri"/>
+            </a:endParaRPr>
+          </a:p>
+        </p:txBody>
+      </p:sp>
+      <p:sp>
+        <p:nvSpPr>
+          <p:cNvPr id="247" name="Shape 247"/>
+          <p:cNvSpPr txBox="1"/>
+          <p:nvPr/>
+        </p:nvSpPr>
+        <p:spPr>
+          <a:xfrm>
+            <a:off x="969825" y="720425"/>
+            <a:ext cx="7450500" cy="769500"/>
+          </a:xfrm>
+          <a:prstGeom prst="rect">
+            <a:avLst/>
+          </a:prstGeom>
+          <a:noFill/>
+          <a:ln>
+            <a:noFill/>
+          </a:ln>
+        </p:spPr>
+        <p:txBody>
+          <a:bodyPr lIns="91425" tIns="45700" rIns="91425" bIns="45700" anchor="t" anchorCtr="0">
+            <a:noAutofit/>
+          </a:bodyPr>
+          <a:lstStyle/>
+          <a:p>
+            <a:pPr lvl="0" rtl="0">
+              <a:spcBef>
+                <a:spcPts val="0"/>
+              </a:spcBef>
+              <a:buSzPct val="25000"/>
+              <a:buNone/>
+            </a:pPr>
+            <a:r>
+              <a:rPr lang="en-US" sz="4400" b="1">
+                <a:solidFill>
+                  <a:srgbClr val="04333E"/>
+                </a:solidFill>
+                <a:latin typeface="Calibri"/>
+                <a:ea typeface="Calibri"/>
+                <a:cs typeface="Calibri"/>
+                <a:sym typeface="Calibri"/>
+              </a:rPr>
+              <a:t>Why Bootstrap?</a:t>
+            </a:r>
           </a:p>
         </p:txBody>
       </p:sp>
     </p:spTree>
     <p:extLst>
       <p:ext uri="{BB962C8B-B14F-4D97-AF65-F5344CB8AC3E}">
-        <p14:creationId xmlns:p14="http://schemas.microsoft.com/office/powerpoint/2010/main" val="332453111"/>
+        <p14:creationId xmlns:p14="http://schemas.microsoft.com/office/powerpoint/2010/main" val="1590032097"/>
       </p:ext>
     </p:extLst>
   </p:cSld>
   <p:clrMapOvr>
     <a:masterClrMapping/>
   </p:clrMapOvr>
-  <p:timing>
-    <p:tnLst>
-      <p:par>
-        <p:cTn id="1" dur="indefinite" restart="never" nodeType="tmRoot"/>
-      </p:par>
-    </p:tnLst>
-  </p:timing>
 </p:sld>
 </file>
 
@@ -5195,7 +11599,7 @@
   <p:cSld>
     <p:spTree>
       <p:nvGrpSpPr>
-        <p:cNvPr id="1" name=""/>
+        <p:cNvPr id="1" name="Shape 251"/>
         <p:cNvGrpSpPr/>
         <p:nvPr/>
       </p:nvGrpSpPr>
@@ -5209,7 +11613,7 @@
       </p:grpSpPr>
       <p:sp>
         <p:nvSpPr>
-          <p:cNvPr id="2" name="Прямоугольник 1"/>
+          <p:cNvPr id="252" name="Shape 252"/>
           <p:cNvSpPr/>
           <p:nvPr/>
         </p:nvSpPr>
@@ -5221,82 +11625,108 @@
           <a:prstGeom prst="rect">
             <a:avLst/>
           </a:prstGeom>
-          <a:gradFill flip="none" rotWithShape="1">
+          <a:gradFill>
             <a:gsLst>
               <a:gs pos="0">
-                <a:schemeClr val="accent3">
-                  <a:lumMod val="5000"/>
-                  <a:lumOff val="95000"/>
-                </a:schemeClr>
+                <a:srgbClr val="FAFAFA"/>
               </a:gs>
               <a:gs pos="74000">
-                <a:schemeClr val="accent3">
-                  <a:lumMod val="45000"/>
-                  <a:lumOff val="55000"/>
-                </a:schemeClr>
+                <a:srgbClr val="D6D6D6"/>
               </a:gs>
               <a:gs pos="83000">
-                <a:schemeClr val="accent3">
-                  <a:lumMod val="45000"/>
-                  <a:lumOff val="55000"/>
-                </a:schemeClr>
+                <a:srgbClr val="D6D6D6"/>
               </a:gs>
               <a:gs pos="100000">
-                <a:schemeClr val="accent3">
-                  <a:lumMod val="30000"/>
-                  <a:lumOff val="70000"/>
-                </a:schemeClr>
+                <a:srgbClr val="E3E3E3"/>
               </a:gs>
             </a:gsLst>
-            <a:lin ang="5400000" scaled="1"/>
-            <a:tileRect/>
+            <a:lin ang="5400000" scaled="0"/>
           </a:gradFill>
           <a:ln>
             <a:noFill/>
           </a:ln>
         </p:spPr>
-        <p:style>
-          <a:lnRef idx="2">
-            <a:schemeClr val="accent1">
-              <a:shade val="50000"/>
-            </a:schemeClr>
-          </a:lnRef>
-          <a:fillRef idx="1">
-            <a:schemeClr val="accent1"/>
-          </a:fillRef>
-          <a:effectRef idx="0">
-            <a:schemeClr val="accent1"/>
-          </a:effectRef>
-          <a:fontRef idx="minor">
-            <a:schemeClr val="lt1"/>
-          </a:fontRef>
-        </p:style>
-        <p:txBody>
-          <a:bodyPr rtlCol="0" anchor="ctr"/>
-          <a:lstStyle/>
-          <a:p>
-            <a:pPr algn="ctr"/>
-            <a:endParaRPr lang="ru-RU"/>
+        <p:txBody>
+          <a:bodyPr lIns="91425" tIns="45700" rIns="91425" bIns="45700" anchor="ctr" anchorCtr="0">
+            <a:noAutofit/>
+          </a:bodyPr>
+          <a:lstStyle/>
+          <a:p>
+            <a:pPr marL="0" marR="0" lvl="0" indent="0" algn="ctr" rtl="0">
+              <a:spcBef>
+                <a:spcPts val="0"/>
+              </a:spcBef>
+              <a:buNone/>
+            </a:pPr>
+            <a:endParaRPr sz="1800">
+              <a:solidFill>
+                <a:schemeClr val="lt1"/>
+              </a:solidFill>
+              <a:latin typeface="Calibri"/>
+              <a:ea typeface="Calibri"/>
+              <a:cs typeface="Calibri"/>
+              <a:sym typeface="Calibri"/>
+            </a:endParaRPr>
+          </a:p>
+        </p:txBody>
+      </p:sp>
+      <p:sp>
+        <p:nvSpPr>
+          <p:cNvPr id="254" name="Shape 254"/>
+          <p:cNvSpPr txBox="1"/>
+          <p:nvPr/>
+        </p:nvSpPr>
+        <p:spPr>
+          <a:xfrm>
+            <a:off x="969825" y="720425"/>
+            <a:ext cx="7450500" cy="769500"/>
+          </a:xfrm>
+          <a:prstGeom prst="rect">
+            <a:avLst/>
+          </a:prstGeom>
+          <a:noFill/>
+          <a:ln>
+            <a:noFill/>
+          </a:ln>
+        </p:spPr>
+        <p:txBody>
+          <a:bodyPr lIns="91425" tIns="45700" rIns="91425" bIns="45700" anchor="t" anchorCtr="0">
+            <a:noAutofit/>
+          </a:bodyPr>
+          <a:lstStyle/>
+          <a:p>
+            <a:pPr marL="0" marR="0" lvl="0" indent="0" algn="l" rtl="0">
+              <a:spcBef>
+                <a:spcPts val="0"/>
+              </a:spcBef>
+              <a:buSzPct val="25000"/>
+              <a:buNone/>
+            </a:pPr>
+            <a:r>
+              <a:rPr lang="en-US" sz="4400" b="1">
+                <a:solidFill>
+                  <a:srgbClr val="04333E"/>
+                </a:solidFill>
+                <a:latin typeface="Calibri"/>
+                <a:ea typeface="Calibri"/>
+                <a:cs typeface="Calibri"/>
+                <a:sym typeface="Calibri"/>
+              </a:rPr>
+              <a:t>Why Bootstrap?</a:t>
+            </a:r>
           </a:p>
         </p:txBody>
       </p:sp>
     </p:spTree>
     <p:extLst>
       <p:ext uri="{BB962C8B-B14F-4D97-AF65-F5344CB8AC3E}">
-        <p14:creationId xmlns:p14="http://schemas.microsoft.com/office/powerpoint/2010/main" val="2288112532"/>
+        <p14:creationId xmlns:p14="http://schemas.microsoft.com/office/powerpoint/2010/main" val="1096977997"/>
       </p:ext>
     </p:extLst>
   </p:cSld>
   <p:clrMapOvr>
     <a:masterClrMapping/>
   </p:clrMapOvr>
-  <p:timing>
-    <p:tnLst>
-      <p:par>
-        <p:cTn id="1" dur="indefinite" restart="never" nodeType="tmRoot"/>
-      </p:par>
-    </p:tnLst>
-  </p:timing>
 </p:sld>
 </file>
 
@@ -5317,96 +11747,16 @@
           <a:chExt cx="0" cy="0"/>
         </a:xfrm>
       </p:grpSpPr>
-      <p:sp>
-        <p:nvSpPr>
-          <p:cNvPr id="2" name="Прямоугольник 1"/>
-          <p:cNvSpPr/>
-          <p:nvPr/>
-        </p:nvSpPr>
-        <p:spPr>
-          <a:xfrm>
-            <a:off x="0" y="0"/>
-            <a:ext cx="9144000" cy="6858000"/>
-          </a:xfrm>
-          <a:prstGeom prst="rect">
-            <a:avLst/>
-          </a:prstGeom>
-          <a:gradFill flip="none" rotWithShape="1">
-            <a:gsLst>
-              <a:gs pos="0">
-                <a:schemeClr val="accent3">
-                  <a:lumMod val="5000"/>
-                  <a:lumOff val="95000"/>
-                </a:schemeClr>
-              </a:gs>
-              <a:gs pos="74000">
-                <a:schemeClr val="accent3">
-                  <a:lumMod val="45000"/>
-                  <a:lumOff val="55000"/>
-                </a:schemeClr>
-              </a:gs>
-              <a:gs pos="83000">
-                <a:schemeClr val="accent3">
-                  <a:lumMod val="45000"/>
-                  <a:lumOff val="55000"/>
-                </a:schemeClr>
-              </a:gs>
-              <a:gs pos="100000">
-                <a:schemeClr val="accent3">
-                  <a:lumMod val="30000"/>
-                  <a:lumOff val="70000"/>
-                </a:schemeClr>
-              </a:gs>
-            </a:gsLst>
-            <a:lin ang="5400000" scaled="1"/>
-            <a:tileRect/>
-          </a:gradFill>
-          <a:ln>
-            <a:noFill/>
-          </a:ln>
-        </p:spPr>
-        <p:style>
-          <a:lnRef idx="2">
-            <a:schemeClr val="accent1">
-              <a:shade val="50000"/>
-            </a:schemeClr>
-          </a:lnRef>
-          <a:fillRef idx="1">
-            <a:schemeClr val="accent1"/>
-          </a:fillRef>
-          <a:effectRef idx="0">
-            <a:schemeClr val="accent1"/>
-          </a:effectRef>
-          <a:fontRef idx="minor">
-            <a:schemeClr val="lt1"/>
-          </a:fontRef>
-        </p:style>
-        <p:txBody>
-          <a:bodyPr rtlCol="0" anchor="ctr"/>
-          <a:lstStyle/>
-          <a:p>
-            <a:pPr algn="ctr"/>
-            <a:endParaRPr lang="ru-RU"/>
-          </a:p>
-        </p:txBody>
-      </p:sp>
     </p:spTree>
     <p:extLst>
       <p:ext uri="{BB962C8B-B14F-4D97-AF65-F5344CB8AC3E}">
-        <p14:creationId xmlns:p14="http://schemas.microsoft.com/office/powerpoint/2010/main" val="4153495169"/>
+        <p14:creationId xmlns:p14="http://schemas.microsoft.com/office/powerpoint/2010/main" val="1261560390"/>
       </p:ext>
     </p:extLst>
   </p:cSld>
   <p:clrMapOvr>
     <a:masterClrMapping/>
   </p:clrMapOvr>
-  <p:timing>
-    <p:tnLst>
-      <p:par>
-        <p:cTn id="1" dur="indefinite" restart="never" nodeType="tmRoot"/>
-      </p:par>
-    </p:tnLst>
-  </p:timing>
 </p:sld>
 </file>
 
@@ -5427,96 +11777,46 @@
           <a:chExt cx="0" cy="0"/>
         </a:xfrm>
       </p:grpSpPr>
-      <p:sp>
-        <p:nvSpPr>
-          <p:cNvPr id="2" name="Прямоугольник 1"/>
-          <p:cNvSpPr/>
-          <p:nvPr/>
-        </p:nvSpPr>
-        <p:spPr>
-          <a:xfrm>
-            <a:off x="0" y="0"/>
-            <a:ext cx="9144000" cy="6858000"/>
-          </a:xfrm>
-          <a:prstGeom prst="rect">
-            <a:avLst/>
-          </a:prstGeom>
-          <a:gradFill flip="none" rotWithShape="1">
-            <a:gsLst>
-              <a:gs pos="0">
-                <a:schemeClr val="accent3">
-                  <a:lumMod val="5000"/>
-                  <a:lumOff val="95000"/>
-                </a:schemeClr>
-              </a:gs>
-              <a:gs pos="74000">
-                <a:schemeClr val="accent3">
-                  <a:lumMod val="45000"/>
-                  <a:lumOff val="55000"/>
-                </a:schemeClr>
-              </a:gs>
-              <a:gs pos="83000">
-                <a:schemeClr val="accent3">
-                  <a:lumMod val="45000"/>
-                  <a:lumOff val="55000"/>
-                </a:schemeClr>
-              </a:gs>
-              <a:gs pos="100000">
-                <a:schemeClr val="accent3">
-                  <a:lumMod val="30000"/>
-                  <a:lumOff val="70000"/>
-                </a:schemeClr>
-              </a:gs>
-            </a:gsLst>
-            <a:lin ang="5400000" scaled="1"/>
-            <a:tileRect/>
-          </a:gradFill>
-          <a:ln>
-            <a:noFill/>
-          </a:ln>
-        </p:spPr>
-        <p:style>
-          <a:lnRef idx="2">
-            <a:schemeClr val="accent1">
-              <a:shade val="50000"/>
-            </a:schemeClr>
-          </a:lnRef>
-          <a:fillRef idx="1">
-            <a:schemeClr val="accent1"/>
-          </a:fillRef>
-          <a:effectRef idx="0">
-            <a:schemeClr val="accent1"/>
-          </a:effectRef>
-          <a:fontRef idx="minor">
-            <a:schemeClr val="lt1"/>
-          </a:fontRef>
-        </p:style>
-        <p:txBody>
-          <a:bodyPr rtlCol="0" anchor="ctr"/>
-          <a:lstStyle/>
-          <a:p>
-            <a:pPr algn="ctr"/>
-            <a:endParaRPr lang="ru-RU"/>
-          </a:p>
-        </p:txBody>
-      </p:sp>
     </p:spTree>
     <p:extLst>
       <p:ext uri="{BB962C8B-B14F-4D97-AF65-F5344CB8AC3E}">
-        <p14:creationId xmlns:p14="http://schemas.microsoft.com/office/powerpoint/2010/main" val="3665711985"/>
+        <p14:creationId xmlns:p14="http://schemas.microsoft.com/office/powerpoint/2010/main" val="211383494"/>
       </p:ext>
     </p:extLst>
   </p:cSld>
   <p:clrMapOvr>
     <a:masterClrMapping/>
   </p:clrMapOvr>
-  <p:timing>
-    <p:tnLst>
-      <p:par>
-        <p:cTn id="1" dur="indefinite" restart="never" nodeType="tmRoot"/>
-      </p:par>
-    </p:tnLst>
-  </p:timing>
+</p:sld>
+</file>
+
+<file path=ppt/slides/slide29.xml><?xml version="1.0" encoding="utf-8"?>
+<p:sld xmlns:a="http://schemas.openxmlformats.org/drawingml/2006/main" xmlns:r="http://schemas.openxmlformats.org/officeDocument/2006/relationships" xmlns:p="http://schemas.openxmlformats.org/presentationml/2006/main">
+  <p:cSld>
+    <p:spTree>
+      <p:nvGrpSpPr>
+        <p:cNvPr id="1" name=""/>
+        <p:cNvGrpSpPr/>
+        <p:nvPr/>
+      </p:nvGrpSpPr>
+      <p:grpSpPr>
+        <a:xfrm>
+          <a:off x="0" y="0"/>
+          <a:ext cx="0" cy="0"/>
+          <a:chOff x="0" y="0"/>
+          <a:chExt cx="0" cy="0"/>
+        </a:xfrm>
+      </p:grpSpPr>
+    </p:spTree>
+    <p:extLst>
+      <p:ext uri="{BB962C8B-B14F-4D97-AF65-F5344CB8AC3E}">
+        <p14:creationId xmlns:p14="http://schemas.microsoft.com/office/powerpoint/2010/main" val="3778113653"/>
+      </p:ext>
+    </p:extLst>
+  </p:cSld>
+  <p:clrMapOvr>
+    <a:masterClrMapping/>
+  </p:clrMapOvr>
 </p:sld>
 </file>
 
@@ -5663,7 +11963,7 @@
         </p:nvSpPr>
         <p:spPr>
           <a:xfrm>
-            <a:off x="1150737" y="1866900"/>
+            <a:off x="1154816" y="2227118"/>
             <a:ext cx="6848221" cy="2862322"/>
           </a:xfrm>
           <a:prstGeom prst="rect">
@@ -5830,6 +12130,36 @@
       </p:par>
     </p:tnLst>
   </p:timing>
+</p:sld>
+</file>
+
+<file path=ppt/slides/slide30.xml><?xml version="1.0" encoding="utf-8"?>
+<p:sld xmlns:a="http://schemas.openxmlformats.org/drawingml/2006/main" xmlns:r="http://schemas.openxmlformats.org/officeDocument/2006/relationships" xmlns:p="http://schemas.openxmlformats.org/presentationml/2006/main">
+  <p:cSld>
+    <p:spTree>
+      <p:nvGrpSpPr>
+        <p:cNvPr id="1" name=""/>
+        <p:cNvGrpSpPr/>
+        <p:nvPr/>
+      </p:nvGrpSpPr>
+      <p:grpSpPr>
+        <a:xfrm>
+          <a:off x="0" y="0"/>
+          <a:ext cx="0" cy="0"/>
+          <a:chOff x="0" y="0"/>
+          <a:chExt cx="0" cy="0"/>
+        </a:xfrm>
+      </p:grpSpPr>
+    </p:spTree>
+    <p:extLst>
+      <p:ext uri="{BB962C8B-B14F-4D97-AF65-F5344CB8AC3E}">
+        <p14:creationId xmlns:p14="http://schemas.microsoft.com/office/powerpoint/2010/main" val="296575122"/>
+      </p:ext>
+    </p:extLst>
+  </p:cSld>
+  <p:clrMapOvr>
+    <a:masterClrMapping/>
+  </p:clrMapOvr>
 </p:sld>
 </file>
 
@@ -6212,6 +12542,88 @@
           </a:p>
         </p:txBody>
       </p:sp>
+      <p:sp>
+        <p:nvSpPr>
+          <p:cNvPr id="2" name="TextBox 1"/>
+          <p:cNvSpPr txBox="1"/>
+          <p:nvPr/>
+        </p:nvSpPr>
+        <p:spPr>
+          <a:xfrm>
+            <a:off x="1147644" y="1989852"/>
+            <a:ext cx="2643416" cy="1697068"/>
+          </a:xfrm>
+          <a:prstGeom prst="rect">
+            <a:avLst/>
+          </a:prstGeom>
+          <a:noFill/>
+        </p:spPr>
+        <p:txBody>
+          <a:bodyPr wrap="none" rtlCol="0">
+            <a:spAutoFit/>
+          </a:bodyPr>
+          <a:lstStyle/>
+          <a:p>
+            <a:pPr marL="285750" indent="-285750">
+              <a:lnSpc>
+                <a:spcPct val="150000"/>
+              </a:lnSpc>
+              <a:buFont typeface="Arial" panose="020B0604020202020204" pitchFamily="34" charset="0"/>
+              <a:buChar char="•"/>
+            </a:pPr>
+            <a:r>
+              <a:rPr lang="en-US" sz="2400" dirty="0" smtClean="0">
+                <a:solidFill>
+                  <a:srgbClr val="04333E"/>
+                </a:solidFill>
+              </a:rPr>
+              <a:t>Oracle database;</a:t>
+            </a:r>
+          </a:p>
+          <a:p>
+            <a:pPr marL="285750" indent="-285750">
+              <a:lnSpc>
+                <a:spcPct val="150000"/>
+              </a:lnSpc>
+              <a:buFont typeface="Arial" panose="020B0604020202020204" pitchFamily="34" charset="0"/>
+              <a:buChar char="•"/>
+            </a:pPr>
+            <a:r>
+              <a:rPr lang="en-US" sz="2400" dirty="0" smtClean="0">
+                <a:solidFill>
+                  <a:srgbClr val="04333E"/>
+                </a:solidFill>
+              </a:rPr>
+              <a:t>Object model;</a:t>
+            </a:r>
+          </a:p>
+          <a:p>
+            <a:pPr marL="285750" indent="-285750">
+              <a:lnSpc>
+                <a:spcPct val="150000"/>
+              </a:lnSpc>
+              <a:buFont typeface="Arial" panose="020B0604020202020204" pitchFamily="34" charset="0"/>
+              <a:buChar char="•"/>
+            </a:pPr>
+            <a:r>
+              <a:rPr lang="en-US" sz="2400" dirty="0" smtClean="0">
+                <a:solidFill>
+                  <a:srgbClr val="04333E"/>
+                </a:solidFill>
+              </a:rPr>
+              <a:t>Relational model</a:t>
+            </a:r>
+            <a:r>
+              <a:rPr lang="en-US" dirty="0" smtClean="0">
+                <a:solidFill>
+                  <a:srgbClr val="04333E"/>
+                </a:solidFill>
+              </a:rPr>
+              <a:t>;</a:t>
+            </a:r>
+          </a:p>
+        </p:txBody>
+      </p:sp>
     </p:spTree>
     <p:extLst>
       <p:ext uri="{BB962C8B-B14F-4D97-AF65-F5344CB8AC3E}">
@@ -6251,7 +12663,7 @@
       </p:grpSpPr>
       <p:pic>
         <p:nvPicPr>
-          <p:cNvPr id="4" name="Рисунок 3"/>
+          <p:cNvPr id="6" name="Рисунок 5"/>
           <p:cNvPicPr>
             <a:picLocks noChangeAspect="1"/>
           </p:cNvPicPr>
@@ -6271,7 +12683,7 @@
         </p:blipFill>
         <p:spPr>
           <a:xfrm>
-            <a:off x="1743075" y="266700"/>
+            <a:off x="2089439" y="335865"/>
             <a:ext cx="6572250" cy="6096000"/>
           </a:xfrm>
           <a:prstGeom prst="rect">
@@ -6354,9 +12766,55 @@
           <a:chExt cx="0" cy="0"/>
         </a:xfrm>
       </p:grpSpPr>
+      <p:sp>
+        <p:nvSpPr>
+          <p:cNvPr id="5" name="TextBox 4"/>
+          <p:cNvSpPr txBox="1"/>
+          <p:nvPr/>
+        </p:nvSpPr>
+        <p:spPr>
+          <a:xfrm>
+            <a:off x="165100" y="177800"/>
+            <a:ext cx="3339247" cy="646331"/>
+          </a:xfrm>
+          <a:prstGeom prst="rect">
+            <a:avLst/>
+          </a:prstGeom>
+          <a:noFill/>
+        </p:spPr>
+        <p:txBody>
+          <a:bodyPr wrap="none" rtlCol="0">
+            <a:spAutoFit/>
+          </a:bodyPr>
+          <a:lstStyle/>
+          <a:p>
+            <a:r>
+              <a:rPr lang="en-US" sz="3600" i="1" dirty="0" smtClean="0">
+                <a:solidFill>
+                  <a:srgbClr val="04333E"/>
+                </a:solidFill>
+              </a:rPr>
+              <a:t>Relational </a:t>
+            </a:r>
+            <a:r>
+              <a:rPr lang="en-US" sz="3600" i="1" dirty="0">
+                <a:solidFill>
+                  <a:srgbClr val="04333E"/>
+                </a:solidFill>
+              </a:rPr>
+              <a:t>model</a:t>
+            </a:r>
+            <a:endParaRPr lang="ru-RU" sz="3600" i="1" dirty="0">
+              <a:solidFill>
+                <a:srgbClr val="04333E"/>
+              </a:solidFill>
+            </a:endParaRPr>
+          </a:p>
+        </p:txBody>
+      </p:sp>
       <p:pic>
         <p:nvPicPr>
-          <p:cNvPr id="4" name="Рисунок 3"/>
+          <p:cNvPr id="6" name="Рисунок 5"/>
           <p:cNvPicPr>
             <a:picLocks noChangeAspect="1"/>
           </p:cNvPicPr>
@@ -6376,7 +12834,7 @@
         </p:blipFill>
         <p:spPr>
           <a:xfrm>
-            <a:off x="0" y="974614"/>
+            <a:off x="0" y="1113159"/>
             <a:ext cx="9144000" cy="4603972"/>
           </a:xfrm>
           <a:prstGeom prst="rect">
@@ -6384,52 +12842,6 @@
           </a:prstGeom>
         </p:spPr>
       </p:pic>
-      <p:sp>
-        <p:nvSpPr>
-          <p:cNvPr id="5" name="TextBox 4"/>
-          <p:cNvSpPr txBox="1"/>
-          <p:nvPr/>
-        </p:nvSpPr>
-        <p:spPr>
-          <a:xfrm>
-            <a:off x="165100" y="177800"/>
-            <a:ext cx="3339247" cy="646331"/>
-          </a:xfrm>
-          <a:prstGeom prst="rect">
-            <a:avLst/>
-          </a:prstGeom>
-          <a:noFill/>
-        </p:spPr>
-        <p:txBody>
-          <a:bodyPr wrap="none" rtlCol="0">
-            <a:spAutoFit/>
-          </a:bodyPr>
-          <a:lstStyle/>
-          <a:p>
-            <a:r>
-              <a:rPr lang="en-US" sz="3600" i="1" dirty="0" smtClean="0">
-                <a:solidFill>
-                  <a:srgbClr val="04333E"/>
-                </a:solidFill>
-              </a:rPr>
-              <a:t>Relational </a:t>
-            </a:r>
-            <a:r>
-              <a:rPr lang="en-US" sz="3600" i="1" dirty="0">
-                <a:solidFill>
-                  <a:srgbClr val="04333E"/>
-                </a:solidFill>
-              </a:rPr>
-              <a:t>model</a:t>
-            </a:r>
-            <a:endParaRPr lang="ru-RU" sz="3600" i="1" dirty="0">
-              <a:solidFill>
-                <a:srgbClr val="04333E"/>
-              </a:solidFill>
-            </a:endParaRPr>
-          </a:p>
-        </p:txBody>
-      </p:sp>
     </p:spTree>
     <p:extLst>
       <p:ext uri="{BB962C8B-B14F-4D97-AF65-F5344CB8AC3E}">
@@ -6535,36 +12947,102 @@
           </a:p>
         </p:txBody>
       </p:sp>
-      <p:pic>
-        <p:nvPicPr>
-          <p:cNvPr id="2" name="Рисунок 1"/>
-          <p:cNvPicPr>
-            <a:picLocks noChangeAspect="1"/>
-          </p:cNvPicPr>
-          <p:nvPr/>
-        </p:nvPicPr>
-        <p:blipFill>
-          <a:blip r:embed="rId3">
-            <a:extLst>
-              <a:ext uri="{28A0092B-C50C-407E-A947-70E740481C1C}">
-                <a14:useLocalDpi xmlns:a14="http://schemas.microsoft.com/office/drawing/2010/main" val="0"/>
-              </a:ext>
-            </a:extLst>
-          </a:blip>
-          <a:stretch>
-            <a:fillRect/>
-          </a:stretch>
-        </p:blipFill>
-        <p:spPr>
-          <a:xfrm>
-            <a:off x="0" y="2112176"/>
-            <a:ext cx="9333381" cy="4053097"/>
-          </a:xfrm>
-          <a:prstGeom prst="rect">
-            <a:avLst/>
-          </a:prstGeom>
-        </p:spPr>
-      </p:pic>
+      <p:sp>
+        <p:nvSpPr>
+          <p:cNvPr id="5" name="TextBox 4"/>
+          <p:cNvSpPr txBox="1"/>
+          <p:nvPr/>
+        </p:nvSpPr>
+        <p:spPr>
+          <a:xfrm>
+            <a:off x="1200726" y="2053913"/>
+            <a:ext cx="3622723" cy="2251065"/>
+          </a:xfrm>
+          <a:prstGeom prst="rect">
+            <a:avLst/>
+          </a:prstGeom>
+          <a:noFill/>
+        </p:spPr>
+        <p:txBody>
+          <a:bodyPr wrap="none" rtlCol="0">
+            <a:spAutoFit/>
+          </a:bodyPr>
+          <a:lstStyle/>
+          <a:p>
+            <a:pPr marL="285750" indent="-285750">
+              <a:lnSpc>
+                <a:spcPct val="150000"/>
+              </a:lnSpc>
+              <a:buFont typeface="Arial" panose="020B0604020202020204" pitchFamily="34" charset="0"/>
+              <a:buChar char="•"/>
+            </a:pPr>
+            <a:r>
+              <a:rPr lang="en-US" sz="2400" dirty="0" smtClean="0">
+                <a:solidFill>
+                  <a:srgbClr val="04333E"/>
+                </a:solidFill>
+              </a:rPr>
+              <a:t>Maven modules;</a:t>
+            </a:r>
+          </a:p>
+          <a:p>
+            <a:pPr marL="285750" indent="-285750">
+              <a:lnSpc>
+                <a:spcPct val="150000"/>
+              </a:lnSpc>
+              <a:buFont typeface="Arial" panose="020B0604020202020204" pitchFamily="34" charset="0"/>
+              <a:buChar char="•"/>
+            </a:pPr>
+            <a:r>
+              <a:rPr lang="en-US" sz="2400" dirty="0" smtClean="0">
+                <a:solidFill>
+                  <a:srgbClr val="04333E"/>
+                </a:solidFill>
+              </a:rPr>
+              <a:t>Main functions lifecycles;</a:t>
+            </a:r>
+          </a:p>
+          <a:p>
+            <a:pPr marL="285750" indent="-285750">
+              <a:lnSpc>
+                <a:spcPct val="150000"/>
+              </a:lnSpc>
+              <a:buFont typeface="Arial" panose="020B0604020202020204" pitchFamily="34" charset="0"/>
+              <a:buChar char="•"/>
+            </a:pPr>
+            <a:r>
+              <a:rPr lang="en-US" sz="2400" dirty="0" smtClean="0">
+                <a:solidFill>
+                  <a:srgbClr val="04333E"/>
+                </a:solidFill>
+              </a:rPr>
+              <a:t>Security;</a:t>
+            </a:r>
+          </a:p>
+          <a:p>
+            <a:pPr marL="285750" indent="-285750">
+              <a:lnSpc>
+                <a:spcPct val="150000"/>
+              </a:lnSpc>
+              <a:buFont typeface="Arial" panose="020B0604020202020204" pitchFamily="34" charset="0"/>
+              <a:buChar char="•"/>
+            </a:pPr>
+            <a:r>
+              <a:rPr lang="en-US" sz="2400" dirty="0" smtClean="0">
+                <a:solidFill>
+                  <a:srgbClr val="04333E"/>
+                </a:solidFill>
+              </a:rPr>
+              <a:t>Web Architecture;</a:t>
+            </a:r>
+            <a:endParaRPr lang="ru-RU" sz="2400" dirty="0">
+              <a:solidFill>
+                <a:srgbClr val="04333E"/>
+              </a:solidFill>
+            </a:endParaRPr>
+          </a:p>
+        </p:txBody>
+      </p:sp>
     </p:spTree>
     <p:extLst>
       <p:ext uri="{BB962C8B-B14F-4D97-AF65-F5344CB8AC3E}">
@@ -6844,4 +13322,265 @@
     </a:ext>
   </a:extLst>
 </a:theme>
+</file>
+
+<file path=ppt/theme/theme2.xml><?xml version="1.0" encoding="utf-8"?>
+<a:theme xmlns:a="http://schemas.openxmlformats.org/drawingml/2006/main" name="Тема Office">
+  <a:themeElements>
+    <a:clrScheme name="Стандартная">
+      <a:dk1>
+        <a:sysClr val="windowText" lastClr="000000"/>
+      </a:dk1>
+      <a:lt1>
+        <a:sysClr val="window" lastClr="FFFFFF"/>
+      </a:lt1>
+      <a:dk2>
+        <a:srgbClr val="44546A"/>
+      </a:dk2>
+      <a:lt2>
+        <a:srgbClr val="E7E6E6"/>
+      </a:lt2>
+      <a:accent1>
+        <a:srgbClr val="5B9BD5"/>
+      </a:accent1>
+      <a:accent2>
+        <a:srgbClr val="ED7D31"/>
+      </a:accent2>
+      <a:accent3>
+        <a:srgbClr val="A5A5A5"/>
+      </a:accent3>
+      <a:accent4>
+        <a:srgbClr val="FFC000"/>
+      </a:accent4>
+      <a:accent5>
+        <a:srgbClr val="4472C4"/>
+      </a:accent5>
+      <a:accent6>
+        <a:srgbClr val="70AD47"/>
+      </a:accent6>
+      <a:hlink>
+        <a:srgbClr val="0563C1"/>
+      </a:hlink>
+      <a:folHlink>
+        <a:srgbClr val="954F72"/>
+      </a:folHlink>
+    </a:clrScheme>
+    <a:fontScheme name="Стандартная">
+      <a:majorFont>
+        <a:latin typeface="Calibri Light" panose="020F0302020204030204"/>
+        <a:ea typeface=""/>
+        <a:cs typeface=""/>
+        <a:font script="Jpan" typeface="游ゴシック Light"/>
+        <a:font script="Hang" typeface="맑은 고딕"/>
+        <a:font script="Hans" typeface="等线 Light"/>
+        <a:font script="Hant" typeface="新細明體"/>
+        <a:font script="Arab" typeface="Times New Roman"/>
+        <a:font script="Hebr" typeface="Times New Roman"/>
+        <a:font script="Thai" typeface="Angsana New"/>
+        <a:font script="Ethi" typeface="Nyala"/>
+        <a:font script="Beng" typeface="Vrinda"/>
+        <a:font script="Gujr" typeface="Shruti"/>
+        <a:font script="Khmr" typeface="MoolBoran"/>
+        <a:font script="Knda" typeface="Tunga"/>
+        <a:font script="Guru" typeface="Raavi"/>
+        <a:font script="Cans" typeface="Euphemia"/>
+        <a:font script="Cher" typeface="Plantagenet Cherokee"/>
+        <a:font script="Yiii" typeface="Microsoft Yi Baiti"/>
+        <a:font script="Tibt" typeface="Microsoft Himalaya"/>
+        <a:font script="Thaa" typeface="MV Boli"/>
+        <a:font script="Deva" typeface="Mangal"/>
+        <a:font script="Telu" typeface="Gautami"/>
+        <a:font script="Taml" typeface="Latha"/>
+        <a:font script="Syrc" typeface="Estrangelo Edessa"/>
+        <a:font script="Orya" typeface="Kalinga"/>
+        <a:font script="Mlym" typeface="Kartika"/>
+        <a:font script="Laoo" typeface="DokChampa"/>
+        <a:font script="Sinh" typeface="Iskoola Pota"/>
+        <a:font script="Mong" typeface="Mongolian Baiti"/>
+        <a:font script="Viet" typeface="Times New Roman"/>
+        <a:font script="Uigh" typeface="Microsoft Uighur"/>
+        <a:font script="Geor" typeface="Sylfaen"/>
+      </a:majorFont>
+      <a:minorFont>
+        <a:latin typeface="Calibri" panose="020F0502020204030204"/>
+        <a:ea typeface=""/>
+        <a:cs typeface=""/>
+        <a:font script="Jpan" typeface="游ゴシック"/>
+        <a:font script="Hang" typeface="맑은 고딕"/>
+        <a:font script="Hans" typeface="等线"/>
+        <a:font script="Hant" typeface="新細明體"/>
+        <a:font script="Arab" typeface="Arial"/>
+        <a:font script="Hebr" typeface="Arial"/>
+        <a:font script="Thai" typeface="Cordia New"/>
+        <a:font script="Ethi" typeface="Nyala"/>
+        <a:font script="Beng" typeface="Vrinda"/>
+        <a:font script="Gujr" typeface="Shruti"/>
+        <a:font script="Khmr" typeface="DaunPenh"/>
+        <a:font script="Knda" typeface="Tunga"/>
+        <a:font script="Guru" typeface="Raavi"/>
+        <a:font script="Cans" typeface="Euphemia"/>
+        <a:font script="Cher" typeface="Plantagenet Cherokee"/>
+        <a:font script="Yiii" typeface="Microsoft Yi Baiti"/>
+        <a:font script="Tibt" typeface="Microsoft Himalaya"/>
+        <a:font script="Thaa" typeface="MV Boli"/>
+        <a:font script="Deva" typeface="Mangal"/>
+        <a:font script="Telu" typeface="Gautami"/>
+        <a:font script="Taml" typeface="Latha"/>
+        <a:font script="Syrc" typeface="Estrangelo Edessa"/>
+        <a:font script="Orya" typeface="Kalinga"/>
+        <a:font script="Mlym" typeface="Kartika"/>
+        <a:font script="Laoo" typeface="DokChampa"/>
+        <a:font script="Sinh" typeface="Iskoola Pota"/>
+        <a:font script="Mong" typeface="Mongolian Baiti"/>
+        <a:font script="Viet" typeface="Arial"/>
+        <a:font script="Uigh" typeface="Microsoft Uighur"/>
+        <a:font script="Geor" typeface="Sylfaen"/>
+      </a:minorFont>
+    </a:fontScheme>
+    <a:fmtScheme name="Стандартная">
+      <a:fillStyleLst>
+        <a:solidFill>
+          <a:schemeClr val="phClr"/>
+        </a:solidFill>
+        <a:gradFill rotWithShape="1">
+          <a:gsLst>
+            <a:gs pos="0">
+              <a:schemeClr val="phClr">
+                <a:lumMod val="110000"/>
+                <a:satMod val="105000"/>
+                <a:tint val="67000"/>
+              </a:schemeClr>
+            </a:gs>
+            <a:gs pos="50000">
+              <a:schemeClr val="phClr">
+                <a:lumMod val="105000"/>
+                <a:satMod val="103000"/>
+                <a:tint val="73000"/>
+              </a:schemeClr>
+            </a:gs>
+            <a:gs pos="100000">
+              <a:schemeClr val="phClr">
+                <a:lumMod val="105000"/>
+                <a:satMod val="109000"/>
+                <a:tint val="81000"/>
+              </a:schemeClr>
+            </a:gs>
+          </a:gsLst>
+          <a:lin ang="5400000" scaled="0"/>
+        </a:gradFill>
+        <a:gradFill rotWithShape="1">
+          <a:gsLst>
+            <a:gs pos="0">
+              <a:schemeClr val="phClr">
+                <a:satMod val="103000"/>
+                <a:lumMod val="102000"/>
+                <a:tint val="94000"/>
+              </a:schemeClr>
+            </a:gs>
+            <a:gs pos="50000">
+              <a:schemeClr val="phClr">
+                <a:satMod val="110000"/>
+                <a:lumMod val="100000"/>
+                <a:shade val="100000"/>
+              </a:schemeClr>
+            </a:gs>
+            <a:gs pos="100000">
+              <a:schemeClr val="phClr">
+                <a:lumMod val="99000"/>
+                <a:satMod val="120000"/>
+                <a:shade val="78000"/>
+              </a:schemeClr>
+            </a:gs>
+          </a:gsLst>
+          <a:lin ang="5400000" scaled="0"/>
+        </a:gradFill>
+      </a:fillStyleLst>
+      <a:lnStyleLst>
+        <a:ln w="6350" cap="flat" cmpd="sng" algn="ctr">
+          <a:solidFill>
+            <a:schemeClr val="phClr"/>
+          </a:solidFill>
+          <a:prstDash val="solid"/>
+          <a:miter lim="800000"/>
+        </a:ln>
+        <a:ln w="12700" cap="flat" cmpd="sng" algn="ctr">
+          <a:solidFill>
+            <a:schemeClr val="phClr"/>
+          </a:solidFill>
+          <a:prstDash val="solid"/>
+          <a:miter lim="800000"/>
+        </a:ln>
+        <a:ln w="19050" cap="flat" cmpd="sng" algn="ctr">
+          <a:solidFill>
+            <a:schemeClr val="phClr"/>
+          </a:solidFill>
+          <a:prstDash val="solid"/>
+          <a:miter lim="800000"/>
+        </a:ln>
+      </a:lnStyleLst>
+      <a:effectStyleLst>
+        <a:effectStyle>
+          <a:effectLst/>
+        </a:effectStyle>
+        <a:effectStyle>
+          <a:effectLst/>
+        </a:effectStyle>
+        <a:effectStyle>
+          <a:effectLst>
+            <a:outerShdw blurRad="57150" dist="19050" dir="5400000" algn="ctr" rotWithShape="0">
+              <a:srgbClr val="000000">
+                <a:alpha val="63000"/>
+              </a:srgbClr>
+            </a:outerShdw>
+          </a:effectLst>
+        </a:effectStyle>
+      </a:effectStyleLst>
+      <a:bgFillStyleLst>
+        <a:solidFill>
+          <a:schemeClr val="phClr"/>
+        </a:solidFill>
+        <a:solidFill>
+          <a:schemeClr val="phClr">
+            <a:tint val="95000"/>
+            <a:satMod val="170000"/>
+          </a:schemeClr>
+        </a:solidFill>
+        <a:gradFill rotWithShape="1">
+          <a:gsLst>
+            <a:gs pos="0">
+              <a:schemeClr val="phClr">
+                <a:tint val="93000"/>
+                <a:satMod val="150000"/>
+                <a:shade val="98000"/>
+                <a:lumMod val="102000"/>
+              </a:schemeClr>
+            </a:gs>
+            <a:gs pos="50000">
+              <a:schemeClr val="phClr">
+                <a:tint val="98000"/>
+                <a:satMod val="130000"/>
+                <a:shade val="90000"/>
+                <a:lumMod val="103000"/>
+              </a:schemeClr>
+            </a:gs>
+            <a:gs pos="100000">
+              <a:schemeClr val="phClr">
+                <a:shade val="63000"/>
+                <a:satMod val="120000"/>
+              </a:schemeClr>
+            </a:gs>
+          </a:gsLst>
+          <a:lin ang="5400000" scaled="0"/>
+        </a:gradFill>
+      </a:bgFillStyleLst>
+    </a:fmtScheme>
+  </a:themeElements>
+  <a:objectDefaults/>
+  <a:extraClrSchemeLst/>
+  <a:extLst>
+    <a:ext uri="{05A4C25C-085E-4340-85A3-A5531E510DB2}">
+      <thm15:themeFamily xmlns:thm15="http://schemas.microsoft.com/office/thememl/2012/main" name="Office Theme" id="{62F939B6-93AF-4DB8-9C6B-D6C7DFDC589F}" vid="{4A3C46E8-61CC-4603-A589-7422A47A8E4A}"/>
+    </a:ext>
+  </a:extLst>
+</a:theme>
 </file>